--- a/4. 에타 과목 추천 시스템/data/interface/image/timetable.pptx
+++ b/4. 에타 과목 추천 시스템/data/interface/image/timetable.pptx
@@ -8,8 +8,11 @@
     <p:sldId id="256" r:id="rId2"/>
     <p:sldId id="257" r:id="rId3"/>
     <p:sldId id="258" r:id="rId4"/>
-    <p:sldId id="260" r:id="rId5"/>
-    <p:sldId id="261" r:id="rId6"/>
+    <p:sldId id="264" r:id="rId5"/>
+    <p:sldId id="260" r:id="rId6"/>
+    <p:sldId id="261" r:id="rId7"/>
+    <p:sldId id="262" r:id="rId8"/>
+    <p:sldId id="263" r:id="rId9"/>
   </p:sldIdLst>
   <p:sldSz cx="12192000" cy="6858000"/>
   <p:notesSz cx="6858000" cy="9144000"/>
@@ -258,7 +261,7 @@
           <a:p>
             <a:fld id="{18FF89C9-7F73-4420-811F-567554E6B8AF}" type="datetimeFigureOut">
               <a:rPr lang="ko-KR" altLang="en-US" smtClean="0"/>
-              <a:t>2021-04-15</a:t>
+              <a:t>2021-04-28</a:t>
             </a:fld>
             <a:endParaRPr lang="ko-KR" altLang="en-US"/>
           </a:p>
@@ -428,7 +431,7 @@
           <a:p>
             <a:fld id="{18FF89C9-7F73-4420-811F-567554E6B8AF}" type="datetimeFigureOut">
               <a:rPr lang="ko-KR" altLang="en-US" smtClean="0"/>
-              <a:t>2021-04-15</a:t>
+              <a:t>2021-04-28</a:t>
             </a:fld>
             <a:endParaRPr lang="ko-KR" altLang="en-US"/>
           </a:p>
@@ -608,7 +611,7 @@
           <a:p>
             <a:fld id="{18FF89C9-7F73-4420-811F-567554E6B8AF}" type="datetimeFigureOut">
               <a:rPr lang="ko-KR" altLang="en-US" smtClean="0"/>
-              <a:t>2021-04-15</a:t>
+              <a:t>2021-04-28</a:t>
             </a:fld>
             <a:endParaRPr lang="ko-KR" altLang="en-US"/>
           </a:p>
@@ -778,7 +781,7 @@
           <a:p>
             <a:fld id="{18FF89C9-7F73-4420-811F-567554E6B8AF}" type="datetimeFigureOut">
               <a:rPr lang="ko-KR" altLang="en-US" smtClean="0"/>
-              <a:t>2021-04-15</a:t>
+              <a:t>2021-04-28</a:t>
             </a:fld>
             <a:endParaRPr lang="ko-KR" altLang="en-US"/>
           </a:p>
@@ -1024,7 +1027,7 @@
           <a:p>
             <a:fld id="{18FF89C9-7F73-4420-811F-567554E6B8AF}" type="datetimeFigureOut">
               <a:rPr lang="ko-KR" altLang="en-US" smtClean="0"/>
-              <a:t>2021-04-15</a:t>
+              <a:t>2021-04-28</a:t>
             </a:fld>
             <a:endParaRPr lang="ko-KR" altLang="en-US"/>
           </a:p>
@@ -1256,7 +1259,7 @@
           <a:p>
             <a:fld id="{18FF89C9-7F73-4420-811F-567554E6B8AF}" type="datetimeFigureOut">
               <a:rPr lang="ko-KR" altLang="en-US" smtClean="0"/>
-              <a:t>2021-04-15</a:t>
+              <a:t>2021-04-28</a:t>
             </a:fld>
             <a:endParaRPr lang="ko-KR" altLang="en-US"/>
           </a:p>
@@ -1623,7 +1626,7 @@
           <a:p>
             <a:fld id="{18FF89C9-7F73-4420-811F-567554E6B8AF}" type="datetimeFigureOut">
               <a:rPr lang="ko-KR" altLang="en-US" smtClean="0"/>
-              <a:t>2021-04-15</a:t>
+              <a:t>2021-04-28</a:t>
             </a:fld>
             <a:endParaRPr lang="ko-KR" altLang="en-US"/>
           </a:p>
@@ -1741,7 +1744,7 @@
           <a:p>
             <a:fld id="{18FF89C9-7F73-4420-811F-567554E6B8AF}" type="datetimeFigureOut">
               <a:rPr lang="ko-KR" altLang="en-US" smtClean="0"/>
-              <a:t>2021-04-15</a:t>
+              <a:t>2021-04-28</a:t>
             </a:fld>
             <a:endParaRPr lang="ko-KR" altLang="en-US"/>
           </a:p>
@@ -1836,7 +1839,7 @@
           <a:p>
             <a:fld id="{18FF89C9-7F73-4420-811F-567554E6B8AF}" type="datetimeFigureOut">
               <a:rPr lang="ko-KR" altLang="en-US" smtClean="0"/>
-              <a:t>2021-04-15</a:t>
+              <a:t>2021-04-28</a:t>
             </a:fld>
             <a:endParaRPr lang="ko-KR" altLang="en-US"/>
           </a:p>
@@ -2113,7 +2116,7 @@
           <a:p>
             <a:fld id="{18FF89C9-7F73-4420-811F-567554E6B8AF}" type="datetimeFigureOut">
               <a:rPr lang="ko-KR" altLang="en-US" smtClean="0"/>
-              <a:t>2021-04-15</a:t>
+              <a:t>2021-04-28</a:t>
             </a:fld>
             <a:endParaRPr lang="ko-KR" altLang="en-US"/>
           </a:p>
@@ -2370,7 +2373,7 @@
           <a:p>
             <a:fld id="{18FF89C9-7F73-4420-811F-567554E6B8AF}" type="datetimeFigureOut">
               <a:rPr lang="ko-KR" altLang="en-US" smtClean="0"/>
-              <a:t>2021-04-15</a:t>
+              <a:t>2021-04-28</a:t>
             </a:fld>
             <a:endParaRPr lang="ko-KR" altLang="en-US"/>
           </a:p>
@@ -2583,7 +2586,7 @@
           <a:p>
             <a:fld id="{18FF89C9-7F73-4420-811F-567554E6B8AF}" type="datetimeFigureOut">
               <a:rPr lang="ko-KR" altLang="en-US" smtClean="0"/>
-              <a:t>2021-04-15</a:t>
+              <a:t>2021-04-28</a:t>
             </a:fld>
             <a:endParaRPr lang="ko-KR" altLang="en-US"/>
           </a:p>
@@ -3003,14 +3006,14 @@
           <p:nvPr>
             <p:extLst>
               <p:ext uri="{D42A27DB-BD31-4B8C-83A1-F6EECF244321}">
-                <p14:modId xmlns:p14="http://schemas.microsoft.com/office/powerpoint/2010/main" val="3715618383"/>
+                <p14:modId xmlns:p14="http://schemas.microsoft.com/office/powerpoint/2010/main" val="1171067752"/>
               </p:ext>
             </p:extLst>
           </p:nvPr>
         </p:nvGraphicFramePr>
         <p:xfrm>
-          <a:off x="121399" y="182209"/>
-          <a:ext cx="11949202" cy="8536147"/>
+          <a:off x="656414" y="-839074"/>
+          <a:ext cx="10879171" cy="8536149"/>
         </p:xfrm>
         <a:graphic>
           <a:graphicData uri="http://schemas.openxmlformats.org/drawingml/2006/table">
@@ -3061,13 +3064,6 @@
                     </a:ext>
                   </a:extLst>
                 </a:gridCol>
-                <a:gridCol w="1070031">
-                  <a:extLst>
-                    <a:ext uri="{9D8B030D-6E8A-4147-A177-3AD203B41FA5}">
-                      <a16:colId xmlns:a16="http://schemas.microsoft.com/office/drawing/2014/main" val="1131048492"/>
-                    </a:ext>
-                  </a:extLst>
-                </a:gridCol>
               </a:tblGrid>
               <a:tr h="519605">
                 <a:tc>
@@ -3439,73 +3435,14 @@
                     </a:solidFill>
                   </a:tcPr>
                 </a:tc>
-                <a:tc>
-                  <a:txBody>
-                    <a:bodyPr/>
-                    <a:lstStyle/>
-                    <a:p>
-                      <a:pPr algn="ctr" latinLnBrk="1"/>
-                      <a:endParaRPr lang="ko-KR" altLang="en-US" sz="1300" dirty="0">
-                        <a:solidFill>
-                          <a:schemeClr val="bg1">
-                            <a:lumMod val="50000"/>
-                          </a:schemeClr>
-                        </a:solidFill>
-                        <a:latin typeface="나눔스퀘어OTF" panose="020B0600000101010101" pitchFamily="34" charset="-127"/>
-                        <a:ea typeface="나눔스퀘어OTF" panose="020B0600000101010101" pitchFamily="34" charset="-127"/>
-                      </a:endParaRPr>
-                    </a:p>
-                  </a:txBody>
-                  <a:tcPr marL="0" marR="0" marT="0" marB="0" anchor="ctr">
-                    <a:lnL w="6350" cap="flat" cmpd="sng" algn="ctr">
-                      <a:solidFill>
-                        <a:schemeClr val="tx1"/>
-                      </a:solidFill>
-                      <a:prstDash val="solid"/>
-                      <a:round/>
-                      <a:headEnd type="none" w="med" len="med"/>
-                      <a:tailEnd type="none" w="med" len="med"/>
-                    </a:lnL>
-                    <a:lnR w="6350" cap="flat" cmpd="sng" algn="ctr">
-                      <a:solidFill>
-                        <a:schemeClr val="tx1"/>
-                      </a:solidFill>
-                      <a:prstDash val="solid"/>
-                      <a:round/>
-                      <a:headEnd type="none" w="med" len="med"/>
-                      <a:tailEnd type="none" w="med" len="med"/>
-                    </a:lnR>
-                    <a:lnT w="6350" cap="flat" cmpd="sng" algn="ctr">
-                      <a:solidFill>
-                        <a:schemeClr val="tx1"/>
-                      </a:solidFill>
-                      <a:prstDash val="solid"/>
-                      <a:round/>
-                      <a:headEnd type="none" w="med" len="med"/>
-                      <a:tailEnd type="none" w="med" len="med"/>
-                    </a:lnT>
-                    <a:lnB w="6350" cap="flat" cmpd="sng" algn="ctr">
-                      <a:solidFill>
-                        <a:schemeClr val="tx1"/>
-                      </a:solidFill>
-                      <a:prstDash val="solid"/>
-                      <a:round/>
-                      <a:headEnd type="none" w="med" len="med"/>
-                      <a:tailEnd type="none" w="med" len="med"/>
-                    </a:lnB>
-                    <a:solidFill>
-                      <a:schemeClr val="bg2"/>
-                    </a:solidFill>
-                  </a:tcPr>
-                </a:tc>
                 <a:extLst>
                   <a:ext uri="{0D108BD9-81ED-4DB2-BD59-A6C34878D82A}">
                     <a16:rowId xmlns:a16="http://schemas.microsoft.com/office/drawing/2014/main" val="816764553"/>
                   </a:ext>
                 </a:extLst>
               </a:tr>
-              <a:tr h="668046">
-                <a:tc rowSpan="2">
+              <a:tr h="1002068">
+                <a:tc>
                   <a:txBody>
                     <a:bodyPr/>
                     <a:lstStyle/>
@@ -3849,514 +3786,14 @@
                     </a:solidFill>
                   </a:tcPr>
                 </a:tc>
-                <a:tc>
-                  <a:txBody>
-                    <a:bodyPr/>
-                    <a:lstStyle/>
-                    <a:p>
-                      <a:pPr algn="ctr" latinLnBrk="1"/>
-                      <a:r>
-                        <a:rPr lang="ko-KR" altLang="en-US" sz="1300" dirty="0">
-                          <a:solidFill>
-                            <a:schemeClr val="bg1">
-                              <a:lumMod val="50000"/>
-                            </a:schemeClr>
-                          </a:solidFill>
-                          <a:latin typeface="나눔스퀘어OTF" panose="020B0600000101010101" pitchFamily="34" charset="-127"/>
-                          <a:ea typeface="나눔스퀘어OTF" panose="020B0600000101010101" pitchFamily="34" charset="-127"/>
-                        </a:rPr>
-                        <a:t>오전 </a:t>
-                      </a:r>
-                      <a:r>
-                        <a:rPr lang="en-US" altLang="ko-KR" sz="1300" dirty="0">
-                          <a:solidFill>
-                            <a:schemeClr val="bg1">
-                              <a:lumMod val="50000"/>
-                            </a:schemeClr>
-                          </a:solidFill>
-                          <a:latin typeface="나눔스퀘어OTF" panose="020B0600000101010101" pitchFamily="34" charset="-127"/>
-                          <a:ea typeface="나눔스퀘어OTF" panose="020B0600000101010101" pitchFamily="34" charset="-127"/>
-                        </a:rPr>
-                        <a:t>9</a:t>
-                      </a:r>
-                      <a:r>
-                        <a:rPr lang="ko-KR" altLang="en-US" sz="1300" dirty="0">
-                          <a:solidFill>
-                            <a:schemeClr val="bg1">
-                              <a:lumMod val="50000"/>
-                            </a:schemeClr>
-                          </a:solidFill>
-                          <a:latin typeface="나눔스퀘어OTF" panose="020B0600000101010101" pitchFamily="34" charset="-127"/>
-                          <a:ea typeface="나눔스퀘어OTF" panose="020B0600000101010101" pitchFamily="34" charset="-127"/>
-                        </a:rPr>
-                        <a:t>시</a:t>
-                      </a:r>
-                    </a:p>
-                  </a:txBody>
-                  <a:tcPr marL="0" marR="0" marT="0" marB="0" anchor="ctr">
-                    <a:lnL w="6350" cap="flat" cmpd="sng" algn="ctr">
-                      <a:solidFill>
-                        <a:schemeClr val="tx1"/>
-                      </a:solidFill>
-                      <a:prstDash val="solid"/>
-                      <a:round/>
-                      <a:headEnd type="none" w="med" len="med"/>
-                      <a:tailEnd type="none" w="med" len="med"/>
-                    </a:lnL>
-                    <a:lnR w="6350" cap="flat" cmpd="sng" algn="ctr">
-                      <a:solidFill>
-                        <a:schemeClr val="tx1"/>
-                      </a:solidFill>
-                      <a:prstDash val="solid"/>
-                      <a:round/>
-                      <a:headEnd type="none" w="med" len="med"/>
-                      <a:tailEnd type="none" w="med" len="med"/>
-                    </a:lnR>
-                    <a:lnT w="6350" cap="flat" cmpd="sng" algn="ctr">
-                      <a:solidFill>
-                        <a:schemeClr val="tx1"/>
-                      </a:solidFill>
-                      <a:prstDash val="solid"/>
-                      <a:round/>
-                      <a:headEnd type="none" w="med" len="med"/>
-                      <a:tailEnd type="none" w="med" len="med"/>
-                    </a:lnT>
-                    <a:lnB w="6350" cap="flat" cmpd="sng" algn="ctr">
-                      <a:solidFill>
-                        <a:schemeClr val="tx1"/>
-                      </a:solidFill>
-                      <a:prstDash val="solid"/>
-                      <a:round/>
-                      <a:headEnd type="none" w="med" len="med"/>
-                      <a:tailEnd type="none" w="med" len="med"/>
-                    </a:lnB>
-                    <a:solidFill>
-                      <a:schemeClr val="bg1"/>
-                    </a:solidFill>
-                  </a:tcPr>
-                </a:tc>
                 <a:extLst>
                   <a:ext uri="{0D108BD9-81ED-4DB2-BD59-A6C34878D82A}">
                     <a16:rowId xmlns:a16="http://schemas.microsoft.com/office/drawing/2014/main" val="2364971346"/>
                   </a:ext>
                 </a:extLst>
               </a:tr>
-              <a:tr h="334021">
-                <a:tc vMerge="1">
-                  <a:txBody>
-                    <a:bodyPr/>
-                    <a:lstStyle/>
-                    <a:p>
-                      <a:pPr algn="ctr" latinLnBrk="1"/>
-                      <a:endParaRPr lang="ko-KR" altLang="en-US" sz="1400" dirty="0">
-                        <a:latin typeface="나눔스퀘어OTF" panose="020B0600000101010101" pitchFamily="34" charset="-127"/>
-                        <a:ea typeface="나눔스퀘어OTF" panose="020B0600000101010101" pitchFamily="34" charset="-127"/>
-                      </a:endParaRPr>
-                    </a:p>
-                  </a:txBody>
-                  <a:tcPr marL="0" marR="0" marT="0" marB="0" anchor="ctr">
-                    <a:lnL w="12700" cap="flat" cmpd="sng" algn="ctr">
-                      <a:solidFill>
-                        <a:schemeClr val="tx1"/>
-                      </a:solidFill>
-                      <a:prstDash val="solid"/>
-                      <a:round/>
-                      <a:headEnd type="none" w="med" len="med"/>
-                      <a:tailEnd type="none" w="med" len="med"/>
-                    </a:lnL>
-                    <a:lnR w="12700" cap="flat" cmpd="sng" algn="ctr">
-                      <a:solidFill>
-                        <a:schemeClr val="tx1"/>
-                      </a:solidFill>
-                      <a:prstDash val="solid"/>
-                      <a:round/>
-                      <a:headEnd type="none" w="med" len="med"/>
-                      <a:tailEnd type="none" w="med" len="med"/>
-                    </a:lnR>
-                    <a:lnT w="12700" cap="flat" cmpd="sng" algn="ctr">
-                      <a:solidFill>
-                        <a:schemeClr val="tx1"/>
-                      </a:solidFill>
-                      <a:prstDash val="solid"/>
-                      <a:round/>
-                      <a:headEnd type="none" w="med" len="med"/>
-                      <a:tailEnd type="none" w="med" len="med"/>
-                    </a:lnT>
-                    <a:lnB w="12700" cap="flat" cmpd="sng" algn="ctr">
-                      <a:solidFill>
-                        <a:schemeClr val="tx1"/>
-                      </a:solidFill>
-                      <a:prstDash val="solid"/>
-                      <a:round/>
-                      <a:headEnd type="none" w="med" len="med"/>
-                      <a:tailEnd type="none" w="med" len="med"/>
-                    </a:lnB>
-                  </a:tcPr>
-                </a:tc>
-                <a:tc rowSpan="2">
-                  <a:txBody>
-                    <a:bodyPr/>
-                    <a:lstStyle/>
-                    <a:p>
-                      <a:pPr algn="ctr" latinLnBrk="1"/>
-                      <a:endParaRPr lang="ko-KR" altLang="en-US" sz="1300" dirty="0">
-                        <a:latin typeface="나눔스퀘어OTF" panose="020B0600000101010101" pitchFamily="34" charset="-127"/>
-                        <a:ea typeface="나눔스퀘어OTF" panose="020B0600000101010101" pitchFamily="34" charset="-127"/>
-                      </a:endParaRPr>
-                    </a:p>
-                  </a:txBody>
-                  <a:tcPr marL="0" marR="0" marT="0" marB="0" anchor="ctr">
-                    <a:lnL w="6350" cap="flat" cmpd="sng" algn="ctr">
-                      <a:solidFill>
-                        <a:schemeClr val="tx1"/>
-                      </a:solidFill>
-                      <a:prstDash val="solid"/>
-                      <a:round/>
-                      <a:headEnd type="none" w="med" len="med"/>
-                      <a:tailEnd type="none" w="med" len="med"/>
-                    </a:lnL>
-                    <a:lnR w="6350" cap="flat" cmpd="sng" algn="ctr">
-                      <a:solidFill>
-                        <a:schemeClr val="tx1"/>
-                      </a:solidFill>
-                      <a:prstDash val="solid"/>
-                      <a:round/>
-                      <a:headEnd type="none" w="med" len="med"/>
-                      <a:tailEnd type="none" w="med" len="med"/>
-                    </a:lnR>
-                    <a:lnT w="6350" cap="flat" cmpd="sng" algn="ctr">
-                      <a:solidFill>
-                        <a:schemeClr val="tx1"/>
-                      </a:solidFill>
-                      <a:prstDash val="solid"/>
-                      <a:round/>
-                      <a:headEnd type="none" w="med" len="med"/>
-                      <a:tailEnd type="none" w="med" len="med"/>
-                    </a:lnT>
-                    <a:lnB w="6350" cap="flat" cmpd="sng" algn="ctr">
-                      <a:solidFill>
-                        <a:schemeClr val="tx1"/>
-                      </a:solidFill>
-                      <a:prstDash val="solid"/>
-                      <a:round/>
-                      <a:headEnd type="none" w="med" len="med"/>
-                      <a:tailEnd type="none" w="med" len="med"/>
-                    </a:lnB>
-                    <a:solidFill>
-                      <a:schemeClr val="bg1"/>
-                    </a:solidFill>
-                  </a:tcPr>
-                </a:tc>
-                <a:tc rowSpan="2">
-                  <a:txBody>
-                    <a:bodyPr/>
-                    <a:lstStyle/>
-                    <a:p>
-                      <a:pPr algn="ctr" latinLnBrk="1"/>
-                      <a:endParaRPr lang="ko-KR" altLang="en-US" sz="1300" dirty="0">
-                        <a:latin typeface="나눔스퀘어OTF" panose="020B0600000101010101" pitchFamily="34" charset="-127"/>
-                        <a:ea typeface="나눔스퀘어OTF" panose="020B0600000101010101" pitchFamily="34" charset="-127"/>
-                      </a:endParaRPr>
-                    </a:p>
-                  </a:txBody>
-                  <a:tcPr marL="0" marR="0" marT="0" marB="0" anchor="ctr">
-                    <a:lnL w="6350" cap="flat" cmpd="sng" algn="ctr">
-                      <a:solidFill>
-                        <a:schemeClr val="tx1"/>
-                      </a:solidFill>
-                      <a:prstDash val="solid"/>
-                      <a:round/>
-                      <a:headEnd type="none" w="med" len="med"/>
-                      <a:tailEnd type="none" w="med" len="med"/>
-                    </a:lnL>
-                    <a:lnR w="6350" cap="flat" cmpd="sng" algn="ctr">
-                      <a:solidFill>
-                        <a:schemeClr val="tx1"/>
-                      </a:solidFill>
-                      <a:prstDash val="solid"/>
-                      <a:round/>
-                      <a:headEnd type="none" w="med" len="med"/>
-                      <a:tailEnd type="none" w="med" len="med"/>
-                    </a:lnR>
-                    <a:lnT w="6350" cap="flat" cmpd="sng" algn="ctr">
-                      <a:solidFill>
-                        <a:schemeClr val="tx1"/>
-                      </a:solidFill>
-                      <a:prstDash val="solid"/>
-                      <a:round/>
-                      <a:headEnd type="none" w="med" len="med"/>
-                      <a:tailEnd type="none" w="med" len="med"/>
-                    </a:lnT>
-                    <a:lnB w="6350" cap="flat" cmpd="sng" algn="ctr">
-                      <a:solidFill>
-                        <a:schemeClr val="tx1"/>
-                      </a:solidFill>
-                      <a:prstDash val="solid"/>
-                      <a:round/>
-                      <a:headEnd type="none" w="med" len="med"/>
-                      <a:tailEnd type="none" w="med" len="med"/>
-                    </a:lnB>
-                    <a:solidFill>
-                      <a:schemeClr val="bg1"/>
-                    </a:solidFill>
-                  </a:tcPr>
-                </a:tc>
-                <a:tc rowSpan="2">
-                  <a:txBody>
-                    <a:bodyPr/>
-                    <a:lstStyle/>
-                    <a:p>
-                      <a:pPr algn="ctr" latinLnBrk="1"/>
-                      <a:endParaRPr lang="ko-KR" altLang="en-US" sz="1300" dirty="0">
-                        <a:latin typeface="나눔스퀘어OTF" panose="020B0600000101010101" pitchFamily="34" charset="-127"/>
-                        <a:ea typeface="나눔스퀘어OTF" panose="020B0600000101010101" pitchFamily="34" charset="-127"/>
-                      </a:endParaRPr>
-                    </a:p>
-                  </a:txBody>
-                  <a:tcPr marL="0" marR="0" marT="0" marB="0" anchor="ctr">
-                    <a:lnL w="6350" cap="flat" cmpd="sng" algn="ctr">
-                      <a:solidFill>
-                        <a:schemeClr val="tx1"/>
-                      </a:solidFill>
-                      <a:prstDash val="solid"/>
-                      <a:round/>
-                      <a:headEnd type="none" w="med" len="med"/>
-                      <a:tailEnd type="none" w="med" len="med"/>
-                    </a:lnL>
-                    <a:lnR w="6350" cap="flat" cmpd="sng" algn="ctr">
-                      <a:solidFill>
-                        <a:schemeClr val="tx1"/>
-                      </a:solidFill>
-                      <a:prstDash val="solid"/>
-                      <a:round/>
-                      <a:headEnd type="none" w="med" len="med"/>
-                      <a:tailEnd type="none" w="med" len="med"/>
-                    </a:lnR>
-                    <a:lnT w="6350" cap="flat" cmpd="sng" algn="ctr">
-                      <a:solidFill>
-                        <a:schemeClr val="tx1"/>
-                      </a:solidFill>
-                      <a:prstDash val="solid"/>
-                      <a:round/>
-                      <a:headEnd type="none" w="med" len="med"/>
-                      <a:tailEnd type="none" w="med" len="med"/>
-                    </a:lnT>
-                    <a:lnB w="6350" cap="flat" cmpd="sng" algn="ctr">
-                      <a:solidFill>
-                        <a:schemeClr val="tx1"/>
-                      </a:solidFill>
-                      <a:prstDash val="solid"/>
-                      <a:round/>
-                      <a:headEnd type="none" w="med" len="med"/>
-                      <a:tailEnd type="none" w="med" len="med"/>
-                    </a:lnB>
-                    <a:solidFill>
-                      <a:schemeClr val="bg1"/>
-                    </a:solidFill>
-                  </a:tcPr>
-                </a:tc>
-                <a:tc rowSpan="2">
-                  <a:txBody>
-                    <a:bodyPr/>
-                    <a:lstStyle/>
-                    <a:p>
-                      <a:pPr algn="ctr" latinLnBrk="1"/>
-                      <a:endParaRPr lang="ko-KR" altLang="en-US" sz="1300" dirty="0">
-                        <a:latin typeface="나눔스퀘어OTF" panose="020B0600000101010101" pitchFamily="34" charset="-127"/>
-                        <a:ea typeface="나눔스퀘어OTF" panose="020B0600000101010101" pitchFamily="34" charset="-127"/>
-                      </a:endParaRPr>
-                    </a:p>
-                  </a:txBody>
-                  <a:tcPr marL="0" marR="0" marT="0" marB="0" anchor="ctr">
-                    <a:lnL w="6350" cap="flat" cmpd="sng" algn="ctr">
-                      <a:solidFill>
-                        <a:schemeClr val="tx1"/>
-                      </a:solidFill>
-                      <a:prstDash val="solid"/>
-                      <a:round/>
-                      <a:headEnd type="none" w="med" len="med"/>
-                      <a:tailEnd type="none" w="med" len="med"/>
-                    </a:lnL>
-                    <a:lnR w="6350" cap="flat" cmpd="sng" algn="ctr">
-                      <a:solidFill>
-                        <a:schemeClr val="tx1"/>
-                      </a:solidFill>
-                      <a:prstDash val="solid"/>
-                      <a:round/>
-                      <a:headEnd type="none" w="med" len="med"/>
-                      <a:tailEnd type="none" w="med" len="med"/>
-                    </a:lnR>
-                    <a:lnT w="6350" cap="flat" cmpd="sng" algn="ctr">
-                      <a:solidFill>
-                        <a:schemeClr val="tx1"/>
-                      </a:solidFill>
-                      <a:prstDash val="solid"/>
-                      <a:round/>
-                      <a:headEnd type="none" w="med" len="med"/>
-                      <a:tailEnd type="none" w="med" len="med"/>
-                    </a:lnT>
-                    <a:lnB w="6350" cap="flat" cmpd="sng" algn="ctr">
-                      <a:solidFill>
-                        <a:schemeClr val="tx1"/>
-                      </a:solidFill>
-                      <a:prstDash val="solid"/>
-                      <a:round/>
-                      <a:headEnd type="none" w="med" len="med"/>
-                      <a:tailEnd type="none" w="med" len="med"/>
-                    </a:lnB>
-                    <a:solidFill>
-                      <a:schemeClr val="bg1"/>
-                    </a:solidFill>
-                  </a:tcPr>
-                </a:tc>
-                <a:tc rowSpan="2">
-                  <a:txBody>
-                    <a:bodyPr/>
-                    <a:lstStyle/>
-                    <a:p>
-                      <a:pPr algn="ctr" latinLnBrk="1"/>
-                      <a:endParaRPr lang="ko-KR" altLang="en-US" sz="1300" dirty="0">
-                        <a:latin typeface="나눔스퀘어OTF" panose="020B0600000101010101" pitchFamily="34" charset="-127"/>
-                        <a:ea typeface="나눔스퀘어OTF" panose="020B0600000101010101" pitchFamily="34" charset="-127"/>
-                      </a:endParaRPr>
-                    </a:p>
-                  </a:txBody>
-                  <a:tcPr marL="0" marR="0" marT="0" marB="0" anchor="ctr">
-                    <a:lnL w="6350" cap="flat" cmpd="sng" algn="ctr">
-                      <a:solidFill>
-                        <a:schemeClr val="tx1"/>
-                      </a:solidFill>
-                      <a:prstDash val="solid"/>
-                      <a:round/>
-                      <a:headEnd type="none" w="med" len="med"/>
-                      <a:tailEnd type="none" w="med" len="med"/>
-                    </a:lnL>
-                    <a:lnR w="6350" cap="flat" cmpd="sng" algn="ctr">
-                      <a:solidFill>
-                        <a:schemeClr val="tx1"/>
-                      </a:solidFill>
-                      <a:prstDash val="solid"/>
-                      <a:round/>
-                      <a:headEnd type="none" w="med" len="med"/>
-                      <a:tailEnd type="none" w="med" len="med"/>
-                    </a:lnR>
-                    <a:lnT w="6350" cap="flat" cmpd="sng" algn="ctr">
-                      <a:solidFill>
-                        <a:schemeClr val="tx1"/>
-                      </a:solidFill>
-                      <a:prstDash val="solid"/>
-                      <a:round/>
-                      <a:headEnd type="none" w="med" len="med"/>
-                      <a:tailEnd type="none" w="med" len="med"/>
-                    </a:lnT>
-                    <a:lnB w="6350" cap="flat" cmpd="sng" algn="ctr">
-                      <a:solidFill>
-                        <a:schemeClr val="tx1"/>
-                      </a:solidFill>
-                      <a:prstDash val="solid"/>
-                      <a:round/>
-                      <a:headEnd type="none" w="med" len="med"/>
-                      <a:tailEnd type="none" w="med" len="med"/>
-                    </a:lnB>
-                    <a:solidFill>
-                      <a:schemeClr val="bg1"/>
-                    </a:solidFill>
-                  </a:tcPr>
-                </a:tc>
-                <a:tc rowSpan="2">
-                  <a:txBody>
-                    <a:bodyPr/>
-                    <a:lstStyle/>
-                    <a:p>
-                      <a:pPr algn="ctr" latinLnBrk="1"/>
-                      <a:r>
-                        <a:rPr lang="ko-KR" altLang="en-US" sz="1300" dirty="0">
-                          <a:solidFill>
-                            <a:schemeClr val="bg1">
-                              <a:lumMod val="50000"/>
-                            </a:schemeClr>
-                          </a:solidFill>
-                          <a:latin typeface="나눔스퀘어OTF" panose="020B0600000101010101" pitchFamily="34" charset="-127"/>
-                          <a:ea typeface="나눔스퀘어OTF" panose="020B0600000101010101" pitchFamily="34" charset="-127"/>
-                        </a:rPr>
-                        <a:t>오전 </a:t>
-                      </a:r>
-                      <a:r>
-                        <a:rPr lang="en-US" altLang="ko-KR" sz="1300" dirty="0">
-                          <a:solidFill>
-                            <a:schemeClr val="bg1">
-                              <a:lumMod val="50000"/>
-                            </a:schemeClr>
-                          </a:solidFill>
-                          <a:latin typeface="나눔스퀘어OTF" panose="020B0600000101010101" pitchFamily="34" charset="-127"/>
-                          <a:ea typeface="나눔스퀘어OTF" panose="020B0600000101010101" pitchFamily="34" charset="-127"/>
-                        </a:rPr>
-                        <a:t>10</a:t>
-                      </a:r>
-                      <a:r>
-                        <a:rPr lang="ko-KR" altLang="en-US" sz="1300" dirty="0">
-                          <a:solidFill>
-                            <a:schemeClr val="bg1">
-                              <a:lumMod val="50000"/>
-                            </a:schemeClr>
-                          </a:solidFill>
-                          <a:latin typeface="나눔스퀘어OTF" panose="020B0600000101010101" pitchFamily="34" charset="-127"/>
-                          <a:ea typeface="나눔스퀘어OTF" panose="020B0600000101010101" pitchFamily="34" charset="-127"/>
-                        </a:rPr>
-                        <a:t>시</a:t>
-                      </a:r>
-                    </a:p>
-                  </a:txBody>
-                  <a:tcPr marL="0" marR="0" marT="0" marB="0" anchor="ctr">
-                    <a:lnL w="6350" cap="flat" cmpd="sng" algn="ctr">
-                      <a:solidFill>
-                        <a:schemeClr val="tx1"/>
-                      </a:solidFill>
-                      <a:prstDash val="solid"/>
-                      <a:round/>
-                      <a:headEnd type="none" w="med" len="med"/>
-                      <a:tailEnd type="none" w="med" len="med"/>
-                    </a:lnL>
-                    <a:lnR w="6350" cap="flat" cmpd="sng" algn="ctr">
-                      <a:solidFill>
-                        <a:schemeClr val="tx1"/>
-                      </a:solidFill>
-                      <a:prstDash val="solid"/>
-                      <a:round/>
-                      <a:headEnd type="none" w="med" len="med"/>
-                      <a:tailEnd type="none" w="med" len="med"/>
-                    </a:lnR>
-                    <a:lnT w="6350" cap="flat" cmpd="sng" algn="ctr">
-                      <a:solidFill>
-                        <a:schemeClr val="tx1"/>
-                      </a:solidFill>
-                      <a:prstDash val="solid"/>
-                      <a:round/>
-                      <a:headEnd type="none" w="med" len="med"/>
-                      <a:tailEnd type="none" w="med" len="med"/>
-                    </a:lnT>
-                    <a:lnB w="6350" cap="flat" cmpd="sng" algn="ctr">
-                      <a:solidFill>
-                        <a:schemeClr val="tx1"/>
-                      </a:solidFill>
-                      <a:prstDash val="solid"/>
-                      <a:round/>
-                      <a:headEnd type="none" w="med" len="med"/>
-                      <a:tailEnd type="none" w="med" len="med"/>
-                    </a:lnB>
-                    <a:solidFill>
-                      <a:schemeClr val="bg1"/>
-                    </a:solidFill>
-                  </a:tcPr>
-                </a:tc>
-                <a:extLst>
-                  <a:ext uri="{0D108BD9-81ED-4DB2-BD59-A6C34878D82A}">
-                    <a16:rowId xmlns:a16="http://schemas.microsoft.com/office/drawing/2014/main" val="2892877868"/>
-                  </a:ext>
-                </a:extLst>
-              </a:tr>
-              <a:tr h="334027">
-                <a:tc rowSpan="2">
+              <a:tr h="1002068">
+                <a:tc>
                   <a:txBody>
                     <a:bodyPr/>
                     <a:lstStyle/>
@@ -4430,130 +3867,6 @@
                     </a:solidFill>
                   </a:tcPr>
                 </a:tc>
-                <a:tc vMerge="1">
-                  <a:txBody>
-                    <a:bodyPr/>
-                    <a:lstStyle/>
-                    <a:p>
-                      <a:pPr latinLnBrk="1"/>
-                      <a:endParaRPr lang="ko-KR" altLang="en-US"/>
-                    </a:p>
-                  </a:txBody>
-                  <a:tcPr/>
-                </a:tc>
-                <a:tc vMerge="1">
-                  <a:txBody>
-                    <a:bodyPr/>
-                    <a:lstStyle/>
-                    <a:p>
-                      <a:pPr latinLnBrk="1"/>
-                      <a:endParaRPr lang="ko-KR" altLang="en-US"/>
-                    </a:p>
-                  </a:txBody>
-                  <a:tcPr/>
-                </a:tc>
-                <a:tc vMerge="1">
-                  <a:txBody>
-                    <a:bodyPr/>
-                    <a:lstStyle/>
-                    <a:p>
-                      <a:pPr latinLnBrk="1"/>
-                      <a:endParaRPr lang="ko-KR" altLang="en-US"/>
-                    </a:p>
-                  </a:txBody>
-                  <a:tcPr/>
-                </a:tc>
-                <a:tc vMerge="1">
-                  <a:txBody>
-                    <a:bodyPr/>
-                    <a:lstStyle/>
-                    <a:p>
-                      <a:pPr latinLnBrk="1"/>
-                      <a:endParaRPr lang="ko-KR" altLang="en-US"/>
-                    </a:p>
-                  </a:txBody>
-                  <a:tcPr/>
-                </a:tc>
-                <a:tc vMerge="1">
-                  <a:txBody>
-                    <a:bodyPr/>
-                    <a:lstStyle/>
-                    <a:p>
-                      <a:pPr latinLnBrk="1"/>
-                      <a:endParaRPr lang="ko-KR" altLang="en-US"/>
-                    </a:p>
-                  </a:txBody>
-                  <a:tcPr/>
-                </a:tc>
-                <a:tc vMerge="1">
-                  <a:txBody>
-                    <a:bodyPr/>
-                    <a:lstStyle/>
-                    <a:p>
-                      <a:pPr latinLnBrk="1"/>
-                      <a:endParaRPr lang="ko-KR" altLang="en-US"/>
-                    </a:p>
-                  </a:txBody>
-                  <a:tcPr/>
-                </a:tc>
-                <a:extLst>
-                  <a:ext uri="{0D108BD9-81ED-4DB2-BD59-A6C34878D82A}">
-                    <a16:rowId xmlns:a16="http://schemas.microsoft.com/office/drawing/2014/main" val="3748521038"/>
-                  </a:ext>
-                </a:extLst>
-              </a:tr>
-              <a:tr h="668046">
-                <a:tc vMerge="1">
-                  <a:txBody>
-                    <a:bodyPr/>
-                    <a:lstStyle/>
-                    <a:p>
-                      <a:pPr algn="ctr" latinLnBrk="1"/>
-                      <a:endParaRPr lang="ko-KR" altLang="en-US" sz="1400" dirty="0">
-                        <a:latin typeface="나눔스퀘어OTF" panose="020B0600000101010101" pitchFamily="34" charset="-127"/>
-                        <a:ea typeface="나눔스퀘어OTF" panose="020B0600000101010101" pitchFamily="34" charset="-127"/>
-                      </a:endParaRPr>
-                    </a:p>
-                  </a:txBody>
-                  <a:tcPr marL="0" marR="0" marT="0" marB="0" anchor="ctr">
-                    <a:lnL w="12700" cap="flat" cmpd="sng" algn="ctr">
-                      <a:solidFill>
-                        <a:schemeClr val="tx1"/>
-                      </a:solidFill>
-                      <a:prstDash val="solid"/>
-                      <a:round/>
-                      <a:headEnd type="none" w="med" len="med"/>
-                      <a:tailEnd type="none" w="med" len="med"/>
-                    </a:lnL>
-                    <a:lnR w="12700" cap="flat" cmpd="sng" algn="ctr">
-                      <a:solidFill>
-                        <a:schemeClr val="tx1"/>
-                      </a:solidFill>
-                      <a:prstDash val="solid"/>
-                      <a:round/>
-                      <a:headEnd type="none" w="med" len="med"/>
-                      <a:tailEnd type="none" w="med" len="med"/>
-                    </a:lnR>
-                    <a:lnT w="12700" cap="flat" cmpd="sng" algn="ctr">
-                      <a:solidFill>
-                        <a:schemeClr val="tx1"/>
-                      </a:solidFill>
-                      <a:prstDash val="solid"/>
-                      <a:round/>
-                      <a:headEnd type="none" w="med" len="med"/>
-                      <a:tailEnd type="none" w="med" len="med"/>
-                    </a:lnT>
-                    <a:lnB w="12700" cap="flat" cmpd="sng" algn="ctr">
-                      <a:solidFill>
-                        <a:schemeClr val="tx1"/>
-                      </a:solidFill>
-                      <a:prstDash val="solid"/>
-                      <a:round/>
-                      <a:headEnd type="none" w="med" len="med"/>
-                      <a:tailEnd type="none" w="med" len="med"/>
-                    </a:lnB>
-                  </a:tcPr>
-                </a:tc>
                 <a:tc>
                   <a:txBody>
                     <a:bodyPr/>
@@ -4824,100 +4137,14 @@
                     </a:solidFill>
                   </a:tcPr>
                 </a:tc>
-                <a:tc>
-                  <a:txBody>
-                    <a:bodyPr/>
-                    <a:lstStyle/>
-                    <a:p>
-                      <a:pPr algn="ctr" latinLnBrk="1"/>
-                      <a:r>
-                        <a:rPr lang="ko-KR" altLang="en-US" sz="1300" dirty="0">
-                          <a:solidFill>
-                            <a:schemeClr val="bg1">
-                              <a:lumMod val="50000"/>
-                            </a:schemeClr>
-                          </a:solidFill>
-                          <a:latin typeface="나눔스퀘어OTF" panose="020B0600000101010101" pitchFamily="34" charset="-127"/>
-                          <a:ea typeface="나눔스퀘어OTF" panose="020B0600000101010101" pitchFamily="34" charset="-127"/>
-                        </a:rPr>
-                        <a:t>오전 </a:t>
-                      </a:r>
-                      <a:r>
-                        <a:rPr lang="en-US" altLang="ko-KR" sz="1300" dirty="0">
-                          <a:solidFill>
-                            <a:schemeClr val="bg1">
-                              <a:lumMod val="50000"/>
-                            </a:schemeClr>
-                          </a:solidFill>
-                          <a:latin typeface="나눔스퀘어OTF" panose="020B0600000101010101" pitchFamily="34" charset="-127"/>
-                          <a:ea typeface="나눔스퀘어OTF" panose="020B0600000101010101" pitchFamily="34" charset="-127"/>
-                        </a:rPr>
-                        <a:t>11</a:t>
-                      </a:r>
-                      <a:r>
-                        <a:rPr lang="ko-KR" altLang="en-US" sz="1300" dirty="0">
-                          <a:solidFill>
-                            <a:schemeClr val="bg1">
-                              <a:lumMod val="50000"/>
-                            </a:schemeClr>
-                          </a:solidFill>
-                          <a:latin typeface="나눔스퀘어OTF" panose="020B0600000101010101" pitchFamily="34" charset="-127"/>
-                          <a:ea typeface="나눔스퀘어OTF" panose="020B0600000101010101" pitchFamily="34" charset="-127"/>
-                        </a:rPr>
-                        <a:t>시</a:t>
-                      </a:r>
-                    </a:p>
-                  </a:txBody>
-                  <a:tcPr marL="0" marR="0" marT="0" marB="0" anchor="ctr">
-                    <a:lnL w="6350" cap="flat" cmpd="sng" algn="ctr">
-                      <a:solidFill>
-                        <a:schemeClr val="tx1"/>
-                      </a:solidFill>
-                      <a:prstDash val="solid"/>
-                      <a:round/>
-                      <a:headEnd type="none" w="med" len="med"/>
-                      <a:tailEnd type="none" w="med" len="med"/>
-                    </a:lnL>
-                    <a:lnR w="6350" cap="flat" cmpd="sng" algn="ctr">
-                      <a:solidFill>
-                        <a:schemeClr val="tx1"/>
-                      </a:solidFill>
-                      <a:prstDash val="solid"/>
-                      <a:round/>
-                      <a:headEnd type="none" w="med" len="med"/>
-                      <a:tailEnd type="none" w="med" len="med"/>
-                    </a:lnR>
-                    <a:lnT w="6350" cap="flat" cmpd="sng" algn="ctr">
-                      <a:solidFill>
-                        <a:schemeClr val="tx1"/>
-                      </a:solidFill>
-                      <a:prstDash val="solid"/>
-                      <a:round/>
-                      <a:headEnd type="none" w="med" len="med"/>
-                      <a:tailEnd type="none" w="med" len="med"/>
-                    </a:lnT>
-                    <a:lnB w="6350" cap="flat" cmpd="sng" algn="ctr">
-                      <a:solidFill>
-                        <a:schemeClr val="tx1"/>
-                      </a:solidFill>
-                      <a:prstDash val="solid"/>
-                      <a:round/>
-                      <a:headEnd type="none" w="med" len="med"/>
-                      <a:tailEnd type="none" w="med" len="med"/>
-                    </a:lnB>
-                    <a:solidFill>
-                      <a:schemeClr val="bg1"/>
-                    </a:solidFill>
-                  </a:tcPr>
-                </a:tc>
                 <a:extLst>
                   <a:ext uri="{0D108BD9-81ED-4DB2-BD59-A6C34878D82A}">
-                    <a16:rowId xmlns:a16="http://schemas.microsoft.com/office/drawing/2014/main" val="4190968526"/>
+                    <a16:rowId xmlns:a16="http://schemas.microsoft.com/office/drawing/2014/main" val="3748521038"/>
                   </a:ext>
                 </a:extLst>
               </a:tr>
-              <a:tr h="668046">
-                <a:tc rowSpan="2">
+              <a:tr h="1002068">
+                <a:tc>
                   <a:txBody>
                     <a:bodyPr/>
                     <a:lstStyle/>
@@ -5261,514 +4488,14 @@
                     </a:solidFill>
                   </a:tcPr>
                 </a:tc>
-                <a:tc>
-                  <a:txBody>
-                    <a:bodyPr/>
-                    <a:lstStyle/>
-                    <a:p>
-                      <a:pPr algn="ctr" latinLnBrk="1"/>
-                      <a:r>
-                        <a:rPr lang="ko-KR" altLang="en-US" sz="1300" dirty="0">
-                          <a:solidFill>
-                            <a:schemeClr val="bg1">
-                              <a:lumMod val="50000"/>
-                            </a:schemeClr>
-                          </a:solidFill>
-                          <a:latin typeface="나눔스퀘어OTF" panose="020B0600000101010101" pitchFamily="34" charset="-127"/>
-                          <a:ea typeface="나눔스퀘어OTF" panose="020B0600000101010101" pitchFamily="34" charset="-127"/>
-                        </a:rPr>
-                        <a:t>오후 </a:t>
-                      </a:r>
-                      <a:r>
-                        <a:rPr lang="en-US" altLang="ko-KR" sz="1300" dirty="0">
-                          <a:solidFill>
-                            <a:schemeClr val="bg1">
-                              <a:lumMod val="50000"/>
-                            </a:schemeClr>
-                          </a:solidFill>
-                          <a:latin typeface="나눔스퀘어OTF" panose="020B0600000101010101" pitchFamily="34" charset="-127"/>
-                          <a:ea typeface="나눔스퀘어OTF" panose="020B0600000101010101" pitchFamily="34" charset="-127"/>
-                        </a:rPr>
-                        <a:t>12</a:t>
-                      </a:r>
-                      <a:r>
-                        <a:rPr lang="ko-KR" altLang="en-US" sz="1300" dirty="0">
-                          <a:solidFill>
-                            <a:schemeClr val="bg1">
-                              <a:lumMod val="50000"/>
-                            </a:schemeClr>
-                          </a:solidFill>
-                          <a:latin typeface="나눔스퀘어OTF" panose="020B0600000101010101" pitchFamily="34" charset="-127"/>
-                          <a:ea typeface="나눔스퀘어OTF" panose="020B0600000101010101" pitchFamily="34" charset="-127"/>
-                        </a:rPr>
-                        <a:t>시</a:t>
-                      </a:r>
-                    </a:p>
-                  </a:txBody>
-                  <a:tcPr marL="0" marR="0" marT="0" marB="0" anchor="ctr">
-                    <a:lnL w="6350" cap="flat" cmpd="sng" algn="ctr">
-                      <a:solidFill>
-                        <a:schemeClr val="tx1"/>
-                      </a:solidFill>
-                      <a:prstDash val="solid"/>
-                      <a:round/>
-                      <a:headEnd type="none" w="med" len="med"/>
-                      <a:tailEnd type="none" w="med" len="med"/>
-                    </a:lnL>
-                    <a:lnR w="6350" cap="flat" cmpd="sng" algn="ctr">
-                      <a:solidFill>
-                        <a:schemeClr val="tx1"/>
-                      </a:solidFill>
-                      <a:prstDash val="solid"/>
-                      <a:round/>
-                      <a:headEnd type="none" w="med" len="med"/>
-                      <a:tailEnd type="none" w="med" len="med"/>
-                    </a:lnR>
-                    <a:lnT w="6350" cap="flat" cmpd="sng" algn="ctr">
-                      <a:solidFill>
-                        <a:schemeClr val="tx1"/>
-                      </a:solidFill>
-                      <a:prstDash val="solid"/>
-                      <a:round/>
-                      <a:headEnd type="none" w="med" len="med"/>
-                      <a:tailEnd type="none" w="med" len="med"/>
-                    </a:lnT>
-                    <a:lnB w="6350" cap="flat" cmpd="sng" algn="ctr">
-                      <a:solidFill>
-                        <a:schemeClr val="tx1"/>
-                      </a:solidFill>
-                      <a:prstDash val="solid"/>
-                      <a:round/>
-                      <a:headEnd type="none" w="med" len="med"/>
-                      <a:tailEnd type="none" w="med" len="med"/>
-                    </a:lnB>
-                    <a:solidFill>
-                      <a:schemeClr val="bg1"/>
-                    </a:solidFill>
-                  </a:tcPr>
-                </a:tc>
                 <a:extLst>
                   <a:ext uri="{0D108BD9-81ED-4DB2-BD59-A6C34878D82A}">
                     <a16:rowId xmlns:a16="http://schemas.microsoft.com/office/drawing/2014/main" val="3845016733"/>
                   </a:ext>
                 </a:extLst>
               </a:tr>
-              <a:tr h="334021">
-                <a:tc vMerge="1">
-                  <a:txBody>
-                    <a:bodyPr/>
-                    <a:lstStyle/>
-                    <a:p>
-                      <a:pPr algn="ctr" latinLnBrk="1"/>
-                      <a:endParaRPr lang="ko-KR" altLang="en-US" sz="1400" dirty="0">
-                        <a:latin typeface="나눔스퀘어OTF" panose="020B0600000101010101" pitchFamily="34" charset="-127"/>
-                        <a:ea typeface="나눔스퀘어OTF" panose="020B0600000101010101" pitchFamily="34" charset="-127"/>
-                      </a:endParaRPr>
-                    </a:p>
-                  </a:txBody>
-                  <a:tcPr marL="0" marR="0" marT="0" marB="0" anchor="ctr">
-                    <a:lnL w="12700" cap="flat" cmpd="sng" algn="ctr">
-                      <a:solidFill>
-                        <a:schemeClr val="tx1"/>
-                      </a:solidFill>
-                      <a:prstDash val="solid"/>
-                      <a:round/>
-                      <a:headEnd type="none" w="med" len="med"/>
-                      <a:tailEnd type="none" w="med" len="med"/>
-                    </a:lnL>
-                    <a:lnR w="12700" cap="flat" cmpd="sng" algn="ctr">
-                      <a:solidFill>
-                        <a:schemeClr val="tx1"/>
-                      </a:solidFill>
-                      <a:prstDash val="solid"/>
-                      <a:round/>
-                      <a:headEnd type="none" w="med" len="med"/>
-                      <a:tailEnd type="none" w="med" len="med"/>
-                    </a:lnR>
-                    <a:lnT w="12700" cap="flat" cmpd="sng" algn="ctr">
-                      <a:solidFill>
-                        <a:schemeClr val="tx1"/>
-                      </a:solidFill>
-                      <a:prstDash val="solid"/>
-                      <a:round/>
-                      <a:headEnd type="none" w="med" len="med"/>
-                      <a:tailEnd type="none" w="med" len="med"/>
-                    </a:lnT>
-                    <a:lnB w="12700" cap="flat" cmpd="sng" algn="ctr">
-                      <a:solidFill>
-                        <a:schemeClr val="tx1"/>
-                      </a:solidFill>
-                      <a:prstDash val="solid"/>
-                      <a:round/>
-                      <a:headEnd type="none" w="med" len="med"/>
-                      <a:tailEnd type="none" w="med" len="med"/>
-                    </a:lnB>
-                  </a:tcPr>
-                </a:tc>
-                <a:tc rowSpan="2">
-                  <a:txBody>
-                    <a:bodyPr/>
-                    <a:lstStyle/>
-                    <a:p>
-                      <a:pPr algn="ctr" latinLnBrk="1"/>
-                      <a:endParaRPr lang="ko-KR" altLang="en-US" sz="1300" dirty="0">
-                        <a:latin typeface="나눔스퀘어OTF" panose="020B0600000101010101" pitchFamily="34" charset="-127"/>
-                        <a:ea typeface="나눔스퀘어OTF" panose="020B0600000101010101" pitchFamily="34" charset="-127"/>
-                      </a:endParaRPr>
-                    </a:p>
-                  </a:txBody>
-                  <a:tcPr marL="0" marR="0" marT="0" marB="0" anchor="ctr">
-                    <a:lnL w="6350" cap="flat" cmpd="sng" algn="ctr">
-                      <a:solidFill>
-                        <a:schemeClr val="tx1"/>
-                      </a:solidFill>
-                      <a:prstDash val="solid"/>
-                      <a:round/>
-                      <a:headEnd type="none" w="med" len="med"/>
-                      <a:tailEnd type="none" w="med" len="med"/>
-                    </a:lnL>
-                    <a:lnR w="6350" cap="flat" cmpd="sng" algn="ctr">
-                      <a:solidFill>
-                        <a:schemeClr val="tx1"/>
-                      </a:solidFill>
-                      <a:prstDash val="solid"/>
-                      <a:round/>
-                      <a:headEnd type="none" w="med" len="med"/>
-                      <a:tailEnd type="none" w="med" len="med"/>
-                    </a:lnR>
-                    <a:lnT w="6350" cap="flat" cmpd="sng" algn="ctr">
-                      <a:solidFill>
-                        <a:schemeClr val="tx1"/>
-                      </a:solidFill>
-                      <a:prstDash val="solid"/>
-                      <a:round/>
-                      <a:headEnd type="none" w="med" len="med"/>
-                      <a:tailEnd type="none" w="med" len="med"/>
-                    </a:lnT>
-                    <a:lnB w="6350" cap="flat" cmpd="sng" algn="ctr">
-                      <a:solidFill>
-                        <a:schemeClr val="tx1"/>
-                      </a:solidFill>
-                      <a:prstDash val="solid"/>
-                      <a:round/>
-                      <a:headEnd type="none" w="med" len="med"/>
-                      <a:tailEnd type="none" w="med" len="med"/>
-                    </a:lnB>
-                    <a:solidFill>
-                      <a:schemeClr val="bg1"/>
-                    </a:solidFill>
-                  </a:tcPr>
-                </a:tc>
-                <a:tc rowSpan="2">
-                  <a:txBody>
-                    <a:bodyPr/>
-                    <a:lstStyle/>
-                    <a:p>
-                      <a:pPr algn="ctr" latinLnBrk="1"/>
-                      <a:endParaRPr lang="ko-KR" altLang="en-US" sz="1300" dirty="0">
-                        <a:latin typeface="나눔스퀘어OTF" panose="020B0600000101010101" pitchFamily="34" charset="-127"/>
-                        <a:ea typeface="나눔스퀘어OTF" panose="020B0600000101010101" pitchFamily="34" charset="-127"/>
-                      </a:endParaRPr>
-                    </a:p>
-                  </a:txBody>
-                  <a:tcPr marL="0" marR="0" marT="0" marB="0" anchor="ctr">
-                    <a:lnL w="6350" cap="flat" cmpd="sng" algn="ctr">
-                      <a:solidFill>
-                        <a:schemeClr val="tx1"/>
-                      </a:solidFill>
-                      <a:prstDash val="solid"/>
-                      <a:round/>
-                      <a:headEnd type="none" w="med" len="med"/>
-                      <a:tailEnd type="none" w="med" len="med"/>
-                    </a:lnL>
-                    <a:lnR w="6350" cap="flat" cmpd="sng" algn="ctr">
-                      <a:solidFill>
-                        <a:schemeClr val="tx1"/>
-                      </a:solidFill>
-                      <a:prstDash val="solid"/>
-                      <a:round/>
-                      <a:headEnd type="none" w="med" len="med"/>
-                      <a:tailEnd type="none" w="med" len="med"/>
-                    </a:lnR>
-                    <a:lnT w="6350" cap="flat" cmpd="sng" algn="ctr">
-                      <a:solidFill>
-                        <a:schemeClr val="tx1"/>
-                      </a:solidFill>
-                      <a:prstDash val="solid"/>
-                      <a:round/>
-                      <a:headEnd type="none" w="med" len="med"/>
-                      <a:tailEnd type="none" w="med" len="med"/>
-                    </a:lnT>
-                    <a:lnB w="6350" cap="flat" cmpd="sng" algn="ctr">
-                      <a:solidFill>
-                        <a:schemeClr val="tx1"/>
-                      </a:solidFill>
-                      <a:prstDash val="solid"/>
-                      <a:round/>
-                      <a:headEnd type="none" w="med" len="med"/>
-                      <a:tailEnd type="none" w="med" len="med"/>
-                    </a:lnB>
-                    <a:solidFill>
-                      <a:schemeClr val="bg1"/>
-                    </a:solidFill>
-                  </a:tcPr>
-                </a:tc>
-                <a:tc rowSpan="2">
-                  <a:txBody>
-                    <a:bodyPr/>
-                    <a:lstStyle/>
-                    <a:p>
-                      <a:pPr algn="ctr" latinLnBrk="1"/>
-                      <a:endParaRPr lang="ko-KR" altLang="en-US" sz="1300" dirty="0">
-                        <a:latin typeface="나눔스퀘어OTF" panose="020B0600000101010101" pitchFamily="34" charset="-127"/>
-                        <a:ea typeface="나눔스퀘어OTF" panose="020B0600000101010101" pitchFamily="34" charset="-127"/>
-                      </a:endParaRPr>
-                    </a:p>
-                  </a:txBody>
-                  <a:tcPr marL="0" marR="0" marT="0" marB="0" anchor="ctr">
-                    <a:lnL w="6350" cap="flat" cmpd="sng" algn="ctr">
-                      <a:solidFill>
-                        <a:schemeClr val="tx1"/>
-                      </a:solidFill>
-                      <a:prstDash val="solid"/>
-                      <a:round/>
-                      <a:headEnd type="none" w="med" len="med"/>
-                      <a:tailEnd type="none" w="med" len="med"/>
-                    </a:lnL>
-                    <a:lnR w="6350" cap="flat" cmpd="sng" algn="ctr">
-                      <a:solidFill>
-                        <a:schemeClr val="tx1"/>
-                      </a:solidFill>
-                      <a:prstDash val="solid"/>
-                      <a:round/>
-                      <a:headEnd type="none" w="med" len="med"/>
-                      <a:tailEnd type="none" w="med" len="med"/>
-                    </a:lnR>
-                    <a:lnT w="6350" cap="flat" cmpd="sng" algn="ctr">
-                      <a:solidFill>
-                        <a:schemeClr val="tx1"/>
-                      </a:solidFill>
-                      <a:prstDash val="solid"/>
-                      <a:round/>
-                      <a:headEnd type="none" w="med" len="med"/>
-                      <a:tailEnd type="none" w="med" len="med"/>
-                    </a:lnT>
-                    <a:lnB w="6350" cap="flat" cmpd="sng" algn="ctr">
-                      <a:solidFill>
-                        <a:schemeClr val="tx1"/>
-                      </a:solidFill>
-                      <a:prstDash val="solid"/>
-                      <a:round/>
-                      <a:headEnd type="none" w="med" len="med"/>
-                      <a:tailEnd type="none" w="med" len="med"/>
-                    </a:lnB>
-                    <a:solidFill>
-                      <a:schemeClr val="bg1"/>
-                    </a:solidFill>
-                  </a:tcPr>
-                </a:tc>
-                <a:tc rowSpan="2">
-                  <a:txBody>
-                    <a:bodyPr/>
-                    <a:lstStyle/>
-                    <a:p>
-                      <a:pPr algn="ctr" latinLnBrk="1"/>
-                      <a:endParaRPr lang="ko-KR" altLang="en-US" sz="1300" dirty="0">
-                        <a:latin typeface="나눔스퀘어OTF" panose="020B0600000101010101" pitchFamily="34" charset="-127"/>
-                        <a:ea typeface="나눔스퀘어OTF" panose="020B0600000101010101" pitchFamily="34" charset="-127"/>
-                      </a:endParaRPr>
-                    </a:p>
-                  </a:txBody>
-                  <a:tcPr marL="0" marR="0" marT="0" marB="0" anchor="ctr">
-                    <a:lnL w="6350" cap="flat" cmpd="sng" algn="ctr">
-                      <a:solidFill>
-                        <a:schemeClr val="tx1"/>
-                      </a:solidFill>
-                      <a:prstDash val="solid"/>
-                      <a:round/>
-                      <a:headEnd type="none" w="med" len="med"/>
-                      <a:tailEnd type="none" w="med" len="med"/>
-                    </a:lnL>
-                    <a:lnR w="6350" cap="flat" cmpd="sng" algn="ctr">
-                      <a:solidFill>
-                        <a:schemeClr val="tx1"/>
-                      </a:solidFill>
-                      <a:prstDash val="solid"/>
-                      <a:round/>
-                      <a:headEnd type="none" w="med" len="med"/>
-                      <a:tailEnd type="none" w="med" len="med"/>
-                    </a:lnR>
-                    <a:lnT w="6350" cap="flat" cmpd="sng" algn="ctr">
-                      <a:solidFill>
-                        <a:schemeClr val="tx1"/>
-                      </a:solidFill>
-                      <a:prstDash val="solid"/>
-                      <a:round/>
-                      <a:headEnd type="none" w="med" len="med"/>
-                      <a:tailEnd type="none" w="med" len="med"/>
-                    </a:lnT>
-                    <a:lnB w="6350" cap="flat" cmpd="sng" algn="ctr">
-                      <a:solidFill>
-                        <a:schemeClr val="tx1"/>
-                      </a:solidFill>
-                      <a:prstDash val="solid"/>
-                      <a:round/>
-                      <a:headEnd type="none" w="med" len="med"/>
-                      <a:tailEnd type="none" w="med" len="med"/>
-                    </a:lnB>
-                    <a:solidFill>
-                      <a:schemeClr val="bg1"/>
-                    </a:solidFill>
-                  </a:tcPr>
-                </a:tc>
-                <a:tc rowSpan="2">
-                  <a:txBody>
-                    <a:bodyPr/>
-                    <a:lstStyle/>
-                    <a:p>
-                      <a:pPr algn="ctr" latinLnBrk="1"/>
-                      <a:endParaRPr lang="ko-KR" altLang="en-US" sz="1300" dirty="0">
-                        <a:latin typeface="나눔스퀘어OTF" panose="020B0600000101010101" pitchFamily="34" charset="-127"/>
-                        <a:ea typeface="나눔스퀘어OTF" panose="020B0600000101010101" pitchFamily="34" charset="-127"/>
-                      </a:endParaRPr>
-                    </a:p>
-                  </a:txBody>
-                  <a:tcPr marL="0" marR="0" marT="0" marB="0" anchor="ctr">
-                    <a:lnL w="6350" cap="flat" cmpd="sng" algn="ctr">
-                      <a:solidFill>
-                        <a:schemeClr val="tx1"/>
-                      </a:solidFill>
-                      <a:prstDash val="solid"/>
-                      <a:round/>
-                      <a:headEnd type="none" w="med" len="med"/>
-                      <a:tailEnd type="none" w="med" len="med"/>
-                    </a:lnL>
-                    <a:lnR w="6350" cap="flat" cmpd="sng" algn="ctr">
-                      <a:solidFill>
-                        <a:schemeClr val="tx1"/>
-                      </a:solidFill>
-                      <a:prstDash val="solid"/>
-                      <a:round/>
-                      <a:headEnd type="none" w="med" len="med"/>
-                      <a:tailEnd type="none" w="med" len="med"/>
-                    </a:lnR>
-                    <a:lnT w="6350" cap="flat" cmpd="sng" algn="ctr">
-                      <a:solidFill>
-                        <a:schemeClr val="tx1"/>
-                      </a:solidFill>
-                      <a:prstDash val="solid"/>
-                      <a:round/>
-                      <a:headEnd type="none" w="med" len="med"/>
-                      <a:tailEnd type="none" w="med" len="med"/>
-                    </a:lnT>
-                    <a:lnB w="6350" cap="flat" cmpd="sng" algn="ctr">
-                      <a:solidFill>
-                        <a:schemeClr val="tx1"/>
-                      </a:solidFill>
-                      <a:prstDash val="solid"/>
-                      <a:round/>
-                      <a:headEnd type="none" w="med" len="med"/>
-                      <a:tailEnd type="none" w="med" len="med"/>
-                    </a:lnB>
-                    <a:solidFill>
-                      <a:schemeClr val="bg1"/>
-                    </a:solidFill>
-                  </a:tcPr>
-                </a:tc>
-                <a:tc rowSpan="2">
-                  <a:txBody>
-                    <a:bodyPr/>
-                    <a:lstStyle/>
-                    <a:p>
-                      <a:pPr algn="ctr" latinLnBrk="1"/>
-                      <a:r>
-                        <a:rPr lang="ko-KR" altLang="en-US" sz="1300" dirty="0">
-                          <a:solidFill>
-                            <a:schemeClr val="bg1">
-                              <a:lumMod val="50000"/>
-                            </a:schemeClr>
-                          </a:solidFill>
-                          <a:latin typeface="나눔스퀘어OTF" panose="020B0600000101010101" pitchFamily="34" charset="-127"/>
-                          <a:ea typeface="나눔스퀘어OTF" panose="020B0600000101010101" pitchFamily="34" charset="-127"/>
-                        </a:rPr>
-                        <a:t>오후 </a:t>
-                      </a:r>
-                      <a:r>
-                        <a:rPr lang="en-US" altLang="ko-KR" sz="1300" dirty="0">
-                          <a:solidFill>
-                            <a:schemeClr val="bg1">
-                              <a:lumMod val="50000"/>
-                            </a:schemeClr>
-                          </a:solidFill>
-                          <a:latin typeface="나눔스퀘어OTF" panose="020B0600000101010101" pitchFamily="34" charset="-127"/>
-                          <a:ea typeface="나눔스퀘어OTF" panose="020B0600000101010101" pitchFamily="34" charset="-127"/>
-                        </a:rPr>
-                        <a:t>1</a:t>
-                      </a:r>
-                      <a:r>
-                        <a:rPr lang="ko-KR" altLang="en-US" sz="1300" dirty="0">
-                          <a:solidFill>
-                            <a:schemeClr val="bg1">
-                              <a:lumMod val="50000"/>
-                            </a:schemeClr>
-                          </a:solidFill>
-                          <a:latin typeface="나눔스퀘어OTF" panose="020B0600000101010101" pitchFamily="34" charset="-127"/>
-                          <a:ea typeface="나눔스퀘어OTF" panose="020B0600000101010101" pitchFamily="34" charset="-127"/>
-                        </a:rPr>
-                        <a:t>시</a:t>
-                      </a:r>
-                    </a:p>
-                  </a:txBody>
-                  <a:tcPr marL="0" marR="0" marT="0" marB="0" anchor="ctr">
-                    <a:lnL w="6350" cap="flat" cmpd="sng" algn="ctr">
-                      <a:solidFill>
-                        <a:schemeClr val="tx1"/>
-                      </a:solidFill>
-                      <a:prstDash val="solid"/>
-                      <a:round/>
-                      <a:headEnd type="none" w="med" len="med"/>
-                      <a:tailEnd type="none" w="med" len="med"/>
-                    </a:lnL>
-                    <a:lnR w="6350" cap="flat" cmpd="sng" algn="ctr">
-                      <a:solidFill>
-                        <a:schemeClr val="tx1"/>
-                      </a:solidFill>
-                      <a:prstDash val="solid"/>
-                      <a:round/>
-                      <a:headEnd type="none" w="med" len="med"/>
-                      <a:tailEnd type="none" w="med" len="med"/>
-                    </a:lnR>
-                    <a:lnT w="6350" cap="flat" cmpd="sng" algn="ctr">
-                      <a:solidFill>
-                        <a:schemeClr val="tx1"/>
-                      </a:solidFill>
-                      <a:prstDash val="solid"/>
-                      <a:round/>
-                      <a:headEnd type="none" w="med" len="med"/>
-                      <a:tailEnd type="none" w="med" len="med"/>
-                    </a:lnT>
-                    <a:lnB w="6350" cap="flat" cmpd="sng" algn="ctr">
-                      <a:solidFill>
-                        <a:schemeClr val="tx1"/>
-                      </a:solidFill>
-                      <a:prstDash val="solid"/>
-                      <a:round/>
-                      <a:headEnd type="none" w="med" len="med"/>
-                      <a:tailEnd type="none" w="med" len="med"/>
-                    </a:lnB>
-                    <a:solidFill>
-                      <a:schemeClr val="bg1"/>
-                    </a:solidFill>
-                  </a:tcPr>
-                </a:tc>
-                <a:extLst>
-                  <a:ext uri="{0D108BD9-81ED-4DB2-BD59-A6C34878D82A}">
-                    <a16:rowId xmlns:a16="http://schemas.microsoft.com/office/drawing/2014/main" val="950514692"/>
-                  </a:ext>
-                </a:extLst>
-              </a:tr>
-              <a:tr h="334021">
-                <a:tc rowSpan="2">
+              <a:tr h="1002068">
+                <a:tc>
                   <a:txBody>
                     <a:bodyPr/>
                     <a:lstStyle/>
@@ -5842,130 +4569,6 @@
                     </a:solidFill>
                   </a:tcPr>
                 </a:tc>
-                <a:tc vMerge="1">
-                  <a:txBody>
-                    <a:bodyPr/>
-                    <a:lstStyle/>
-                    <a:p>
-                      <a:pPr latinLnBrk="1"/>
-                      <a:endParaRPr lang="ko-KR" altLang="en-US"/>
-                    </a:p>
-                  </a:txBody>
-                  <a:tcPr/>
-                </a:tc>
-                <a:tc vMerge="1">
-                  <a:txBody>
-                    <a:bodyPr/>
-                    <a:lstStyle/>
-                    <a:p>
-                      <a:pPr latinLnBrk="1"/>
-                      <a:endParaRPr lang="ko-KR" altLang="en-US"/>
-                    </a:p>
-                  </a:txBody>
-                  <a:tcPr/>
-                </a:tc>
-                <a:tc vMerge="1">
-                  <a:txBody>
-                    <a:bodyPr/>
-                    <a:lstStyle/>
-                    <a:p>
-                      <a:pPr latinLnBrk="1"/>
-                      <a:endParaRPr lang="ko-KR" altLang="en-US"/>
-                    </a:p>
-                  </a:txBody>
-                  <a:tcPr/>
-                </a:tc>
-                <a:tc vMerge="1">
-                  <a:txBody>
-                    <a:bodyPr/>
-                    <a:lstStyle/>
-                    <a:p>
-                      <a:pPr latinLnBrk="1"/>
-                      <a:endParaRPr lang="ko-KR" altLang="en-US"/>
-                    </a:p>
-                  </a:txBody>
-                  <a:tcPr/>
-                </a:tc>
-                <a:tc vMerge="1">
-                  <a:txBody>
-                    <a:bodyPr/>
-                    <a:lstStyle/>
-                    <a:p>
-                      <a:pPr latinLnBrk="1"/>
-                      <a:endParaRPr lang="ko-KR" altLang="en-US"/>
-                    </a:p>
-                  </a:txBody>
-                  <a:tcPr/>
-                </a:tc>
-                <a:tc vMerge="1">
-                  <a:txBody>
-                    <a:bodyPr/>
-                    <a:lstStyle/>
-                    <a:p>
-                      <a:pPr latinLnBrk="1"/>
-                      <a:endParaRPr lang="ko-KR" altLang="en-US"/>
-                    </a:p>
-                  </a:txBody>
-                  <a:tcPr/>
-                </a:tc>
-                <a:extLst>
-                  <a:ext uri="{0D108BD9-81ED-4DB2-BD59-A6C34878D82A}">
-                    <a16:rowId xmlns:a16="http://schemas.microsoft.com/office/drawing/2014/main" val="3812854917"/>
-                  </a:ext>
-                </a:extLst>
-              </a:tr>
-              <a:tr h="668046">
-                <a:tc vMerge="1">
-                  <a:txBody>
-                    <a:bodyPr/>
-                    <a:lstStyle/>
-                    <a:p>
-                      <a:pPr algn="ctr" latinLnBrk="1"/>
-                      <a:endParaRPr lang="ko-KR" altLang="en-US" sz="1400" dirty="0">
-                        <a:latin typeface="나눔스퀘어OTF" panose="020B0600000101010101" pitchFamily="34" charset="-127"/>
-                        <a:ea typeface="나눔스퀘어OTF" panose="020B0600000101010101" pitchFamily="34" charset="-127"/>
-                      </a:endParaRPr>
-                    </a:p>
-                  </a:txBody>
-                  <a:tcPr marL="0" marR="0" marT="0" marB="0" anchor="ctr">
-                    <a:lnL w="12700" cap="flat" cmpd="sng" algn="ctr">
-                      <a:solidFill>
-                        <a:schemeClr val="tx1"/>
-                      </a:solidFill>
-                      <a:prstDash val="solid"/>
-                      <a:round/>
-                      <a:headEnd type="none" w="med" len="med"/>
-                      <a:tailEnd type="none" w="med" len="med"/>
-                    </a:lnL>
-                    <a:lnR w="12700" cap="flat" cmpd="sng" algn="ctr">
-                      <a:solidFill>
-                        <a:schemeClr val="tx1"/>
-                      </a:solidFill>
-                      <a:prstDash val="solid"/>
-                      <a:round/>
-                      <a:headEnd type="none" w="med" len="med"/>
-                      <a:tailEnd type="none" w="med" len="med"/>
-                    </a:lnR>
-                    <a:lnT w="12700" cap="flat" cmpd="sng" algn="ctr">
-                      <a:solidFill>
-                        <a:schemeClr val="tx1"/>
-                      </a:solidFill>
-                      <a:prstDash val="solid"/>
-                      <a:round/>
-                      <a:headEnd type="none" w="med" len="med"/>
-                      <a:tailEnd type="none" w="med" len="med"/>
-                    </a:lnT>
-                    <a:lnB w="12700" cap="flat" cmpd="sng" algn="ctr">
-                      <a:solidFill>
-                        <a:schemeClr val="tx1"/>
-                      </a:solidFill>
-                      <a:prstDash val="solid"/>
-                      <a:round/>
-                      <a:headEnd type="none" w="med" len="med"/>
-                      <a:tailEnd type="none" w="med" len="med"/>
-                    </a:lnB>
-                  </a:tcPr>
-                </a:tc>
                 <a:tc>
                   <a:txBody>
                     <a:bodyPr/>
@@ -6236,100 +4839,14 @@
                     </a:solidFill>
                   </a:tcPr>
                 </a:tc>
-                <a:tc>
-                  <a:txBody>
-                    <a:bodyPr/>
-                    <a:lstStyle/>
-                    <a:p>
-                      <a:pPr algn="ctr" latinLnBrk="1"/>
-                      <a:r>
-                        <a:rPr lang="ko-KR" altLang="en-US" sz="1300" dirty="0">
-                          <a:solidFill>
-                            <a:schemeClr val="bg1">
-                              <a:lumMod val="50000"/>
-                            </a:schemeClr>
-                          </a:solidFill>
-                          <a:latin typeface="나눔스퀘어OTF" panose="020B0600000101010101" pitchFamily="34" charset="-127"/>
-                          <a:ea typeface="나눔스퀘어OTF" panose="020B0600000101010101" pitchFamily="34" charset="-127"/>
-                        </a:rPr>
-                        <a:t>오후 </a:t>
-                      </a:r>
-                      <a:r>
-                        <a:rPr lang="en-US" altLang="ko-KR" sz="1300" dirty="0">
-                          <a:solidFill>
-                            <a:schemeClr val="bg1">
-                              <a:lumMod val="50000"/>
-                            </a:schemeClr>
-                          </a:solidFill>
-                          <a:latin typeface="나눔스퀘어OTF" panose="020B0600000101010101" pitchFamily="34" charset="-127"/>
-                          <a:ea typeface="나눔스퀘어OTF" panose="020B0600000101010101" pitchFamily="34" charset="-127"/>
-                        </a:rPr>
-                        <a:t>2</a:t>
-                      </a:r>
-                      <a:r>
-                        <a:rPr lang="ko-KR" altLang="en-US" sz="1300" dirty="0">
-                          <a:solidFill>
-                            <a:schemeClr val="bg1">
-                              <a:lumMod val="50000"/>
-                            </a:schemeClr>
-                          </a:solidFill>
-                          <a:latin typeface="나눔스퀘어OTF" panose="020B0600000101010101" pitchFamily="34" charset="-127"/>
-                          <a:ea typeface="나눔스퀘어OTF" panose="020B0600000101010101" pitchFamily="34" charset="-127"/>
-                        </a:rPr>
-                        <a:t>시</a:t>
-                      </a:r>
-                    </a:p>
-                  </a:txBody>
-                  <a:tcPr marL="0" marR="0" marT="0" marB="0" anchor="ctr">
-                    <a:lnL w="6350" cap="flat" cmpd="sng" algn="ctr">
-                      <a:solidFill>
-                        <a:schemeClr val="tx1"/>
-                      </a:solidFill>
-                      <a:prstDash val="solid"/>
-                      <a:round/>
-                      <a:headEnd type="none" w="med" len="med"/>
-                      <a:tailEnd type="none" w="med" len="med"/>
-                    </a:lnL>
-                    <a:lnR w="6350" cap="flat" cmpd="sng" algn="ctr">
-                      <a:solidFill>
-                        <a:schemeClr val="tx1"/>
-                      </a:solidFill>
-                      <a:prstDash val="solid"/>
-                      <a:round/>
-                      <a:headEnd type="none" w="med" len="med"/>
-                      <a:tailEnd type="none" w="med" len="med"/>
-                    </a:lnR>
-                    <a:lnT w="6350" cap="flat" cmpd="sng" algn="ctr">
-                      <a:solidFill>
-                        <a:schemeClr val="tx1"/>
-                      </a:solidFill>
-                      <a:prstDash val="solid"/>
-                      <a:round/>
-                      <a:headEnd type="none" w="med" len="med"/>
-                      <a:tailEnd type="none" w="med" len="med"/>
-                    </a:lnT>
-                    <a:lnB w="6350" cap="flat" cmpd="sng" algn="ctr">
-                      <a:solidFill>
-                        <a:schemeClr val="tx1"/>
-                      </a:solidFill>
-                      <a:prstDash val="solid"/>
-                      <a:round/>
-                      <a:headEnd type="none" w="med" len="med"/>
-                      <a:tailEnd type="none" w="med" len="med"/>
-                    </a:lnB>
-                    <a:solidFill>
-                      <a:schemeClr val="bg1"/>
-                    </a:solidFill>
-                  </a:tcPr>
-                </a:tc>
                 <a:extLst>
                   <a:ext uri="{0D108BD9-81ED-4DB2-BD59-A6C34878D82A}">
-                    <a16:rowId xmlns:a16="http://schemas.microsoft.com/office/drawing/2014/main" val="1198955527"/>
+                    <a16:rowId xmlns:a16="http://schemas.microsoft.com/office/drawing/2014/main" val="3812854917"/>
                   </a:ext>
                 </a:extLst>
               </a:tr>
-              <a:tr h="668046">
-                <a:tc rowSpan="2">
+              <a:tr h="1002068">
+                <a:tc>
                   <a:txBody>
                     <a:bodyPr/>
                     <a:lstStyle/>
@@ -6673,514 +5190,14 @@
                     </a:solidFill>
                   </a:tcPr>
                 </a:tc>
-                <a:tc>
-                  <a:txBody>
-                    <a:bodyPr/>
-                    <a:lstStyle/>
-                    <a:p>
-                      <a:pPr algn="ctr" latinLnBrk="1"/>
-                      <a:r>
-                        <a:rPr lang="ko-KR" altLang="en-US" sz="1300" dirty="0">
-                          <a:solidFill>
-                            <a:schemeClr val="bg1">
-                              <a:lumMod val="50000"/>
-                            </a:schemeClr>
-                          </a:solidFill>
-                          <a:latin typeface="나눔스퀘어OTF" panose="020B0600000101010101" pitchFamily="34" charset="-127"/>
-                          <a:ea typeface="나눔스퀘어OTF" panose="020B0600000101010101" pitchFamily="34" charset="-127"/>
-                        </a:rPr>
-                        <a:t>오후 </a:t>
-                      </a:r>
-                      <a:r>
-                        <a:rPr lang="en-US" altLang="ko-KR" sz="1300" dirty="0">
-                          <a:solidFill>
-                            <a:schemeClr val="bg1">
-                              <a:lumMod val="50000"/>
-                            </a:schemeClr>
-                          </a:solidFill>
-                          <a:latin typeface="나눔스퀘어OTF" panose="020B0600000101010101" pitchFamily="34" charset="-127"/>
-                          <a:ea typeface="나눔스퀘어OTF" panose="020B0600000101010101" pitchFamily="34" charset="-127"/>
-                        </a:rPr>
-                        <a:t>3</a:t>
-                      </a:r>
-                      <a:r>
-                        <a:rPr lang="ko-KR" altLang="en-US" sz="1300" dirty="0">
-                          <a:solidFill>
-                            <a:schemeClr val="bg1">
-                              <a:lumMod val="50000"/>
-                            </a:schemeClr>
-                          </a:solidFill>
-                          <a:latin typeface="나눔스퀘어OTF" panose="020B0600000101010101" pitchFamily="34" charset="-127"/>
-                          <a:ea typeface="나눔스퀘어OTF" panose="020B0600000101010101" pitchFamily="34" charset="-127"/>
-                        </a:rPr>
-                        <a:t>시</a:t>
-                      </a:r>
-                    </a:p>
-                  </a:txBody>
-                  <a:tcPr marL="0" marR="0" marT="0" marB="0" anchor="ctr">
-                    <a:lnL w="6350" cap="flat" cmpd="sng" algn="ctr">
-                      <a:solidFill>
-                        <a:schemeClr val="tx1"/>
-                      </a:solidFill>
-                      <a:prstDash val="solid"/>
-                      <a:round/>
-                      <a:headEnd type="none" w="med" len="med"/>
-                      <a:tailEnd type="none" w="med" len="med"/>
-                    </a:lnL>
-                    <a:lnR w="6350" cap="flat" cmpd="sng" algn="ctr">
-                      <a:solidFill>
-                        <a:schemeClr val="tx1"/>
-                      </a:solidFill>
-                      <a:prstDash val="solid"/>
-                      <a:round/>
-                      <a:headEnd type="none" w="med" len="med"/>
-                      <a:tailEnd type="none" w="med" len="med"/>
-                    </a:lnR>
-                    <a:lnT w="6350" cap="flat" cmpd="sng" algn="ctr">
-                      <a:solidFill>
-                        <a:schemeClr val="tx1"/>
-                      </a:solidFill>
-                      <a:prstDash val="solid"/>
-                      <a:round/>
-                      <a:headEnd type="none" w="med" len="med"/>
-                      <a:tailEnd type="none" w="med" len="med"/>
-                    </a:lnT>
-                    <a:lnB w="6350" cap="flat" cmpd="sng" algn="ctr">
-                      <a:solidFill>
-                        <a:schemeClr val="tx1"/>
-                      </a:solidFill>
-                      <a:prstDash val="solid"/>
-                      <a:round/>
-                      <a:headEnd type="none" w="med" len="med"/>
-                      <a:tailEnd type="none" w="med" len="med"/>
-                    </a:lnB>
-                    <a:solidFill>
-                      <a:schemeClr val="bg1"/>
-                    </a:solidFill>
-                  </a:tcPr>
-                </a:tc>
                 <a:extLst>
                   <a:ext uri="{0D108BD9-81ED-4DB2-BD59-A6C34878D82A}">
                     <a16:rowId xmlns:a16="http://schemas.microsoft.com/office/drawing/2014/main" val="2301398555"/>
                   </a:ext>
                 </a:extLst>
               </a:tr>
-              <a:tr h="334021">
-                <a:tc vMerge="1">
-                  <a:txBody>
-                    <a:bodyPr/>
-                    <a:lstStyle/>
-                    <a:p>
-                      <a:pPr algn="ctr" latinLnBrk="1"/>
-                      <a:endParaRPr lang="ko-KR" altLang="en-US" sz="1400" dirty="0">
-                        <a:latin typeface="나눔스퀘어OTF" panose="020B0600000101010101" pitchFamily="34" charset="-127"/>
-                        <a:ea typeface="나눔스퀘어OTF" panose="020B0600000101010101" pitchFamily="34" charset="-127"/>
-                      </a:endParaRPr>
-                    </a:p>
-                  </a:txBody>
-                  <a:tcPr marL="0" marR="0" marT="0" marB="0" anchor="ctr">
-                    <a:lnL w="12700" cap="flat" cmpd="sng" algn="ctr">
-                      <a:solidFill>
-                        <a:schemeClr val="tx1"/>
-                      </a:solidFill>
-                      <a:prstDash val="solid"/>
-                      <a:round/>
-                      <a:headEnd type="none" w="med" len="med"/>
-                      <a:tailEnd type="none" w="med" len="med"/>
-                    </a:lnL>
-                    <a:lnR w="12700" cap="flat" cmpd="sng" algn="ctr">
-                      <a:solidFill>
-                        <a:schemeClr val="tx1"/>
-                      </a:solidFill>
-                      <a:prstDash val="solid"/>
-                      <a:round/>
-                      <a:headEnd type="none" w="med" len="med"/>
-                      <a:tailEnd type="none" w="med" len="med"/>
-                    </a:lnR>
-                    <a:lnT w="12700" cap="flat" cmpd="sng" algn="ctr">
-                      <a:solidFill>
-                        <a:schemeClr val="tx1"/>
-                      </a:solidFill>
-                      <a:prstDash val="solid"/>
-                      <a:round/>
-                      <a:headEnd type="none" w="med" len="med"/>
-                      <a:tailEnd type="none" w="med" len="med"/>
-                    </a:lnT>
-                    <a:lnB w="12700" cap="flat" cmpd="sng" algn="ctr">
-                      <a:solidFill>
-                        <a:schemeClr val="tx1"/>
-                      </a:solidFill>
-                      <a:prstDash val="solid"/>
-                      <a:round/>
-                      <a:headEnd type="none" w="med" len="med"/>
-                      <a:tailEnd type="none" w="med" len="med"/>
-                    </a:lnB>
-                  </a:tcPr>
-                </a:tc>
-                <a:tc rowSpan="2">
-                  <a:txBody>
-                    <a:bodyPr/>
-                    <a:lstStyle/>
-                    <a:p>
-                      <a:pPr algn="ctr" latinLnBrk="1"/>
-                      <a:endParaRPr lang="ko-KR" altLang="en-US" sz="1300" dirty="0">
-                        <a:latin typeface="나눔스퀘어OTF" panose="020B0600000101010101" pitchFamily="34" charset="-127"/>
-                        <a:ea typeface="나눔스퀘어OTF" panose="020B0600000101010101" pitchFamily="34" charset="-127"/>
-                      </a:endParaRPr>
-                    </a:p>
-                  </a:txBody>
-                  <a:tcPr marL="0" marR="0" marT="0" marB="0" anchor="ctr">
-                    <a:lnL w="6350" cap="flat" cmpd="sng" algn="ctr">
-                      <a:solidFill>
-                        <a:schemeClr val="tx1"/>
-                      </a:solidFill>
-                      <a:prstDash val="solid"/>
-                      <a:round/>
-                      <a:headEnd type="none" w="med" len="med"/>
-                      <a:tailEnd type="none" w="med" len="med"/>
-                    </a:lnL>
-                    <a:lnR w="6350" cap="flat" cmpd="sng" algn="ctr">
-                      <a:solidFill>
-                        <a:schemeClr val="tx1"/>
-                      </a:solidFill>
-                      <a:prstDash val="solid"/>
-                      <a:round/>
-                      <a:headEnd type="none" w="med" len="med"/>
-                      <a:tailEnd type="none" w="med" len="med"/>
-                    </a:lnR>
-                    <a:lnT w="6350" cap="flat" cmpd="sng" algn="ctr">
-                      <a:solidFill>
-                        <a:schemeClr val="tx1"/>
-                      </a:solidFill>
-                      <a:prstDash val="solid"/>
-                      <a:round/>
-                      <a:headEnd type="none" w="med" len="med"/>
-                      <a:tailEnd type="none" w="med" len="med"/>
-                    </a:lnT>
-                    <a:lnB w="6350" cap="flat" cmpd="sng" algn="ctr">
-                      <a:solidFill>
-                        <a:schemeClr val="tx1"/>
-                      </a:solidFill>
-                      <a:prstDash val="solid"/>
-                      <a:round/>
-                      <a:headEnd type="none" w="med" len="med"/>
-                      <a:tailEnd type="none" w="med" len="med"/>
-                    </a:lnB>
-                    <a:solidFill>
-                      <a:schemeClr val="bg1"/>
-                    </a:solidFill>
-                  </a:tcPr>
-                </a:tc>
-                <a:tc rowSpan="2">
-                  <a:txBody>
-                    <a:bodyPr/>
-                    <a:lstStyle/>
-                    <a:p>
-                      <a:pPr algn="ctr" latinLnBrk="1"/>
-                      <a:endParaRPr lang="ko-KR" altLang="en-US" sz="1300" dirty="0">
-                        <a:latin typeface="나눔스퀘어OTF" panose="020B0600000101010101" pitchFamily="34" charset="-127"/>
-                        <a:ea typeface="나눔스퀘어OTF" panose="020B0600000101010101" pitchFamily="34" charset="-127"/>
-                      </a:endParaRPr>
-                    </a:p>
-                  </a:txBody>
-                  <a:tcPr marL="0" marR="0" marT="0" marB="0" anchor="ctr">
-                    <a:lnL w="6350" cap="flat" cmpd="sng" algn="ctr">
-                      <a:solidFill>
-                        <a:schemeClr val="tx1"/>
-                      </a:solidFill>
-                      <a:prstDash val="solid"/>
-                      <a:round/>
-                      <a:headEnd type="none" w="med" len="med"/>
-                      <a:tailEnd type="none" w="med" len="med"/>
-                    </a:lnL>
-                    <a:lnR w="6350" cap="flat" cmpd="sng" algn="ctr">
-                      <a:solidFill>
-                        <a:schemeClr val="tx1"/>
-                      </a:solidFill>
-                      <a:prstDash val="solid"/>
-                      <a:round/>
-                      <a:headEnd type="none" w="med" len="med"/>
-                      <a:tailEnd type="none" w="med" len="med"/>
-                    </a:lnR>
-                    <a:lnT w="6350" cap="flat" cmpd="sng" algn="ctr">
-                      <a:solidFill>
-                        <a:schemeClr val="tx1"/>
-                      </a:solidFill>
-                      <a:prstDash val="solid"/>
-                      <a:round/>
-                      <a:headEnd type="none" w="med" len="med"/>
-                      <a:tailEnd type="none" w="med" len="med"/>
-                    </a:lnT>
-                    <a:lnB w="6350" cap="flat" cmpd="sng" algn="ctr">
-                      <a:solidFill>
-                        <a:schemeClr val="tx1"/>
-                      </a:solidFill>
-                      <a:prstDash val="solid"/>
-                      <a:round/>
-                      <a:headEnd type="none" w="med" len="med"/>
-                      <a:tailEnd type="none" w="med" len="med"/>
-                    </a:lnB>
-                    <a:solidFill>
-                      <a:schemeClr val="bg1"/>
-                    </a:solidFill>
-                  </a:tcPr>
-                </a:tc>
-                <a:tc rowSpan="2">
-                  <a:txBody>
-                    <a:bodyPr/>
-                    <a:lstStyle/>
-                    <a:p>
-                      <a:pPr algn="ctr" latinLnBrk="1"/>
-                      <a:endParaRPr lang="ko-KR" altLang="en-US" sz="1300" dirty="0">
-                        <a:latin typeface="나눔스퀘어OTF" panose="020B0600000101010101" pitchFamily="34" charset="-127"/>
-                        <a:ea typeface="나눔스퀘어OTF" panose="020B0600000101010101" pitchFamily="34" charset="-127"/>
-                      </a:endParaRPr>
-                    </a:p>
-                  </a:txBody>
-                  <a:tcPr marL="0" marR="0" marT="0" marB="0" anchor="ctr">
-                    <a:lnL w="6350" cap="flat" cmpd="sng" algn="ctr">
-                      <a:solidFill>
-                        <a:schemeClr val="tx1"/>
-                      </a:solidFill>
-                      <a:prstDash val="solid"/>
-                      <a:round/>
-                      <a:headEnd type="none" w="med" len="med"/>
-                      <a:tailEnd type="none" w="med" len="med"/>
-                    </a:lnL>
-                    <a:lnR w="6350" cap="flat" cmpd="sng" algn="ctr">
-                      <a:solidFill>
-                        <a:schemeClr val="tx1"/>
-                      </a:solidFill>
-                      <a:prstDash val="solid"/>
-                      <a:round/>
-                      <a:headEnd type="none" w="med" len="med"/>
-                      <a:tailEnd type="none" w="med" len="med"/>
-                    </a:lnR>
-                    <a:lnT w="6350" cap="flat" cmpd="sng" algn="ctr">
-                      <a:solidFill>
-                        <a:schemeClr val="tx1"/>
-                      </a:solidFill>
-                      <a:prstDash val="solid"/>
-                      <a:round/>
-                      <a:headEnd type="none" w="med" len="med"/>
-                      <a:tailEnd type="none" w="med" len="med"/>
-                    </a:lnT>
-                    <a:lnB w="6350" cap="flat" cmpd="sng" algn="ctr">
-                      <a:solidFill>
-                        <a:schemeClr val="tx1"/>
-                      </a:solidFill>
-                      <a:prstDash val="solid"/>
-                      <a:round/>
-                      <a:headEnd type="none" w="med" len="med"/>
-                      <a:tailEnd type="none" w="med" len="med"/>
-                    </a:lnB>
-                    <a:solidFill>
-                      <a:schemeClr val="bg1"/>
-                    </a:solidFill>
-                  </a:tcPr>
-                </a:tc>
-                <a:tc rowSpan="2">
-                  <a:txBody>
-                    <a:bodyPr/>
-                    <a:lstStyle/>
-                    <a:p>
-                      <a:pPr algn="ctr" latinLnBrk="1"/>
-                      <a:endParaRPr lang="ko-KR" altLang="en-US" sz="1300" dirty="0">
-                        <a:latin typeface="나눔스퀘어OTF" panose="020B0600000101010101" pitchFamily="34" charset="-127"/>
-                        <a:ea typeface="나눔스퀘어OTF" panose="020B0600000101010101" pitchFamily="34" charset="-127"/>
-                      </a:endParaRPr>
-                    </a:p>
-                  </a:txBody>
-                  <a:tcPr marL="0" marR="0" marT="0" marB="0" anchor="ctr">
-                    <a:lnL w="6350" cap="flat" cmpd="sng" algn="ctr">
-                      <a:solidFill>
-                        <a:schemeClr val="tx1"/>
-                      </a:solidFill>
-                      <a:prstDash val="solid"/>
-                      <a:round/>
-                      <a:headEnd type="none" w="med" len="med"/>
-                      <a:tailEnd type="none" w="med" len="med"/>
-                    </a:lnL>
-                    <a:lnR w="6350" cap="flat" cmpd="sng" algn="ctr">
-                      <a:solidFill>
-                        <a:schemeClr val="tx1"/>
-                      </a:solidFill>
-                      <a:prstDash val="solid"/>
-                      <a:round/>
-                      <a:headEnd type="none" w="med" len="med"/>
-                      <a:tailEnd type="none" w="med" len="med"/>
-                    </a:lnR>
-                    <a:lnT w="6350" cap="flat" cmpd="sng" algn="ctr">
-                      <a:solidFill>
-                        <a:schemeClr val="tx1"/>
-                      </a:solidFill>
-                      <a:prstDash val="solid"/>
-                      <a:round/>
-                      <a:headEnd type="none" w="med" len="med"/>
-                      <a:tailEnd type="none" w="med" len="med"/>
-                    </a:lnT>
-                    <a:lnB w="6350" cap="flat" cmpd="sng" algn="ctr">
-                      <a:solidFill>
-                        <a:schemeClr val="tx1"/>
-                      </a:solidFill>
-                      <a:prstDash val="solid"/>
-                      <a:round/>
-                      <a:headEnd type="none" w="med" len="med"/>
-                      <a:tailEnd type="none" w="med" len="med"/>
-                    </a:lnB>
-                    <a:solidFill>
-                      <a:schemeClr val="bg1"/>
-                    </a:solidFill>
-                  </a:tcPr>
-                </a:tc>
-                <a:tc rowSpan="2">
-                  <a:txBody>
-                    <a:bodyPr/>
-                    <a:lstStyle/>
-                    <a:p>
-                      <a:pPr algn="ctr" latinLnBrk="1"/>
-                      <a:endParaRPr lang="ko-KR" altLang="en-US" sz="1300" dirty="0">
-                        <a:latin typeface="나눔스퀘어OTF" panose="020B0600000101010101" pitchFamily="34" charset="-127"/>
-                        <a:ea typeface="나눔스퀘어OTF" panose="020B0600000101010101" pitchFamily="34" charset="-127"/>
-                      </a:endParaRPr>
-                    </a:p>
-                  </a:txBody>
-                  <a:tcPr marL="0" marR="0" marT="0" marB="0" anchor="ctr">
-                    <a:lnL w="6350" cap="flat" cmpd="sng" algn="ctr">
-                      <a:solidFill>
-                        <a:schemeClr val="tx1"/>
-                      </a:solidFill>
-                      <a:prstDash val="solid"/>
-                      <a:round/>
-                      <a:headEnd type="none" w="med" len="med"/>
-                      <a:tailEnd type="none" w="med" len="med"/>
-                    </a:lnL>
-                    <a:lnR w="6350" cap="flat" cmpd="sng" algn="ctr">
-                      <a:solidFill>
-                        <a:schemeClr val="tx1"/>
-                      </a:solidFill>
-                      <a:prstDash val="solid"/>
-                      <a:round/>
-                      <a:headEnd type="none" w="med" len="med"/>
-                      <a:tailEnd type="none" w="med" len="med"/>
-                    </a:lnR>
-                    <a:lnT w="6350" cap="flat" cmpd="sng" algn="ctr">
-                      <a:solidFill>
-                        <a:schemeClr val="tx1"/>
-                      </a:solidFill>
-                      <a:prstDash val="solid"/>
-                      <a:round/>
-                      <a:headEnd type="none" w="med" len="med"/>
-                      <a:tailEnd type="none" w="med" len="med"/>
-                    </a:lnT>
-                    <a:lnB w="6350" cap="flat" cmpd="sng" algn="ctr">
-                      <a:solidFill>
-                        <a:schemeClr val="tx1"/>
-                      </a:solidFill>
-                      <a:prstDash val="solid"/>
-                      <a:round/>
-                      <a:headEnd type="none" w="med" len="med"/>
-                      <a:tailEnd type="none" w="med" len="med"/>
-                    </a:lnB>
-                    <a:solidFill>
-                      <a:schemeClr val="bg1"/>
-                    </a:solidFill>
-                  </a:tcPr>
-                </a:tc>
-                <a:tc rowSpan="2">
-                  <a:txBody>
-                    <a:bodyPr/>
-                    <a:lstStyle/>
-                    <a:p>
-                      <a:pPr algn="ctr" latinLnBrk="1"/>
-                      <a:r>
-                        <a:rPr lang="ko-KR" altLang="en-US" sz="1300" dirty="0">
-                          <a:solidFill>
-                            <a:schemeClr val="bg1">
-                              <a:lumMod val="50000"/>
-                            </a:schemeClr>
-                          </a:solidFill>
-                          <a:latin typeface="나눔스퀘어OTF" panose="020B0600000101010101" pitchFamily="34" charset="-127"/>
-                          <a:ea typeface="나눔스퀘어OTF" panose="020B0600000101010101" pitchFamily="34" charset="-127"/>
-                        </a:rPr>
-                        <a:t>오후 </a:t>
-                      </a:r>
-                      <a:r>
-                        <a:rPr lang="en-US" altLang="ko-KR" sz="1300" dirty="0">
-                          <a:solidFill>
-                            <a:schemeClr val="bg1">
-                              <a:lumMod val="50000"/>
-                            </a:schemeClr>
-                          </a:solidFill>
-                          <a:latin typeface="나눔스퀘어OTF" panose="020B0600000101010101" pitchFamily="34" charset="-127"/>
-                          <a:ea typeface="나눔스퀘어OTF" panose="020B0600000101010101" pitchFamily="34" charset="-127"/>
-                        </a:rPr>
-                        <a:t>4</a:t>
-                      </a:r>
-                      <a:r>
-                        <a:rPr lang="ko-KR" altLang="en-US" sz="1300" dirty="0">
-                          <a:solidFill>
-                            <a:schemeClr val="bg1">
-                              <a:lumMod val="50000"/>
-                            </a:schemeClr>
-                          </a:solidFill>
-                          <a:latin typeface="나눔스퀘어OTF" panose="020B0600000101010101" pitchFamily="34" charset="-127"/>
-                          <a:ea typeface="나눔스퀘어OTF" panose="020B0600000101010101" pitchFamily="34" charset="-127"/>
-                        </a:rPr>
-                        <a:t>시</a:t>
-                      </a:r>
-                    </a:p>
-                  </a:txBody>
-                  <a:tcPr marL="0" marR="0" marT="0" marB="0" anchor="ctr">
-                    <a:lnL w="6350" cap="flat" cmpd="sng" algn="ctr">
-                      <a:solidFill>
-                        <a:schemeClr val="tx1"/>
-                      </a:solidFill>
-                      <a:prstDash val="solid"/>
-                      <a:round/>
-                      <a:headEnd type="none" w="med" len="med"/>
-                      <a:tailEnd type="none" w="med" len="med"/>
-                    </a:lnL>
-                    <a:lnR w="6350" cap="flat" cmpd="sng" algn="ctr">
-                      <a:solidFill>
-                        <a:schemeClr val="tx1"/>
-                      </a:solidFill>
-                      <a:prstDash val="solid"/>
-                      <a:round/>
-                      <a:headEnd type="none" w="med" len="med"/>
-                      <a:tailEnd type="none" w="med" len="med"/>
-                    </a:lnR>
-                    <a:lnT w="6350" cap="flat" cmpd="sng" algn="ctr">
-                      <a:solidFill>
-                        <a:schemeClr val="tx1"/>
-                      </a:solidFill>
-                      <a:prstDash val="solid"/>
-                      <a:round/>
-                      <a:headEnd type="none" w="med" len="med"/>
-                      <a:tailEnd type="none" w="med" len="med"/>
-                    </a:lnT>
-                    <a:lnB w="6350" cap="flat" cmpd="sng" algn="ctr">
-                      <a:solidFill>
-                        <a:schemeClr val="tx1"/>
-                      </a:solidFill>
-                      <a:prstDash val="solid"/>
-                      <a:round/>
-                      <a:headEnd type="none" w="med" len="med"/>
-                      <a:tailEnd type="none" w="med" len="med"/>
-                    </a:lnB>
-                    <a:solidFill>
-                      <a:schemeClr val="bg1"/>
-                    </a:solidFill>
-                  </a:tcPr>
-                </a:tc>
-                <a:extLst>
-                  <a:ext uri="{0D108BD9-81ED-4DB2-BD59-A6C34878D82A}">
-                    <a16:rowId xmlns:a16="http://schemas.microsoft.com/office/drawing/2014/main" val="2675234893"/>
-                  </a:ext>
-                </a:extLst>
-              </a:tr>
-              <a:tr h="334021">
-                <a:tc rowSpan="2">
+              <a:tr h="1002068">
+                <a:tc>
                   <a:txBody>
                     <a:bodyPr/>
                     <a:lstStyle/>
@@ -7254,130 +5271,6 @@
                     </a:solidFill>
                   </a:tcPr>
                 </a:tc>
-                <a:tc vMerge="1">
-                  <a:txBody>
-                    <a:bodyPr/>
-                    <a:lstStyle/>
-                    <a:p>
-                      <a:pPr latinLnBrk="1"/>
-                      <a:endParaRPr lang="ko-KR" altLang="en-US"/>
-                    </a:p>
-                  </a:txBody>
-                  <a:tcPr/>
-                </a:tc>
-                <a:tc vMerge="1">
-                  <a:txBody>
-                    <a:bodyPr/>
-                    <a:lstStyle/>
-                    <a:p>
-                      <a:pPr latinLnBrk="1"/>
-                      <a:endParaRPr lang="ko-KR" altLang="en-US"/>
-                    </a:p>
-                  </a:txBody>
-                  <a:tcPr/>
-                </a:tc>
-                <a:tc vMerge="1">
-                  <a:txBody>
-                    <a:bodyPr/>
-                    <a:lstStyle/>
-                    <a:p>
-                      <a:pPr latinLnBrk="1"/>
-                      <a:endParaRPr lang="ko-KR" altLang="en-US"/>
-                    </a:p>
-                  </a:txBody>
-                  <a:tcPr/>
-                </a:tc>
-                <a:tc vMerge="1">
-                  <a:txBody>
-                    <a:bodyPr/>
-                    <a:lstStyle/>
-                    <a:p>
-                      <a:pPr latinLnBrk="1"/>
-                      <a:endParaRPr lang="ko-KR" altLang="en-US"/>
-                    </a:p>
-                  </a:txBody>
-                  <a:tcPr/>
-                </a:tc>
-                <a:tc vMerge="1">
-                  <a:txBody>
-                    <a:bodyPr/>
-                    <a:lstStyle/>
-                    <a:p>
-                      <a:pPr latinLnBrk="1"/>
-                      <a:endParaRPr lang="ko-KR" altLang="en-US"/>
-                    </a:p>
-                  </a:txBody>
-                  <a:tcPr/>
-                </a:tc>
-                <a:tc vMerge="1">
-                  <a:txBody>
-                    <a:bodyPr/>
-                    <a:lstStyle/>
-                    <a:p>
-                      <a:pPr latinLnBrk="1"/>
-                      <a:endParaRPr lang="ko-KR" altLang="en-US"/>
-                    </a:p>
-                  </a:txBody>
-                  <a:tcPr/>
-                </a:tc>
-                <a:extLst>
-                  <a:ext uri="{0D108BD9-81ED-4DB2-BD59-A6C34878D82A}">
-                    <a16:rowId xmlns:a16="http://schemas.microsoft.com/office/drawing/2014/main" val="125172749"/>
-                  </a:ext>
-                </a:extLst>
-              </a:tr>
-              <a:tr h="668046">
-                <a:tc vMerge="1">
-                  <a:txBody>
-                    <a:bodyPr/>
-                    <a:lstStyle/>
-                    <a:p>
-                      <a:pPr algn="ctr" latinLnBrk="1"/>
-                      <a:endParaRPr lang="ko-KR" altLang="en-US" sz="1400" dirty="0">
-                        <a:latin typeface="나눔스퀘어OTF" panose="020B0600000101010101" pitchFamily="34" charset="-127"/>
-                        <a:ea typeface="나눔스퀘어OTF" panose="020B0600000101010101" pitchFamily="34" charset="-127"/>
-                      </a:endParaRPr>
-                    </a:p>
-                  </a:txBody>
-                  <a:tcPr marL="0" marR="0" marT="0" marB="0" anchor="ctr">
-                    <a:lnL w="12700" cap="flat" cmpd="sng" algn="ctr">
-                      <a:solidFill>
-                        <a:schemeClr val="tx1"/>
-                      </a:solidFill>
-                      <a:prstDash val="solid"/>
-                      <a:round/>
-                      <a:headEnd type="none" w="med" len="med"/>
-                      <a:tailEnd type="none" w="med" len="med"/>
-                    </a:lnL>
-                    <a:lnR w="12700" cap="flat" cmpd="sng" algn="ctr">
-                      <a:solidFill>
-                        <a:schemeClr val="tx1"/>
-                      </a:solidFill>
-                      <a:prstDash val="solid"/>
-                      <a:round/>
-                      <a:headEnd type="none" w="med" len="med"/>
-                      <a:tailEnd type="none" w="med" len="med"/>
-                    </a:lnR>
-                    <a:lnT w="12700" cap="flat" cmpd="sng" algn="ctr">
-                      <a:solidFill>
-                        <a:schemeClr val="tx1"/>
-                      </a:solidFill>
-                      <a:prstDash val="solid"/>
-                      <a:round/>
-                      <a:headEnd type="none" w="med" len="med"/>
-                      <a:tailEnd type="none" w="med" len="med"/>
-                    </a:lnT>
-                    <a:lnB w="12700" cap="flat" cmpd="sng" algn="ctr">
-                      <a:solidFill>
-                        <a:schemeClr val="tx1"/>
-                      </a:solidFill>
-                      <a:prstDash val="solid"/>
-                      <a:round/>
-                      <a:headEnd type="none" w="med" len="med"/>
-                      <a:tailEnd type="none" w="med" len="med"/>
-                    </a:lnB>
-                  </a:tcPr>
-                </a:tc>
                 <a:tc>
                   <a:txBody>
                     <a:bodyPr/>
@@ -7648,100 +5541,14 @@
                     </a:solidFill>
                   </a:tcPr>
                 </a:tc>
-                <a:tc>
-                  <a:txBody>
-                    <a:bodyPr/>
-                    <a:lstStyle/>
-                    <a:p>
-                      <a:pPr algn="ctr" latinLnBrk="1"/>
-                      <a:r>
-                        <a:rPr lang="ko-KR" altLang="en-US" sz="1300" dirty="0">
-                          <a:solidFill>
-                            <a:schemeClr val="bg1">
-                              <a:lumMod val="50000"/>
-                            </a:schemeClr>
-                          </a:solidFill>
-                          <a:latin typeface="나눔스퀘어OTF" panose="020B0600000101010101" pitchFamily="34" charset="-127"/>
-                          <a:ea typeface="나눔스퀘어OTF" panose="020B0600000101010101" pitchFamily="34" charset="-127"/>
-                        </a:rPr>
-                        <a:t>오후 </a:t>
-                      </a:r>
-                      <a:r>
-                        <a:rPr lang="en-US" altLang="ko-KR" sz="1300" dirty="0">
-                          <a:solidFill>
-                            <a:schemeClr val="bg1">
-                              <a:lumMod val="50000"/>
-                            </a:schemeClr>
-                          </a:solidFill>
-                          <a:latin typeface="나눔스퀘어OTF" panose="020B0600000101010101" pitchFamily="34" charset="-127"/>
-                          <a:ea typeface="나눔스퀘어OTF" panose="020B0600000101010101" pitchFamily="34" charset="-127"/>
-                        </a:rPr>
-                        <a:t>5</a:t>
-                      </a:r>
-                      <a:r>
-                        <a:rPr lang="ko-KR" altLang="en-US" sz="1300" dirty="0">
-                          <a:solidFill>
-                            <a:schemeClr val="bg1">
-                              <a:lumMod val="50000"/>
-                            </a:schemeClr>
-                          </a:solidFill>
-                          <a:latin typeface="나눔스퀘어OTF" panose="020B0600000101010101" pitchFamily="34" charset="-127"/>
-                          <a:ea typeface="나눔스퀘어OTF" panose="020B0600000101010101" pitchFamily="34" charset="-127"/>
-                        </a:rPr>
-                        <a:t>시</a:t>
-                      </a:r>
-                    </a:p>
-                  </a:txBody>
-                  <a:tcPr marL="0" marR="0" marT="0" marB="0" anchor="ctr">
-                    <a:lnL w="6350" cap="flat" cmpd="sng" algn="ctr">
-                      <a:solidFill>
-                        <a:schemeClr val="tx1"/>
-                      </a:solidFill>
-                      <a:prstDash val="solid"/>
-                      <a:round/>
-                      <a:headEnd type="none" w="med" len="med"/>
-                      <a:tailEnd type="none" w="med" len="med"/>
-                    </a:lnL>
-                    <a:lnR w="6350" cap="flat" cmpd="sng" algn="ctr">
-                      <a:solidFill>
-                        <a:schemeClr val="tx1"/>
-                      </a:solidFill>
-                      <a:prstDash val="solid"/>
-                      <a:round/>
-                      <a:headEnd type="none" w="med" len="med"/>
-                      <a:tailEnd type="none" w="med" len="med"/>
-                    </a:lnR>
-                    <a:lnT w="6350" cap="flat" cmpd="sng" algn="ctr">
-                      <a:solidFill>
-                        <a:schemeClr val="tx1"/>
-                      </a:solidFill>
-                      <a:prstDash val="solid"/>
-                      <a:round/>
-                      <a:headEnd type="none" w="med" len="med"/>
-                      <a:tailEnd type="none" w="med" len="med"/>
-                    </a:lnT>
-                    <a:lnB w="6350" cap="flat" cmpd="sng" algn="ctr">
-                      <a:solidFill>
-                        <a:schemeClr val="tx1"/>
-                      </a:solidFill>
-                      <a:prstDash val="solid"/>
-                      <a:round/>
-                      <a:headEnd type="none" w="med" len="med"/>
-                      <a:tailEnd type="none" w="med" len="med"/>
-                    </a:lnB>
-                    <a:solidFill>
-                      <a:schemeClr val="bg1"/>
-                    </a:solidFill>
-                  </a:tcPr>
-                </a:tc>
                 <a:extLst>
                   <a:ext uri="{0D108BD9-81ED-4DB2-BD59-A6C34878D82A}">
-                    <a16:rowId xmlns:a16="http://schemas.microsoft.com/office/drawing/2014/main" val="3610093054"/>
+                    <a16:rowId xmlns:a16="http://schemas.microsoft.com/office/drawing/2014/main" val="125172749"/>
                   </a:ext>
                 </a:extLst>
               </a:tr>
-              <a:tr h="668046">
-                <a:tc rowSpan="2">
+              <a:tr h="1002068">
+                <a:tc>
                   <a:txBody>
                     <a:bodyPr/>
                     <a:lstStyle/>
@@ -8085,514 +5892,14 @@
                     </a:solidFill>
                   </a:tcPr>
                 </a:tc>
-                <a:tc>
-                  <a:txBody>
-                    <a:bodyPr/>
-                    <a:lstStyle/>
-                    <a:p>
-                      <a:pPr algn="ctr" latinLnBrk="1"/>
-                      <a:r>
-                        <a:rPr lang="ko-KR" altLang="en-US" sz="1300" dirty="0">
-                          <a:solidFill>
-                            <a:schemeClr val="bg1">
-                              <a:lumMod val="50000"/>
-                            </a:schemeClr>
-                          </a:solidFill>
-                          <a:latin typeface="나눔스퀘어OTF" panose="020B0600000101010101" pitchFamily="34" charset="-127"/>
-                          <a:ea typeface="나눔스퀘어OTF" panose="020B0600000101010101" pitchFamily="34" charset="-127"/>
-                        </a:rPr>
-                        <a:t>오후 </a:t>
-                      </a:r>
-                      <a:r>
-                        <a:rPr lang="en-US" altLang="ko-KR" sz="1300" dirty="0">
-                          <a:solidFill>
-                            <a:schemeClr val="bg1">
-                              <a:lumMod val="50000"/>
-                            </a:schemeClr>
-                          </a:solidFill>
-                          <a:latin typeface="나눔스퀘어OTF" panose="020B0600000101010101" pitchFamily="34" charset="-127"/>
-                          <a:ea typeface="나눔스퀘어OTF" panose="020B0600000101010101" pitchFamily="34" charset="-127"/>
-                        </a:rPr>
-                        <a:t>6</a:t>
-                      </a:r>
-                      <a:r>
-                        <a:rPr lang="ko-KR" altLang="en-US" sz="1300" dirty="0">
-                          <a:solidFill>
-                            <a:schemeClr val="bg1">
-                              <a:lumMod val="50000"/>
-                            </a:schemeClr>
-                          </a:solidFill>
-                          <a:latin typeface="나눔스퀘어OTF" panose="020B0600000101010101" pitchFamily="34" charset="-127"/>
-                          <a:ea typeface="나눔스퀘어OTF" panose="020B0600000101010101" pitchFamily="34" charset="-127"/>
-                        </a:rPr>
-                        <a:t>시</a:t>
-                      </a:r>
-                    </a:p>
-                  </a:txBody>
-                  <a:tcPr marL="0" marR="0" marT="0" marB="0" anchor="ctr">
-                    <a:lnL w="6350" cap="flat" cmpd="sng" algn="ctr">
-                      <a:solidFill>
-                        <a:schemeClr val="tx1"/>
-                      </a:solidFill>
-                      <a:prstDash val="solid"/>
-                      <a:round/>
-                      <a:headEnd type="none" w="med" len="med"/>
-                      <a:tailEnd type="none" w="med" len="med"/>
-                    </a:lnL>
-                    <a:lnR w="6350" cap="flat" cmpd="sng" algn="ctr">
-                      <a:solidFill>
-                        <a:schemeClr val="tx1"/>
-                      </a:solidFill>
-                      <a:prstDash val="solid"/>
-                      <a:round/>
-                      <a:headEnd type="none" w="med" len="med"/>
-                      <a:tailEnd type="none" w="med" len="med"/>
-                    </a:lnR>
-                    <a:lnT w="6350" cap="flat" cmpd="sng" algn="ctr">
-                      <a:solidFill>
-                        <a:schemeClr val="tx1"/>
-                      </a:solidFill>
-                      <a:prstDash val="solid"/>
-                      <a:round/>
-                      <a:headEnd type="none" w="med" len="med"/>
-                      <a:tailEnd type="none" w="med" len="med"/>
-                    </a:lnT>
-                    <a:lnB w="6350" cap="flat" cmpd="sng" algn="ctr">
-                      <a:solidFill>
-                        <a:schemeClr val="tx1"/>
-                      </a:solidFill>
-                      <a:prstDash val="solid"/>
-                      <a:round/>
-                      <a:headEnd type="none" w="med" len="med"/>
-                      <a:tailEnd type="none" w="med" len="med"/>
-                    </a:lnB>
-                    <a:solidFill>
-                      <a:schemeClr val="bg1"/>
-                    </a:solidFill>
-                  </a:tcPr>
-                </a:tc>
                 <a:extLst>
                   <a:ext uri="{0D108BD9-81ED-4DB2-BD59-A6C34878D82A}">
                     <a16:rowId xmlns:a16="http://schemas.microsoft.com/office/drawing/2014/main" val="1108565406"/>
                   </a:ext>
                 </a:extLst>
               </a:tr>
-              <a:tr h="334021">
-                <a:tc vMerge="1">
-                  <a:txBody>
-                    <a:bodyPr/>
-                    <a:lstStyle/>
-                    <a:p>
-                      <a:pPr algn="ctr" latinLnBrk="1"/>
-                      <a:endParaRPr lang="ko-KR" altLang="en-US" sz="1400" dirty="0">
-                        <a:latin typeface="나눔스퀘어OTF" panose="020B0600000101010101" pitchFamily="34" charset="-127"/>
-                        <a:ea typeface="나눔스퀘어OTF" panose="020B0600000101010101" pitchFamily="34" charset="-127"/>
-                      </a:endParaRPr>
-                    </a:p>
-                  </a:txBody>
-                  <a:tcPr marL="0" marR="0" marT="0" marB="0" anchor="ctr">
-                    <a:lnL w="12700" cap="flat" cmpd="sng" algn="ctr">
-                      <a:solidFill>
-                        <a:schemeClr val="tx1"/>
-                      </a:solidFill>
-                      <a:prstDash val="solid"/>
-                      <a:round/>
-                      <a:headEnd type="none" w="med" len="med"/>
-                      <a:tailEnd type="none" w="med" len="med"/>
-                    </a:lnL>
-                    <a:lnR w="12700" cap="flat" cmpd="sng" algn="ctr">
-                      <a:solidFill>
-                        <a:schemeClr val="tx1"/>
-                      </a:solidFill>
-                      <a:prstDash val="solid"/>
-                      <a:round/>
-                      <a:headEnd type="none" w="med" len="med"/>
-                      <a:tailEnd type="none" w="med" len="med"/>
-                    </a:lnR>
-                    <a:lnT w="12700" cap="flat" cmpd="sng" algn="ctr">
-                      <a:solidFill>
-                        <a:schemeClr val="tx1"/>
-                      </a:solidFill>
-                      <a:prstDash val="solid"/>
-                      <a:round/>
-                      <a:headEnd type="none" w="med" len="med"/>
-                      <a:tailEnd type="none" w="med" len="med"/>
-                    </a:lnT>
-                    <a:lnB w="12700" cap="flat" cmpd="sng" algn="ctr">
-                      <a:solidFill>
-                        <a:schemeClr val="tx1"/>
-                      </a:solidFill>
-                      <a:prstDash val="solid"/>
-                      <a:round/>
-                      <a:headEnd type="none" w="med" len="med"/>
-                      <a:tailEnd type="none" w="med" len="med"/>
-                    </a:lnB>
-                  </a:tcPr>
-                </a:tc>
-                <a:tc rowSpan="2">
-                  <a:txBody>
-                    <a:bodyPr/>
-                    <a:lstStyle/>
-                    <a:p>
-                      <a:pPr algn="ctr" latinLnBrk="1"/>
-                      <a:endParaRPr lang="ko-KR" altLang="en-US" sz="1300" dirty="0">
-                        <a:latin typeface="나눔스퀘어OTF" panose="020B0600000101010101" pitchFamily="34" charset="-127"/>
-                        <a:ea typeface="나눔스퀘어OTF" panose="020B0600000101010101" pitchFamily="34" charset="-127"/>
-                      </a:endParaRPr>
-                    </a:p>
-                  </a:txBody>
-                  <a:tcPr marL="0" marR="0" marT="0" marB="0" anchor="ctr">
-                    <a:lnL w="6350" cap="flat" cmpd="sng" algn="ctr">
-                      <a:solidFill>
-                        <a:schemeClr val="tx1"/>
-                      </a:solidFill>
-                      <a:prstDash val="solid"/>
-                      <a:round/>
-                      <a:headEnd type="none" w="med" len="med"/>
-                      <a:tailEnd type="none" w="med" len="med"/>
-                    </a:lnL>
-                    <a:lnR w="6350" cap="flat" cmpd="sng" algn="ctr">
-                      <a:solidFill>
-                        <a:schemeClr val="tx1"/>
-                      </a:solidFill>
-                      <a:prstDash val="solid"/>
-                      <a:round/>
-                      <a:headEnd type="none" w="med" len="med"/>
-                      <a:tailEnd type="none" w="med" len="med"/>
-                    </a:lnR>
-                    <a:lnT w="6350" cap="flat" cmpd="sng" algn="ctr">
-                      <a:solidFill>
-                        <a:schemeClr val="tx1"/>
-                      </a:solidFill>
-                      <a:prstDash val="solid"/>
-                      <a:round/>
-                      <a:headEnd type="none" w="med" len="med"/>
-                      <a:tailEnd type="none" w="med" len="med"/>
-                    </a:lnT>
-                    <a:lnB w="6350" cap="flat" cmpd="sng" algn="ctr">
-                      <a:solidFill>
-                        <a:schemeClr val="tx1"/>
-                      </a:solidFill>
-                      <a:prstDash val="solid"/>
-                      <a:round/>
-                      <a:headEnd type="none" w="med" len="med"/>
-                      <a:tailEnd type="none" w="med" len="med"/>
-                    </a:lnB>
-                    <a:solidFill>
-                      <a:schemeClr val="bg1"/>
-                    </a:solidFill>
-                  </a:tcPr>
-                </a:tc>
-                <a:tc rowSpan="2">
-                  <a:txBody>
-                    <a:bodyPr/>
-                    <a:lstStyle/>
-                    <a:p>
-                      <a:pPr algn="ctr" latinLnBrk="1"/>
-                      <a:endParaRPr lang="ko-KR" altLang="en-US" sz="1300" dirty="0">
-                        <a:latin typeface="나눔스퀘어OTF" panose="020B0600000101010101" pitchFamily="34" charset="-127"/>
-                        <a:ea typeface="나눔스퀘어OTF" panose="020B0600000101010101" pitchFamily="34" charset="-127"/>
-                      </a:endParaRPr>
-                    </a:p>
-                  </a:txBody>
-                  <a:tcPr marL="0" marR="0" marT="0" marB="0" anchor="ctr">
-                    <a:lnL w="6350" cap="flat" cmpd="sng" algn="ctr">
-                      <a:solidFill>
-                        <a:schemeClr val="tx1"/>
-                      </a:solidFill>
-                      <a:prstDash val="solid"/>
-                      <a:round/>
-                      <a:headEnd type="none" w="med" len="med"/>
-                      <a:tailEnd type="none" w="med" len="med"/>
-                    </a:lnL>
-                    <a:lnR w="6350" cap="flat" cmpd="sng" algn="ctr">
-                      <a:solidFill>
-                        <a:schemeClr val="tx1"/>
-                      </a:solidFill>
-                      <a:prstDash val="solid"/>
-                      <a:round/>
-                      <a:headEnd type="none" w="med" len="med"/>
-                      <a:tailEnd type="none" w="med" len="med"/>
-                    </a:lnR>
-                    <a:lnT w="6350" cap="flat" cmpd="sng" algn="ctr">
-                      <a:solidFill>
-                        <a:schemeClr val="tx1"/>
-                      </a:solidFill>
-                      <a:prstDash val="solid"/>
-                      <a:round/>
-                      <a:headEnd type="none" w="med" len="med"/>
-                      <a:tailEnd type="none" w="med" len="med"/>
-                    </a:lnT>
-                    <a:lnB w="6350" cap="flat" cmpd="sng" algn="ctr">
-                      <a:solidFill>
-                        <a:schemeClr val="tx1"/>
-                      </a:solidFill>
-                      <a:prstDash val="solid"/>
-                      <a:round/>
-                      <a:headEnd type="none" w="med" len="med"/>
-                      <a:tailEnd type="none" w="med" len="med"/>
-                    </a:lnB>
-                    <a:solidFill>
-                      <a:schemeClr val="bg1"/>
-                    </a:solidFill>
-                  </a:tcPr>
-                </a:tc>
-                <a:tc rowSpan="2">
-                  <a:txBody>
-                    <a:bodyPr/>
-                    <a:lstStyle/>
-                    <a:p>
-                      <a:pPr algn="ctr" latinLnBrk="1"/>
-                      <a:endParaRPr lang="ko-KR" altLang="en-US" sz="1300" dirty="0">
-                        <a:latin typeface="나눔스퀘어OTF" panose="020B0600000101010101" pitchFamily="34" charset="-127"/>
-                        <a:ea typeface="나눔스퀘어OTF" panose="020B0600000101010101" pitchFamily="34" charset="-127"/>
-                      </a:endParaRPr>
-                    </a:p>
-                  </a:txBody>
-                  <a:tcPr marL="0" marR="0" marT="0" marB="0" anchor="ctr">
-                    <a:lnL w="6350" cap="flat" cmpd="sng" algn="ctr">
-                      <a:solidFill>
-                        <a:schemeClr val="tx1"/>
-                      </a:solidFill>
-                      <a:prstDash val="solid"/>
-                      <a:round/>
-                      <a:headEnd type="none" w="med" len="med"/>
-                      <a:tailEnd type="none" w="med" len="med"/>
-                    </a:lnL>
-                    <a:lnR w="6350" cap="flat" cmpd="sng" algn="ctr">
-                      <a:solidFill>
-                        <a:schemeClr val="tx1"/>
-                      </a:solidFill>
-                      <a:prstDash val="solid"/>
-                      <a:round/>
-                      <a:headEnd type="none" w="med" len="med"/>
-                      <a:tailEnd type="none" w="med" len="med"/>
-                    </a:lnR>
-                    <a:lnT w="6350" cap="flat" cmpd="sng" algn="ctr">
-                      <a:solidFill>
-                        <a:schemeClr val="tx1"/>
-                      </a:solidFill>
-                      <a:prstDash val="solid"/>
-                      <a:round/>
-                      <a:headEnd type="none" w="med" len="med"/>
-                      <a:tailEnd type="none" w="med" len="med"/>
-                    </a:lnT>
-                    <a:lnB w="6350" cap="flat" cmpd="sng" algn="ctr">
-                      <a:solidFill>
-                        <a:schemeClr val="tx1"/>
-                      </a:solidFill>
-                      <a:prstDash val="solid"/>
-                      <a:round/>
-                      <a:headEnd type="none" w="med" len="med"/>
-                      <a:tailEnd type="none" w="med" len="med"/>
-                    </a:lnB>
-                    <a:solidFill>
-                      <a:schemeClr val="bg1"/>
-                    </a:solidFill>
-                  </a:tcPr>
-                </a:tc>
-                <a:tc rowSpan="2">
-                  <a:txBody>
-                    <a:bodyPr/>
-                    <a:lstStyle/>
-                    <a:p>
-                      <a:pPr algn="ctr" latinLnBrk="1"/>
-                      <a:endParaRPr lang="ko-KR" altLang="en-US" sz="1300" dirty="0">
-                        <a:latin typeface="나눔스퀘어OTF" panose="020B0600000101010101" pitchFamily="34" charset="-127"/>
-                        <a:ea typeface="나눔스퀘어OTF" panose="020B0600000101010101" pitchFamily="34" charset="-127"/>
-                      </a:endParaRPr>
-                    </a:p>
-                  </a:txBody>
-                  <a:tcPr marL="0" marR="0" marT="0" marB="0" anchor="ctr">
-                    <a:lnL w="6350" cap="flat" cmpd="sng" algn="ctr">
-                      <a:solidFill>
-                        <a:schemeClr val="tx1"/>
-                      </a:solidFill>
-                      <a:prstDash val="solid"/>
-                      <a:round/>
-                      <a:headEnd type="none" w="med" len="med"/>
-                      <a:tailEnd type="none" w="med" len="med"/>
-                    </a:lnL>
-                    <a:lnR w="6350" cap="flat" cmpd="sng" algn="ctr">
-                      <a:solidFill>
-                        <a:schemeClr val="tx1"/>
-                      </a:solidFill>
-                      <a:prstDash val="solid"/>
-                      <a:round/>
-                      <a:headEnd type="none" w="med" len="med"/>
-                      <a:tailEnd type="none" w="med" len="med"/>
-                    </a:lnR>
-                    <a:lnT w="6350" cap="flat" cmpd="sng" algn="ctr">
-                      <a:solidFill>
-                        <a:schemeClr val="tx1"/>
-                      </a:solidFill>
-                      <a:prstDash val="solid"/>
-                      <a:round/>
-                      <a:headEnd type="none" w="med" len="med"/>
-                      <a:tailEnd type="none" w="med" len="med"/>
-                    </a:lnT>
-                    <a:lnB w="6350" cap="flat" cmpd="sng" algn="ctr">
-                      <a:solidFill>
-                        <a:schemeClr val="tx1"/>
-                      </a:solidFill>
-                      <a:prstDash val="solid"/>
-                      <a:round/>
-                      <a:headEnd type="none" w="med" len="med"/>
-                      <a:tailEnd type="none" w="med" len="med"/>
-                    </a:lnB>
-                    <a:solidFill>
-                      <a:schemeClr val="bg1"/>
-                    </a:solidFill>
-                  </a:tcPr>
-                </a:tc>
-                <a:tc rowSpan="2">
-                  <a:txBody>
-                    <a:bodyPr/>
-                    <a:lstStyle/>
-                    <a:p>
-                      <a:pPr algn="ctr" latinLnBrk="1"/>
-                      <a:endParaRPr lang="ko-KR" altLang="en-US" sz="1300" dirty="0">
-                        <a:latin typeface="나눔스퀘어OTF" panose="020B0600000101010101" pitchFamily="34" charset="-127"/>
-                        <a:ea typeface="나눔스퀘어OTF" panose="020B0600000101010101" pitchFamily="34" charset="-127"/>
-                      </a:endParaRPr>
-                    </a:p>
-                  </a:txBody>
-                  <a:tcPr marL="0" marR="0" marT="0" marB="0" anchor="ctr">
-                    <a:lnL w="6350" cap="flat" cmpd="sng" algn="ctr">
-                      <a:solidFill>
-                        <a:schemeClr val="tx1"/>
-                      </a:solidFill>
-                      <a:prstDash val="solid"/>
-                      <a:round/>
-                      <a:headEnd type="none" w="med" len="med"/>
-                      <a:tailEnd type="none" w="med" len="med"/>
-                    </a:lnL>
-                    <a:lnR w="6350" cap="flat" cmpd="sng" algn="ctr">
-                      <a:solidFill>
-                        <a:schemeClr val="tx1"/>
-                      </a:solidFill>
-                      <a:prstDash val="solid"/>
-                      <a:round/>
-                      <a:headEnd type="none" w="med" len="med"/>
-                      <a:tailEnd type="none" w="med" len="med"/>
-                    </a:lnR>
-                    <a:lnT w="6350" cap="flat" cmpd="sng" algn="ctr">
-                      <a:solidFill>
-                        <a:schemeClr val="tx1"/>
-                      </a:solidFill>
-                      <a:prstDash val="solid"/>
-                      <a:round/>
-                      <a:headEnd type="none" w="med" len="med"/>
-                      <a:tailEnd type="none" w="med" len="med"/>
-                    </a:lnT>
-                    <a:lnB w="6350" cap="flat" cmpd="sng" algn="ctr">
-                      <a:solidFill>
-                        <a:schemeClr val="tx1"/>
-                      </a:solidFill>
-                      <a:prstDash val="solid"/>
-                      <a:round/>
-                      <a:headEnd type="none" w="med" len="med"/>
-                      <a:tailEnd type="none" w="med" len="med"/>
-                    </a:lnB>
-                    <a:solidFill>
-                      <a:schemeClr val="bg1"/>
-                    </a:solidFill>
-                  </a:tcPr>
-                </a:tc>
-                <a:tc rowSpan="2">
-                  <a:txBody>
-                    <a:bodyPr/>
-                    <a:lstStyle/>
-                    <a:p>
-                      <a:pPr algn="ctr" latinLnBrk="1"/>
-                      <a:r>
-                        <a:rPr lang="ko-KR" altLang="en-US" sz="1300" dirty="0">
-                          <a:solidFill>
-                            <a:schemeClr val="bg1">
-                              <a:lumMod val="50000"/>
-                            </a:schemeClr>
-                          </a:solidFill>
-                          <a:latin typeface="나눔스퀘어OTF" panose="020B0600000101010101" pitchFamily="34" charset="-127"/>
-                          <a:ea typeface="나눔스퀘어OTF" panose="020B0600000101010101" pitchFamily="34" charset="-127"/>
-                        </a:rPr>
-                        <a:t>오후 </a:t>
-                      </a:r>
-                      <a:r>
-                        <a:rPr lang="en-US" altLang="ko-KR" sz="1300" dirty="0">
-                          <a:solidFill>
-                            <a:schemeClr val="bg1">
-                              <a:lumMod val="50000"/>
-                            </a:schemeClr>
-                          </a:solidFill>
-                          <a:latin typeface="나눔스퀘어OTF" panose="020B0600000101010101" pitchFamily="34" charset="-127"/>
-                          <a:ea typeface="나눔스퀘어OTF" panose="020B0600000101010101" pitchFamily="34" charset="-127"/>
-                        </a:rPr>
-                        <a:t>7</a:t>
-                      </a:r>
-                      <a:r>
-                        <a:rPr lang="ko-KR" altLang="en-US" sz="1300" dirty="0">
-                          <a:solidFill>
-                            <a:schemeClr val="bg1">
-                              <a:lumMod val="50000"/>
-                            </a:schemeClr>
-                          </a:solidFill>
-                          <a:latin typeface="나눔스퀘어OTF" panose="020B0600000101010101" pitchFamily="34" charset="-127"/>
-                          <a:ea typeface="나눔스퀘어OTF" panose="020B0600000101010101" pitchFamily="34" charset="-127"/>
-                        </a:rPr>
-                        <a:t>시</a:t>
-                      </a:r>
-                    </a:p>
-                  </a:txBody>
-                  <a:tcPr marL="0" marR="0" marT="0" marB="0" anchor="ctr">
-                    <a:lnL w="6350" cap="flat" cmpd="sng" algn="ctr">
-                      <a:solidFill>
-                        <a:schemeClr val="tx1"/>
-                      </a:solidFill>
-                      <a:prstDash val="solid"/>
-                      <a:round/>
-                      <a:headEnd type="none" w="med" len="med"/>
-                      <a:tailEnd type="none" w="med" len="med"/>
-                    </a:lnL>
-                    <a:lnR w="6350" cap="flat" cmpd="sng" algn="ctr">
-                      <a:solidFill>
-                        <a:schemeClr val="tx1"/>
-                      </a:solidFill>
-                      <a:prstDash val="solid"/>
-                      <a:round/>
-                      <a:headEnd type="none" w="med" len="med"/>
-                      <a:tailEnd type="none" w="med" len="med"/>
-                    </a:lnR>
-                    <a:lnT w="6350" cap="flat" cmpd="sng" algn="ctr">
-                      <a:solidFill>
-                        <a:schemeClr val="tx1"/>
-                      </a:solidFill>
-                      <a:prstDash val="solid"/>
-                      <a:round/>
-                      <a:headEnd type="none" w="med" len="med"/>
-                      <a:tailEnd type="none" w="med" len="med"/>
-                    </a:lnT>
-                    <a:lnB w="6350" cap="flat" cmpd="sng" algn="ctr">
-                      <a:solidFill>
-                        <a:schemeClr val="tx1"/>
-                      </a:solidFill>
-                      <a:prstDash val="solid"/>
-                      <a:round/>
-                      <a:headEnd type="none" w="med" len="med"/>
-                      <a:tailEnd type="none" w="med" len="med"/>
-                    </a:lnB>
-                    <a:solidFill>
-                      <a:schemeClr val="bg1"/>
-                    </a:solidFill>
-                  </a:tcPr>
-                </a:tc>
-                <a:extLst>
-                  <a:ext uri="{0D108BD9-81ED-4DB2-BD59-A6C34878D82A}">
-                    <a16:rowId xmlns:a16="http://schemas.microsoft.com/office/drawing/2014/main" val="4267076990"/>
-                  </a:ext>
-                </a:extLst>
-              </a:tr>
-              <a:tr h="334021">
-                <a:tc rowSpan="2">
+              <a:tr h="1002068">
+                <a:tc>
                   <a:txBody>
                     <a:bodyPr/>
                     <a:lstStyle/>
@@ -8666,130 +5973,6 @@
                     </a:solidFill>
                   </a:tcPr>
                 </a:tc>
-                <a:tc vMerge="1">
-                  <a:txBody>
-                    <a:bodyPr/>
-                    <a:lstStyle/>
-                    <a:p>
-                      <a:pPr latinLnBrk="1"/>
-                      <a:endParaRPr lang="ko-KR" altLang="en-US"/>
-                    </a:p>
-                  </a:txBody>
-                  <a:tcPr/>
-                </a:tc>
-                <a:tc vMerge="1">
-                  <a:txBody>
-                    <a:bodyPr/>
-                    <a:lstStyle/>
-                    <a:p>
-                      <a:pPr latinLnBrk="1"/>
-                      <a:endParaRPr lang="ko-KR" altLang="en-US"/>
-                    </a:p>
-                  </a:txBody>
-                  <a:tcPr/>
-                </a:tc>
-                <a:tc vMerge="1">
-                  <a:txBody>
-                    <a:bodyPr/>
-                    <a:lstStyle/>
-                    <a:p>
-                      <a:pPr latinLnBrk="1"/>
-                      <a:endParaRPr lang="ko-KR" altLang="en-US"/>
-                    </a:p>
-                  </a:txBody>
-                  <a:tcPr/>
-                </a:tc>
-                <a:tc vMerge="1">
-                  <a:txBody>
-                    <a:bodyPr/>
-                    <a:lstStyle/>
-                    <a:p>
-                      <a:pPr latinLnBrk="1"/>
-                      <a:endParaRPr lang="ko-KR" altLang="en-US"/>
-                    </a:p>
-                  </a:txBody>
-                  <a:tcPr/>
-                </a:tc>
-                <a:tc vMerge="1">
-                  <a:txBody>
-                    <a:bodyPr/>
-                    <a:lstStyle/>
-                    <a:p>
-                      <a:pPr latinLnBrk="1"/>
-                      <a:endParaRPr lang="ko-KR" altLang="en-US"/>
-                    </a:p>
-                  </a:txBody>
-                  <a:tcPr/>
-                </a:tc>
-                <a:tc vMerge="1">
-                  <a:txBody>
-                    <a:bodyPr/>
-                    <a:lstStyle/>
-                    <a:p>
-                      <a:pPr latinLnBrk="1"/>
-                      <a:endParaRPr lang="ko-KR" altLang="en-US"/>
-                    </a:p>
-                  </a:txBody>
-                  <a:tcPr/>
-                </a:tc>
-                <a:extLst>
-                  <a:ext uri="{0D108BD9-81ED-4DB2-BD59-A6C34878D82A}">
-                    <a16:rowId xmlns:a16="http://schemas.microsoft.com/office/drawing/2014/main" val="1209772425"/>
-                  </a:ext>
-                </a:extLst>
-              </a:tr>
-              <a:tr h="668046">
-                <a:tc vMerge="1">
-                  <a:txBody>
-                    <a:bodyPr/>
-                    <a:lstStyle/>
-                    <a:p>
-                      <a:pPr algn="ctr" latinLnBrk="1"/>
-                      <a:endParaRPr lang="ko-KR" altLang="en-US" sz="1400" dirty="0">
-                        <a:latin typeface="나눔스퀘어OTF" panose="020B0600000101010101" pitchFamily="34" charset="-127"/>
-                        <a:ea typeface="나눔스퀘어OTF" panose="020B0600000101010101" pitchFamily="34" charset="-127"/>
-                      </a:endParaRPr>
-                    </a:p>
-                  </a:txBody>
-                  <a:tcPr marL="0" marR="0" marT="0" marB="0" anchor="ctr">
-                    <a:lnL w="12700" cap="flat" cmpd="sng" algn="ctr">
-                      <a:solidFill>
-                        <a:schemeClr val="tx1"/>
-                      </a:solidFill>
-                      <a:prstDash val="solid"/>
-                      <a:round/>
-                      <a:headEnd type="none" w="med" len="med"/>
-                      <a:tailEnd type="none" w="med" len="med"/>
-                    </a:lnL>
-                    <a:lnR w="12700" cap="flat" cmpd="sng" algn="ctr">
-                      <a:solidFill>
-                        <a:schemeClr val="tx1"/>
-                      </a:solidFill>
-                      <a:prstDash val="solid"/>
-                      <a:round/>
-                      <a:headEnd type="none" w="med" len="med"/>
-                      <a:tailEnd type="none" w="med" len="med"/>
-                    </a:lnR>
-                    <a:lnT w="12700" cap="flat" cmpd="sng" algn="ctr">
-                      <a:solidFill>
-                        <a:schemeClr val="tx1"/>
-                      </a:solidFill>
-                      <a:prstDash val="solid"/>
-                      <a:round/>
-                      <a:headEnd type="none" w="med" len="med"/>
-                      <a:tailEnd type="none" w="med" len="med"/>
-                    </a:lnT>
-                    <a:lnB w="12700" cap="flat" cmpd="sng" algn="ctr">
-                      <a:solidFill>
-                        <a:schemeClr val="tx1"/>
-                      </a:solidFill>
-                      <a:prstDash val="solid"/>
-                      <a:round/>
-                      <a:headEnd type="none" w="med" len="med"/>
-                      <a:tailEnd type="none" w="med" len="med"/>
-                    </a:lnB>
-                  </a:tcPr>
-                </a:tc>
                 <a:tc>
                   <a:txBody>
                     <a:bodyPr/>
@@ -9060,95 +6243,9 @@
                     </a:solidFill>
                   </a:tcPr>
                 </a:tc>
-                <a:tc>
-                  <a:txBody>
-                    <a:bodyPr/>
-                    <a:lstStyle/>
-                    <a:p>
-                      <a:pPr algn="ctr" latinLnBrk="1"/>
-                      <a:r>
-                        <a:rPr lang="ko-KR" altLang="en-US" sz="1300" dirty="0">
-                          <a:solidFill>
-                            <a:schemeClr val="bg1">
-                              <a:lumMod val="50000"/>
-                            </a:schemeClr>
-                          </a:solidFill>
-                          <a:latin typeface="나눔스퀘어OTF" panose="020B0600000101010101" pitchFamily="34" charset="-127"/>
-                          <a:ea typeface="나눔스퀘어OTF" panose="020B0600000101010101" pitchFamily="34" charset="-127"/>
-                        </a:rPr>
-                        <a:t>오후 </a:t>
-                      </a:r>
-                      <a:r>
-                        <a:rPr lang="en-US" altLang="ko-KR" sz="1300" dirty="0">
-                          <a:solidFill>
-                            <a:schemeClr val="bg1">
-                              <a:lumMod val="50000"/>
-                            </a:schemeClr>
-                          </a:solidFill>
-                          <a:latin typeface="나눔스퀘어OTF" panose="020B0600000101010101" pitchFamily="34" charset="-127"/>
-                          <a:ea typeface="나눔스퀘어OTF" panose="020B0600000101010101" pitchFamily="34" charset="-127"/>
-                        </a:rPr>
-                        <a:t>8</a:t>
-                      </a:r>
-                      <a:r>
-                        <a:rPr lang="ko-KR" altLang="en-US" sz="1300" dirty="0">
-                          <a:solidFill>
-                            <a:schemeClr val="bg1">
-                              <a:lumMod val="50000"/>
-                            </a:schemeClr>
-                          </a:solidFill>
-                          <a:latin typeface="나눔스퀘어OTF" panose="020B0600000101010101" pitchFamily="34" charset="-127"/>
-                          <a:ea typeface="나눔스퀘어OTF" panose="020B0600000101010101" pitchFamily="34" charset="-127"/>
-                        </a:rPr>
-                        <a:t>시</a:t>
-                      </a:r>
-                    </a:p>
-                  </a:txBody>
-                  <a:tcPr marL="0" marR="0" marT="0" marB="0" anchor="ctr">
-                    <a:lnL w="6350" cap="flat" cmpd="sng" algn="ctr">
-                      <a:solidFill>
-                        <a:schemeClr val="tx1"/>
-                      </a:solidFill>
-                      <a:prstDash val="solid"/>
-                      <a:round/>
-                      <a:headEnd type="none" w="med" len="med"/>
-                      <a:tailEnd type="none" w="med" len="med"/>
-                    </a:lnL>
-                    <a:lnR w="6350" cap="flat" cmpd="sng" algn="ctr">
-                      <a:solidFill>
-                        <a:schemeClr val="tx1"/>
-                      </a:solidFill>
-                      <a:prstDash val="solid"/>
-                      <a:round/>
-                      <a:headEnd type="none" w="med" len="med"/>
-                      <a:tailEnd type="none" w="med" len="med"/>
-                    </a:lnR>
-                    <a:lnT w="6350" cap="flat" cmpd="sng" algn="ctr">
-                      <a:solidFill>
-                        <a:schemeClr val="tx1"/>
-                      </a:solidFill>
-                      <a:prstDash val="solid"/>
-                      <a:round/>
-                      <a:headEnd type="none" w="med" len="med"/>
-                      <a:tailEnd type="none" w="med" len="med"/>
-                    </a:lnT>
-                    <a:lnB w="6350" cap="flat" cmpd="sng" algn="ctr">
-                      <a:solidFill>
-                        <a:schemeClr val="tx1"/>
-                      </a:solidFill>
-                      <a:prstDash val="solid"/>
-                      <a:round/>
-                      <a:headEnd type="none" w="med" len="med"/>
-                      <a:tailEnd type="none" w="med" len="med"/>
-                    </a:lnB>
-                    <a:solidFill>
-                      <a:schemeClr val="bg1"/>
-                    </a:solidFill>
-                  </a:tcPr>
-                </a:tc>
                 <a:extLst>
                   <a:ext uri="{0D108BD9-81ED-4DB2-BD59-A6C34878D82A}">
-                    <a16:rowId xmlns:a16="http://schemas.microsoft.com/office/drawing/2014/main" val="9343737"/>
+                    <a16:rowId xmlns:a16="http://schemas.microsoft.com/office/drawing/2014/main" val="1209772425"/>
                   </a:ext>
                 </a:extLst>
               </a:tr>
@@ -9156,116 +6253,6 @@
           </a:graphicData>
         </a:graphic>
       </p:graphicFrame>
-      <p:sp>
-        <p:nvSpPr>
-          <p:cNvPr id="8" name="직사각형 7">
-            <a:extLst>
-              <a:ext uri="{FF2B5EF4-FFF2-40B4-BE49-F238E27FC236}">
-                <a16:creationId xmlns:a16="http://schemas.microsoft.com/office/drawing/2014/main" id="{6DDED55B-A37A-4825-9E31-85450F1331BE}"/>
-              </a:ext>
-            </a:extLst>
-          </p:cNvPr>
-          <p:cNvSpPr/>
-          <p:nvPr/>
-        </p:nvSpPr>
-        <p:spPr>
-          <a:xfrm>
-            <a:off x="9042360" y="1700950"/>
-            <a:ext cx="1954800" cy="1830402"/>
-          </a:xfrm>
-          <a:prstGeom prst="rect">
-            <a:avLst/>
-          </a:prstGeom>
-          <a:solidFill>
-            <a:schemeClr val="accent4">
-              <a:lumMod val="20000"/>
-              <a:lumOff val="80000"/>
-            </a:schemeClr>
-          </a:solidFill>
-          <a:ln w="9525">
-            <a:solidFill>
-              <a:schemeClr val="tx1"/>
-            </a:solidFill>
-          </a:ln>
-        </p:spPr>
-        <p:style>
-          <a:lnRef idx="2">
-            <a:schemeClr val="accent1">
-              <a:shade val="50000"/>
-            </a:schemeClr>
-          </a:lnRef>
-          <a:fillRef idx="1">
-            <a:schemeClr val="accent1"/>
-          </a:fillRef>
-          <a:effectRef idx="0">
-            <a:schemeClr val="accent1"/>
-          </a:effectRef>
-          <a:fontRef idx="minor">
-            <a:schemeClr val="lt1"/>
-          </a:fontRef>
-        </p:style>
-        <p:txBody>
-          <a:bodyPr lIns="108000" tIns="108000" rIns="0" rtlCol="0" anchor="t"/>
-          <a:lstStyle/>
-          <a:p>
-            <a:r>
-              <a:rPr lang="ko-KR" altLang="en-US" sz="1300" dirty="0" err="1">
-                <a:solidFill>
-                  <a:schemeClr val="tx1"/>
-                </a:solidFill>
-                <a:latin typeface="나눔스퀘어OTF" panose="020B0600000101010101" pitchFamily="34" charset="-127"/>
-                <a:ea typeface="나눔스퀘어OTF" panose="020B0600000101010101" pitchFamily="34" charset="-127"/>
-              </a:rPr>
-              <a:t>강의명</a:t>
-            </a:r>
-            <a:endParaRPr lang="en-US" altLang="ko-KR" sz="1300" dirty="0">
-              <a:solidFill>
-                <a:schemeClr val="tx1"/>
-              </a:solidFill>
-              <a:latin typeface="나눔스퀘어OTF" panose="020B0600000101010101" pitchFamily="34" charset="-127"/>
-              <a:ea typeface="나눔스퀘어OTF" panose="020B0600000101010101" pitchFamily="34" charset="-127"/>
-            </a:endParaRPr>
-          </a:p>
-          <a:p>
-            <a:r>
-              <a:rPr lang="ko-KR" altLang="en-US" sz="1100" dirty="0" err="1">
-                <a:solidFill>
-                  <a:schemeClr val="tx1">
-                    <a:lumMod val="50000"/>
-                    <a:lumOff val="50000"/>
-                  </a:schemeClr>
-                </a:solidFill>
-                <a:latin typeface="나눔스퀘어OTF" panose="020B0600000101010101" pitchFamily="34" charset="-127"/>
-                <a:ea typeface="나눔스퀘어OTF" panose="020B0600000101010101" pitchFamily="34" charset="-127"/>
-              </a:rPr>
-              <a:t>교수명</a:t>
-            </a:r>
-            <a:r>
-              <a:rPr lang="ko-KR" altLang="en-US" sz="1100" dirty="0">
-                <a:solidFill>
-                  <a:schemeClr val="tx1">
-                    <a:lumMod val="50000"/>
-                    <a:lumOff val="50000"/>
-                  </a:schemeClr>
-                </a:solidFill>
-                <a:latin typeface="나눔스퀘어OTF" panose="020B0600000101010101" pitchFamily="34" charset="-127"/>
-                <a:ea typeface="나눔스퀘어OTF" panose="020B0600000101010101" pitchFamily="34" charset="-127"/>
-              </a:rPr>
-              <a:t>  강의실</a:t>
-            </a:r>
-            <a:endParaRPr lang="ko-KR" altLang="en-US" sz="1300" dirty="0">
-              <a:solidFill>
-                <a:schemeClr val="tx1">
-                  <a:lumMod val="50000"/>
-                  <a:lumOff val="50000"/>
-                </a:schemeClr>
-              </a:solidFill>
-              <a:latin typeface="나눔스퀘어OTF" panose="020B0600000101010101" pitchFamily="34" charset="-127"/>
-              <a:ea typeface="나눔스퀘어OTF" panose="020B0600000101010101" pitchFamily="34" charset="-127"/>
-            </a:endParaRPr>
-          </a:p>
-        </p:txBody>
-      </p:sp>
     </p:spTree>
     <p:extLst>
       <p:ext uri="{BB962C8B-B14F-4D97-AF65-F5344CB8AC3E}">
@@ -15479,7 +12466,7 @@
         <p:spPr>
           <a:xfrm>
             <a:off x="1193760" y="1702220"/>
-            <a:ext cx="1954800" cy="1004400"/>
+            <a:ext cx="1954800" cy="1985860"/>
           </a:xfrm>
           <a:prstGeom prst="rect">
             <a:avLst/>
@@ -15588,6 +12575,152 @@
 </file>
 
 <file path=ppt/slides/slide3.xml><?xml version="1.0" encoding="utf-8"?>
+<p:sld xmlns:a="http://schemas.openxmlformats.org/drawingml/2006/main" xmlns:r="http://schemas.openxmlformats.org/officeDocument/2006/relationships" xmlns:p="http://schemas.openxmlformats.org/presentationml/2006/main">
+  <p:cSld>
+    <p:spTree>
+      <p:nvGrpSpPr>
+        <p:cNvPr id="1" name=""/>
+        <p:cNvGrpSpPr/>
+        <p:nvPr/>
+      </p:nvGrpSpPr>
+      <p:grpSpPr>
+        <a:xfrm>
+          <a:off x="0" y="0"/>
+          <a:ext cx="0" cy="0"/>
+          <a:chOff x="0" y="0"/>
+          <a:chExt cx="0" cy="0"/>
+        </a:xfrm>
+      </p:grpSpPr>
+      <p:sp>
+        <p:nvSpPr>
+          <p:cNvPr id="5" name="TextBox 4">
+            <a:extLst>
+              <a:ext uri="{FF2B5EF4-FFF2-40B4-BE49-F238E27FC236}">
+                <a16:creationId xmlns:a16="http://schemas.microsoft.com/office/drawing/2014/main" id="{F1B65904-2020-4E46-8C9A-68023B2B8DB5}"/>
+              </a:ext>
+            </a:extLst>
+          </p:cNvPr>
+          <p:cNvSpPr txBox="1"/>
+          <p:nvPr/>
+        </p:nvSpPr>
+        <p:spPr>
+          <a:xfrm>
+            <a:off x="426000" y="877077"/>
+            <a:ext cx="11340000" cy="720000"/>
+          </a:xfrm>
+          <a:prstGeom prst="rect">
+            <a:avLst/>
+          </a:prstGeom>
+          <a:solidFill>
+            <a:schemeClr val="tx1"/>
+          </a:solidFill>
+          <a:ln w="57150">
+            <a:solidFill>
+              <a:srgbClr val="84FCF9"/>
+            </a:solidFill>
+          </a:ln>
+        </p:spPr>
+        <p:txBody>
+          <a:bodyPr wrap="square" lIns="36000" tIns="36000" rIns="36000" bIns="36000" rtlCol="0" anchor="ctr" anchorCtr="0">
+            <a:noAutofit/>
+          </a:bodyPr>
+          <a:lstStyle/>
+          <a:p>
+            <a:pPr algn="ctr"/>
+            <a:r>
+              <a:rPr lang="en-US" altLang="ko-KR" sz="3200" b="1" dirty="0" err="1">
+                <a:solidFill>
+                  <a:schemeClr val="bg1"/>
+                </a:solidFill>
+                <a:latin typeface="나눔스퀘어OTF" panose="020B0600000101010101" pitchFamily="34" charset="-127"/>
+                <a:ea typeface="나눔스퀘어OTF" panose="020B0600000101010101" pitchFamily="34" charset="-127"/>
+              </a:rPr>
+              <a:t>UserDB</a:t>
+            </a:r>
+            <a:r>
+              <a:rPr lang="ko-KR" altLang="en-US" sz="3200" b="1" dirty="0">
+                <a:solidFill>
+                  <a:schemeClr val="bg1"/>
+                </a:solidFill>
+                <a:latin typeface="나눔스퀘어OTF" panose="020B0600000101010101" pitchFamily="34" charset="-127"/>
+                <a:ea typeface="나눔스퀘어OTF" panose="020B0600000101010101" pitchFamily="34" charset="-127"/>
+              </a:rPr>
+              <a:t>를 찾을 수 없습니다</a:t>
+            </a:r>
+            <a:r>
+              <a:rPr lang="en-US" altLang="ko-KR" sz="3200" b="1">
+                <a:solidFill>
+                  <a:schemeClr val="bg1"/>
+                </a:solidFill>
+                <a:latin typeface="나눔스퀘어OTF" panose="020B0600000101010101" pitchFamily="34" charset="-127"/>
+                <a:ea typeface="나눔스퀘어OTF" panose="020B0600000101010101" pitchFamily="34" charset="-127"/>
+              </a:rPr>
+              <a:t>.  </a:t>
+            </a:r>
+            <a:r>
+              <a:rPr lang="ko-KR" altLang="en-US" sz="3200" b="1">
+                <a:solidFill>
+                  <a:schemeClr val="bg1"/>
+                </a:solidFill>
+                <a:latin typeface="나눔스퀘어OTF" panose="020B0600000101010101" pitchFamily="34" charset="-127"/>
+                <a:ea typeface="나눔스퀘어OTF" panose="020B0600000101010101" pitchFamily="34" charset="-127"/>
+              </a:rPr>
+              <a:t>먼저 </a:t>
+            </a:r>
+            <a:r>
+              <a:rPr lang="en-US" altLang="ko-KR" sz="3200" b="1" dirty="0" err="1">
+                <a:solidFill>
+                  <a:schemeClr val="bg1"/>
+                </a:solidFill>
+                <a:latin typeface="나눔스퀘어OTF" panose="020B0600000101010101" pitchFamily="34" charset="-127"/>
+                <a:ea typeface="나눔스퀘어OTF" panose="020B0600000101010101" pitchFamily="34" charset="-127"/>
+              </a:rPr>
+              <a:t>UserDB</a:t>
+            </a:r>
+            <a:r>
+              <a:rPr lang="ko-KR" altLang="en-US" sz="3200" b="1" dirty="0">
+                <a:solidFill>
+                  <a:schemeClr val="bg1"/>
+                </a:solidFill>
+                <a:latin typeface="나눔스퀘어OTF" panose="020B0600000101010101" pitchFamily="34" charset="-127"/>
+                <a:ea typeface="나눔스퀘어OTF" panose="020B0600000101010101" pitchFamily="34" charset="-127"/>
+              </a:rPr>
+              <a:t>를 생성하겠습니다</a:t>
+            </a:r>
+            <a:r>
+              <a:rPr lang="en-US" altLang="ko-KR" sz="3200" b="1" dirty="0">
+                <a:solidFill>
+                  <a:schemeClr val="bg1"/>
+                </a:solidFill>
+                <a:latin typeface="나눔스퀘어OTF" panose="020B0600000101010101" pitchFamily="34" charset="-127"/>
+                <a:ea typeface="나눔스퀘어OTF" panose="020B0600000101010101" pitchFamily="34" charset="-127"/>
+              </a:rPr>
+              <a:t>.</a:t>
+            </a:r>
+            <a:endParaRPr lang="ko-KR" altLang="en-US" sz="3200" dirty="0">
+              <a:solidFill>
+                <a:schemeClr val="bg1"/>
+              </a:solidFill>
+              <a:latin typeface="나눔스퀘어OTF" panose="020B0600000101010101" pitchFamily="34" charset="-127"/>
+              <a:ea typeface="나눔스퀘어OTF" panose="020B0600000101010101" pitchFamily="34" charset="-127"/>
+            </a:endParaRPr>
+          </a:p>
+        </p:txBody>
+      </p:sp>
+    </p:spTree>
+    <p:extLst>
+      <p:ext uri="{BB962C8B-B14F-4D97-AF65-F5344CB8AC3E}">
+        <p14:creationId xmlns:p14="http://schemas.microsoft.com/office/powerpoint/2010/main" val="705153959"/>
+      </p:ext>
+    </p:extLst>
+  </p:cSld>
+  <p:clrMapOvr>
+    <a:masterClrMapping/>
+  </p:clrMapOvr>
+</p:sld>
+</file>
+
+<file path=ppt/slides/slide4.xml><?xml version="1.0" encoding="utf-8"?>
 <p:sld xmlns:a="http://schemas.openxmlformats.org/drawingml/2006/main" xmlns:r="http://schemas.openxmlformats.org/officeDocument/2006/relationships" xmlns:p="http://schemas.openxmlformats.org/presentationml/2006/main">
   <p:cSld>
     <p:spTree>
@@ -16531,7 +13664,7 @@
     </p:spTree>
     <p:extLst>
       <p:ext uri="{BB962C8B-B14F-4D97-AF65-F5344CB8AC3E}">
-        <p14:creationId xmlns:p14="http://schemas.microsoft.com/office/powerpoint/2010/main" val="705153959"/>
+        <p14:creationId xmlns:p14="http://schemas.microsoft.com/office/powerpoint/2010/main" val="1024960351"/>
       </p:ext>
     </p:extLst>
   </p:cSld>
@@ -16541,7 +13674,7 @@
 </p:sld>
 </file>
 
-<file path=ppt/slides/slide4.xml><?xml version="1.0" encoding="utf-8"?>
+<file path=ppt/slides/slide5.xml><?xml version="1.0" encoding="utf-8"?>
 <p:sld xmlns:a="http://schemas.openxmlformats.org/drawingml/2006/main" xmlns:r="http://schemas.openxmlformats.org/officeDocument/2006/relationships" xmlns:p="http://schemas.openxmlformats.org/presentationml/2006/main">
   <p:cSld>
     <p:spTree>
@@ -17495,7 +14628,7 @@
 </p:sld>
 </file>
 
-<file path=ppt/slides/slide5.xml><?xml version="1.0" encoding="utf-8"?>
+<file path=ppt/slides/slide6.xml><?xml version="1.0" encoding="utf-8"?>
 <p:sld xmlns:a="http://schemas.openxmlformats.org/drawingml/2006/main" xmlns:r="http://schemas.openxmlformats.org/officeDocument/2006/relationships" xmlns:p="http://schemas.openxmlformats.org/presentationml/2006/main">
   <p:cSld>
     <p:spTree>
@@ -18449,6 +15582,1485 @@
 </p:sld>
 </file>
 
+<file path=ppt/slides/slide7.xml><?xml version="1.0" encoding="utf-8"?>
+<p:sld xmlns:a="http://schemas.openxmlformats.org/drawingml/2006/main" xmlns:r="http://schemas.openxmlformats.org/officeDocument/2006/relationships" xmlns:p="http://schemas.openxmlformats.org/presentationml/2006/main">
+  <p:cSld>
+    <p:spTree>
+      <p:nvGrpSpPr>
+        <p:cNvPr id="1" name=""/>
+        <p:cNvGrpSpPr/>
+        <p:nvPr/>
+      </p:nvGrpSpPr>
+      <p:grpSpPr>
+        <a:xfrm>
+          <a:off x="0" y="0"/>
+          <a:ext cx="0" cy="0"/>
+          <a:chOff x="0" y="0"/>
+          <a:chExt cx="0" cy="0"/>
+        </a:xfrm>
+      </p:grpSpPr>
+      <p:grpSp>
+        <p:nvGrpSpPr>
+          <p:cNvPr id="19" name="그룹 18">
+            <a:extLst>
+              <a:ext uri="{FF2B5EF4-FFF2-40B4-BE49-F238E27FC236}">
+                <a16:creationId xmlns:a16="http://schemas.microsoft.com/office/drawing/2014/main" id="{6866CEAD-C28C-4B93-B384-8F400F084C26}"/>
+              </a:ext>
+            </a:extLst>
+          </p:cNvPr>
+          <p:cNvGrpSpPr/>
+          <p:nvPr/>
+        </p:nvGrpSpPr>
+        <p:grpSpPr>
+          <a:xfrm>
+            <a:off x="2152743" y="279919"/>
+            <a:ext cx="8322906" cy="4320074"/>
+            <a:chOff x="2152743" y="279919"/>
+            <a:chExt cx="8322906" cy="4320074"/>
+          </a:xfrm>
+        </p:grpSpPr>
+        <p:sp>
+          <p:nvSpPr>
+            <p:cNvPr id="18" name="직사각형 17">
+              <a:extLst>
+                <a:ext uri="{FF2B5EF4-FFF2-40B4-BE49-F238E27FC236}">
+                  <a16:creationId xmlns:a16="http://schemas.microsoft.com/office/drawing/2014/main" id="{2FFF6ECC-B30D-4997-A302-1FAAAF49D0DB}"/>
+                </a:ext>
+              </a:extLst>
+            </p:cNvPr>
+            <p:cNvSpPr/>
+            <p:nvPr/>
+          </p:nvSpPr>
+          <p:spPr>
+            <a:xfrm>
+              <a:off x="2152743" y="279919"/>
+              <a:ext cx="8322906" cy="4320074"/>
+            </a:xfrm>
+            <a:prstGeom prst="rect">
+              <a:avLst/>
+            </a:prstGeom>
+            <a:noFill/>
+            <a:ln w="38100">
+              <a:solidFill>
+                <a:schemeClr val="tx1"/>
+              </a:solidFill>
+            </a:ln>
+          </p:spPr>
+          <p:style>
+            <a:lnRef idx="2">
+              <a:schemeClr val="accent1">
+                <a:shade val="50000"/>
+              </a:schemeClr>
+            </a:lnRef>
+            <a:fillRef idx="1">
+              <a:schemeClr val="accent1"/>
+            </a:fillRef>
+            <a:effectRef idx="0">
+              <a:schemeClr val="accent1"/>
+            </a:effectRef>
+            <a:fontRef idx="minor">
+              <a:schemeClr val="lt1"/>
+            </a:fontRef>
+          </p:style>
+          <p:txBody>
+            <a:bodyPr rtlCol="0" anchor="ctr"/>
+            <a:lstStyle/>
+            <a:p>
+              <a:pPr algn="ctr"/>
+              <a:endParaRPr lang="ko-KR" altLang="en-US">
+                <a:latin typeface="배달의민족 연성" panose="020B0600000101010101" pitchFamily="50" charset="-127"/>
+                <a:ea typeface="배달의민족 연성" panose="020B0600000101010101" pitchFamily="50" charset="-127"/>
+              </a:endParaRPr>
+            </a:p>
+          </p:txBody>
+        </p:sp>
+        <p:sp>
+          <p:nvSpPr>
+            <p:cNvPr id="4" name="TextBox 3">
+              <a:extLst>
+                <a:ext uri="{FF2B5EF4-FFF2-40B4-BE49-F238E27FC236}">
+                  <a16:creationId xmlns:a16="http://schemas.microsoft.com/office/drawing/2014/main" id="{703CEB01-B0D0-42DD-8ADA-7584E96F94CD}"/>
+                </a:ext>
+              </a:extLst>
+            </p:cNvPr>
+            <p:cNvSpPr txBox="1"/>
+            <p:nvPr/>
+          </p:nvSpPr>
+          <p:spPr>
+            <a:xfrm>
+              <a:off x="2537445" y="528771"/>
+              <a:ext cx="7324530" cy="1473071"/>
+            </a:xfrm>
+            <a:prstGeom prst="rect">
+              <a:avLst/>
+            </a:prstGeom>
+            <a:noFill/>
+            <a:ln>
+              <a:noFill/>
+            </a:ln>
+          </p:spPr>
+          <p:txBody>
+            <a:bodyPr wrap="square" lIns="0" tIns="0" rIns="0" bIns="0" rtlCol="0" anchor="ctr">
+              <a:noAutofit/>
+            </a:bodyPr>
+            <a:lstStyle/>
+            <a:p>
+              <a:pPr algn="ctr"/>
+              <a:r>
+                <a:rPr lang="ko-KR" altLang="en-US" sz="4800" dirty="0" err="1">
+                  <a:solidFill>
+                    <a:schemeClr val="accent1">
+                      <a:lumMod val="50000"/>
+                    </a:schemeClr>
+                  </a:solidFill>
+                  <a:latin typeface="배달의민족 연성" panose="020B0600000101010101" pitchFamily="50" charset="-127"/>
+                  <a:ea typeface="배달의민족 연성" panose="020B0600000101010101" pitchFamily="50" charset="-127"/>
+                </a:rPr>
+                <a:t>에브리타임</a:t>
+              </a:r>
+              <a:r>
+                <a:rPr lang="ko-KR" altLang="en-US" sz="4800" dirty="0">
+                  <a:solidFill>
+                    <a:schemeClr val="accent1">
+                      <a:lumMod val="50000"/>
+                    </a:schemeClr>
+                  </a:solidFill>
+                  <a:latin typeface="배달의민족 연성" panose="020B0600000101010101" pitchFamily="50" charset="-127"/>
+                  <a:ea typeface="배달의민족 연성" panose="020B0600000101010101" pitchFamily="50" charset="-127"/>
+                </a:rPr>
+                <a:t> 과목 추천</a:t>
+              </a:r>
+              <a:br>
+                <a:rPr lang="en-US" altLang="ko-KR" sz="4800" dirty="0">
+                  <a:latin typeface="배달의민족 연성" panose="020B0600000101010101" pitchFamily="50" charset="-127"/>
+                  <a:ea typeface="배달의민족 연성" panose="020B0600000101010101" pitchFamily="50" charset="-127"/>
+                </a:rPr>
+              </a:br>
+              <a:r>
+                <a:rPr lang="ko-KR" altLang="en-US" sz="4800" dirty="0">
+                  <a:solidFill>
+                    <a:srgbClr val="05D1CC"/>
+                  </a:solidFill>
+                  <a:latin typeface="배달의민족 연성" panose="020B0600000101010101" pitchFamily="50" charset="-127"/>
+                  <a:ea typeface="배달의민족 연성" panose="020B0600000101010101" pitchFamily="50" charset="-127"/>
+                </a:rPr>
+                <a:t>사용법</a:t>
+              </a:r>
+            </a:p>
+          </p:txBody>
+        </p:sp>
+        <p:sp>
+          <p:nvSpPr>
+            <p:cNvPr id="5" name="타원 4">
+              <a:extLst>
+                <a:ext uri="{FF2B5EF4-FFF2-40B4-BE49-F238E27FC236}">
+                  <a16:creationId xmlns:a16="http://schemas.microsoft.com/office/drawing/2014/main" id="{EADBB5DA-E447-4C0B-89E4-BFC40D8E8306}"/>
+                </a:ext>
+              </a:extLst>
+            </p:cNvPr>
+            <p:cNvSpPr/>
+            <p:nvPr/>
+          </p:nvSpPr>
+          <p:spPr>
+            <a:xfrm>
+              <a:off x="2805210" y="2219325"/>
+              <a:ext cx="438150" cy="438150"/>
+            </a:xfrm>
+            <a:prstGeom prst="ellipse">
+              <a:avLst/>
+            </a:prstGeom>
+            <a:solidFill>
+              <a:schemeClr val="accent1">
+                <a:lumMod val="50000"/>
+              </a:schemeClr>
+            </a:solidFill>
+          </p:spPr>
+          <p:style>
+            <a:lnRef idx="2">
+              <a:schemeClr val="accent1">
+                <a:shade val="50000"/>
+              </a:schemeClr>
+            </a:lnRef>
+            <a:fillRef idx="1">
+              <a:schemeClr val="accent1"/>
+            </a:fillRef>
+            <a:effectRef idx="0">
+              <a:schemeClr val="accent1"/>
+            </a:effectRef>
+            <a:fontRef idx="minor">
+              <a:schemeClr val="lt1"/>
+            </a:fontRef>
+          </p:style>
+          <p:txBody>
+            <a:bodyPr lIns="0" tIns="54000" rIns="0" bIns="0" rtlCol="0" anchor="ctr"/>
+            <a:lstStyle/>
+            <a:p>
+              <a:pPr algn="ctr"/>
+              <a:r>
+                <a:rPr lang="en-US" altLang="ko-KR" sz="2000" dirty="0">
+                  <a:latin typeface="배달의민족 연성" panose="020B0600000101010101" pitchFamily="50" charset="-127"/>
+                  <a:ea typeface="배달의민족 연성" panose="020B0600000101010101" pitchFamily="50" charset="-127"/>
+                </a:rPr>
+                <a:t>1</a:t>
+              </a:r>
+              <a:endParaRPr lang="ko-KR" altLang="en-US" sz="2000" dirty="0">
+                <a:latin typeface="배달의민족 연성" panose="020B0600000101010101" pitchFamily="50" charset="-127"/>
+                <a:ea typeface="배달의민족 연성" panose="020B0600000101010101" pitchFamily="50" charset="-127"/>
+              </a:endParaRPr>
+            </a:p>
+          </p:txBody>
+        </p:sp>
+        <p:sp>
+          <p:nvSpPr>
+            <p:cNvPr id="6" name="타원 5">
+              <a:extLst>
+                <a:ext uri="{FF2B5EF4-FFF2-40B4-BE49-F238E27FC236}">
+                  <a16:creationId xmlns:a16="http://schemas.microsoft.com/office/drawing/2014/main" id="{726819AE-1F7C-433C-945D-813B2060FEF1}"/>
+                </a:ext>
+              </a:extLst>
+            </p:cNvPr>
+            <p:cNvSpPr/>
+            <p:nvPr/>
+          </p:nvSpPr>
+          <p:spPr>
+            <a:xfrm>
+              <a:off x="5276850" y="2219325"/>
+              <a:ext cx="438150" cy="438150"/>
+            </a:xfrm>
+            <a:prstGeom prst="ellipse">
+              <a:avLst/>
+            </a:prstGeom>
+            <a:solidFill>
+              <a:schemeClr val="accent1">
+                <a:lumMod val="50000"/>
+              </a:schemeClr>
+            </a:solidFill>
+          </p:spPr>
+          <p:style>
+            <a:lnRef idx="2">
+              <a:schemeClr val="accent1">
+                <a:shade val="50000"/>
+              </a:schemeClr>
+            </a:lnRef>
+            <a:fillRef idx="1">
+              <a:schemeClr val="accent1"/>
+            </a:fillRef>
+            <a:effectRef idx="0">
+              <a:schemeClr val="accent1"/>
+            </a:effectRef>
+            <a:fontRef idx="minor">
+              <a:schemeClr val="lt1"/>
+            </a:fontRef>
+          </p:style>
+          <p:txBody>
+            <a:bodyPr lIns="0" tIns="54000" rIns="0" bIns="0" rtlCol="0" anchor="ctr"/>
+            <a:lstStyle/>
+            <a:p>
+              <a:pPr algn="ctr"/>
+              <a:r>
+                <a:rPr lang="en-US" altLang="ko-KR" sz="2000" dirty="0">
+                  <a:latin typeface="배달의민족 연성" panose="020B0600000101010101" pitchFamily="50" charset="-127"/>
+                  <a:ea typeface="배달의민족 연성" panose="020B0600000101010101" pitchFamily="50" charset="-127"/>
+                </a:rPr>
+                <a:t>2</a:t>
+              </a:r>
+              <a:endParaRPr lang="ko-KR" altLang="en-US" sz="2000" dirty="0">
+                <a:latin typeface="배달의민족 연성" panose="020B0600000101010101" pitchFamily="50" charset="-127"/>
+                <a:ea typeface="배달의민족 연성" panose="020B0600000101010101" pitchFamily="50" charset="-127"/>
+              </a:endParaRPr>
+            </a:p>
+          </p:txBody>
+        </p:sp>
+        <p:sp>
+          <p:nvSpPr>
+            <p:cNvPr id="7" name="타원 6">
+              <a:extLst>
+                <a:ext uri="{FF2B5EF4-FFF2-40B4-BE49-F238E27FC236}">
+                  <a16:creationId xmlns:a16="http://schemas.microsoft.com/office/drawing/2014/main" id="{98281379-6E6A-4CA7-B907-14F3C3E322AF}"/>
+                </a:ext>
+              </a:extLst>
+            </p:cNvPr>
+            <p:cNvSpPr/>
+            <p:nvPr/>
+          </p:nvSpPr>
+          <p:spPr>
+            <a:xfrm>
+              <a:off x="7748490" y="2219325"/>
+              <a:ext cx="438150" cy="438150"/>
+            </a:xfrm>
+            <a:prstGeom prst="ellipse">
+              <a:avLst/>
+            </a:prstGeom>
+            <a:solidFill>
+              <a:schemeClr val="accent1">
+                <a:lumMod val="50000"/>
+              </a:schemeClr>
+            </a:solidFill>
+          </p:spPr>
+          <p:style>
+            <a:lnRef idx="2">
+              <a:schemeClr val="accent1">
+                <a:shade val="50000"/>
+              </a:schemeClr>
+            </a:lnRef>
+            <a:fillRef idx="1">
+              <a:schemeClr val="accent1"/>
+            </a:fillRef>
+            <a:effectRef idx="0">
+              <a:schemeClr val="accent1"/>
+            </a:effectRef>
+            <a:fontRef idx="minor">
+              <a:schemeClr val="lt1"/>
+            </a:fontRef>
+          </p:style>
+          <p:txBody>
+            <a:bodyPr lIns="0" tIns="54000" rIns="0" bIns="0" rtlCol="0" anchor="ctr"/>
+            <a:lstStyle/>
+            <a:p>
+              <a:pPr algn="ctr"/>
+              <a:r>
+                <a:rPr lang="en-US" altLang="ko-KR" sz="2000" dirty="0">
+                  <a:latin typeface="배달의민족 연성" panose="020B0600000101010101" pitchFamily="50" charset="-127"/>
+                  <a:ea typeface="배달의민족 연성" panose="020B0600000101010101" pitchFamily="50" charset="-127"/>
+                </a:rPr>
+                <a:t>3</a:t>
+              </a:r>
+              <a:endParaRPr lang="ko-KR" altLang="en-US" sz="2000" dirty="0">
+                <a:latin typeface="배달의민족 연성" panose="020B0600000101010101" pitchFamily="50" charset="-127"/>
+                <a:ea typeface="배달의민족 연성" panose="020B0600000101010101" pitchFamily="50" charset="-127"/>
+              </a:endParaRPr>
+            </a:p>
+          </p:txBody>
+        </p:sp>
+        <p:pic>
+          <p:nvPicPr>
+            <p:cNvPr id="10" name="그래픽 9" descr="체크리스트 단색으로 채워진">
+              <a:extLst>
+                <a:ext uri="{FF2B5EF4-FFF2-40B4-BE49-F238E27FC236}">
+                  <a16:creationId xmlns:a16="http://schemas.microsoft.com/office/drawing/2014/main" id="{26118DD7-D211-4011-8A57-D06BEEAB36F3}"/>
+                </a:ext>
+              </a:extLst>
+            </p:cNvPr>
+            <p:cNvPicPr>
+              <a:picLocks noChangeAspect="1"/>
+            </p:cNvPicPr>
+            <p:nvPr/>
+          </p:nvPicPr>
+          <p:blipFill>
+            <a:blip r:embed="rId2">
+              <a:extLst>
+                <a:ext uri="{28A0092B-C50C-407E-A947-70E740481C1C}">
+                  <a14:useLocalDpi xmlns:a14="http://schemas.microsoft.com/office/drawing/2010/main" val="0"/>
+                </a:ext>
+                <a:ext uri="{96DAC541-7B7A-43D3-8B79-37D633B846F1}">
+                  <asvg:svgBlip xmlns:asvg="http://schemas.microsoft.com/office/drawing/2016/SVG/main" r:embed="rId3"/>
+                </a:ext>
+              </a:extLst>
+            </a:blip>
+            <a:stretch>
+              <a:fillRect/>
+            </a:stretch>
+          </p:blipFill>
+          <p:spPr>
+            <a:xfrm>
+              <a:off x="3440955" y="2438400"/>
+              <a:ext cx="1257300" cy="1257300"/>
+            </a:xfrm>
+            <a:prstGeom prst="rect">
+              <a:avLst/>
+            </a:prstGeom>
+          </p:spPr>
+        </p:pic>
+        <p:sp>
+          <p:nvSpPr>
+            <p:cNvPr id="11" name="TextBox 10">
+              <a:extLst>
+                <a:ext uri="{FF2B5EF4-FFF2-40B4-BE49-F238E27FC236}">
+                  <a16:creationId xmlns:a16="http://schemas.microsoft.com/office/drawing/2014/main" id="{786E8A3C-0E2D-4583-8C57-C92D9F496778}"/>
+                </a:ext>
+              </a:extLst>
+            </p:cNvPr>
+            <p:cNvSpPr txBox="1"/>
+            <p:nvPr/>
+          </p:nvSpPr>
+          <p:spPr>
+            <a:xfrm>
+              <a:off x="3190973" y="3695700"/>
+              <a:ext cx="1757264" cy="676275"/>
+            </a:xfrm>
+            <a:prstGeom prst="rect">
+              <a:avLst/>
+            </a:prstGeom>
+            <a:noFill/>
+          </p:spPr>
+          <p:txBody>
+            <a:bodyPr wrap="square" lIns="0" tIns="0" rIns="0" bIns="0" rtlCol="0" anchor="ctr">
+              <a:noAutofit/>
+            </a:bodyPr>
+            <a:lstStyle/>
+            <a:p>
+              <a:pPr algn="ctr"/>
+              <a:r>
+                <a:rPr lang="ko-KR" altLang="en-US" dirty="0">
+                  <a:solidFill>
+                    <a:srgbClr val="00B050"/>
+                  </a:solidFill>
+                  <a:latin typeface="배달의민족 연성" panose="020B0600000101010101" pitchFamily="50" charset="-127"/>
+                  <a:ea typeface="배달의민족 연성" panose="020B0600000101010101" pitchFamily="50" charset="-127"/>
+                </a:rPr>
+                <a:t>사용자</a:t>
+              </a:r>
+              <a:r>
+                <a:rPr lang="en-US" altLang="ko-KR" dirty="0">
+                  <a:solidFill>
+                    <a:srgbClr val="00B050"/>
+                  </a:solidFill>
+                  <a:latin typeface="배달의민족 연성" panose="020B0600000101010101" pitchFamily="50" charset="-127"/>
+                  <a:ea typeface="배달의민족 연성" panose="020B0600000101010101" pitchFamily="50" charset="-127"/>
+                </a:rPr>
+                <a:t>DB</a:t>
+              </a:r>
+              <a:r>
+                <a:rPr lang="ko-KR" altLang="en-US" dirty="0">
+                  <a:latin typeface="배달의민족 연성" panose="020B0600000101010101" pitchFamily="50" charset="-127"/>
+                  <a:ea typeface="배달의민족 연성" panose="020B0600000101010101" pitchFamily="50" charset="-127"/>
+                </a:rPr>
+                <a:t>를 입력합니다</a:t>
+              </a:r>
+              <a:br>
+                <a:rPr lang="en-US" altLang="ko-KR" dirty="0">
+                  <a:latin typeface="배달의민족 연성" panose="020B0600000101010101" pitchFamily="50" charset="-127"/>
+                  <a:ea typeface="배달의민족 연성" panose="020B0600000101010101" pitchFamily="50" charset="-127"/>
+                </a:rPr>
+              </a:br>
+              <a:r>
+                <a:rPr lang="en-US" altLang="ko-KR" dirty="0">
+                  <a:latin typeface="배달의민족 연성" panose="020B0600000101010101" pitchFamily="50" charset="-127"/>
+                  <a:ea typeface="배달의민족 연성" panose="020B0600000101010101" pitchFamily="50" charset="-127"/>
+                </a:rPr>
+                <a:t>(</a:t>
+              </a:r>
+              <a:r>
+                <a:rPr lang="ko-KR" altLang="en-US" dirty="0">
+                  <a:latin typeface="배달의민족 연성" panose="020B0600000101010101" pitchFamily="50" charset="-127"/>
+                  <a:ea typeface="배달의민족 연성" panose="020B0600000101010101" pitchFamily="50" charset="-127"/>
+                </a:rPr>
+                <a:t>모두 입력 필요</a:t>
+              </a:r>
+              <a:r>
+                <a:rPr lang="en-US" altLang="ko-KR" dirty="0">
+                  <a:latin typeface="배달의민족 연성" panose="020B0600000101010101" pitchFamily="50" charset="-127"/>
+                  <a:ea typeface="배달의민족 연성" panose="020B0600000101010101" pitchFamily="50" charset="-127"/>
+                </a:rPr>
+                <a:t>)</a:t>
+              </a:r>
+              <a:endParaRPr lang="ko-KR" altLang="en-US" dirty="0">
+                <a:latin typeface="배달의민족 연성" panose="020B0600000101010101" pitchFamily="50" charset="-127"/>
+                <a:ea typeface="배달의민족 연성" panose="020B0600000101010101" pitchFamily="50" charset="-127"/>
+              </a:endParaRPr>
+            </a:p>
+          </p:txBody>
+        </p:sp>
+        <p:pic>
+          <p:nvPicPr>
+            <p:cNvPr id="13" name="그래픽 12" descr="다운로드 단색으로 채워진">
+              <a:extLst>
+                <a:ext uri="{FF2B5EF4-FFF2-40B4-BE49-F238E27FC236}">
+                  <a16:creationId xmlns:a16="http://schemas.microsoft.com/office/drawing/2014/main" id="{CDC95318-9DE6-434B-A3C9-F598976C6CD3}"/>
+                </a:ext>
+              </a:extLst>
+            </p:cNvPr>
+            <p:cNvPicPr>
+              <a:picLocks noChangeAspect="1"/>
+            </p:cNvPicPr>
+            <p:nvPr/>
+          </p:nvPicPr>
+          <p:blipFill>
+            <a:blip r:embed="rId4">
+              <a:extLst>
+                <a:ext uri="{28A0092B-C50C-407E-A947-70E740481C1C}">
+                  <a14:useLocalDpi xmlns:a14="http://schemas.microsoft.com/office/drawing/2010/main" val="0"/>
+                </a:ext>
+                <a:ext uri="{96DAC541-7B7A-43D3-8B79-37D633B846F1}">
+                  <asvg:svgBlip xmlns:asvg="http://schemas.microsoft.com/office/drawing/2016/SVG/main" r:embed="rId5"/>
+                </a:ext>
+              </a:extLst>
+            </a:blip>
+            <a:stretch>
+              <a:fillRect/>
+            </a:stretch>
+          </p:blipFill>
+          <p:spPr>
+            <a:xfrm>
+              <a:off x="5962648" y="2439300"/>
+              <a:ext cx="1256400" cy="1256400"/>
+            </a:xfrm>
+            <a:prstGeom prst="rect">
+              <a:avLst/>
+            </a:prstGeom>
+          </p:spPr>
+        </p:pic>
+        <p:sp>
+          <p:nvSpPr>
+            <p:cNvPr id="14" name="TextBox 13">
+              <a:extLst>
+                <a:ext uri="{FF2B5EF4-FFF2-40B4-BE49-F238E27FC236}">
+                  <a16:creationId xmlns:a16="http://schemas.microsoft.com/office/drawing/2014/main" id="{E12ABE59-FEFD-42E3-A4E0-514FD9F97019}"/>
+                </a:ext>
+              </a:extLst>
+            </p:cNvPr>
+            <p:cNvSpPr txBox="1"/>
+            <p:nvPr/>
+          </p:nvSpPr>
+          <p:spPr>
+            <a:xfrm>
+              <a:off x="5736483" y="3695699"/>
+              <a:ext cx="1757264" cy="676275"/>
+            </a:xfrm>
+            <a:prstGeom prst="rect">
+              <a:avLst/>
+            </a:prstGeom>
+            <a:noFill/>
+          </p:spPr>
+          <p:txBody>
+            <a:bodyPr wrap="square" lIns="0" tIns="0" rIns="0" bIns="0" rtlCol="0" anchor="ctr">
+              <a:noAutofit/>
+            </a:bodyPr>
+            <a:lstStyle/>
+            <a:p>
+              <a:pPr algn="ctr"/>
+              <a:r>
+                <a:rPr lang="ko-KR" altLang="en-US" dirty="0">
+                  <a:solidFill>
+                    <a:srgbClr val="05D1CC"/>
+                  </a:solidFill>
+                  <a:latin typeface="배달의민족 연성" panose="020B0600000101010101" pitchFamily="50" charset="-127"/>
+                  <a:ea typeface="배달의민족 연성" panose="020B0600000101010101" pitchFamily="50" charset="-127"/>
+                </a:rPr>
+                <a:t>저장하기</a:t>
+              </a:r>
+              <a:r>
+                <a:rPr lang="ko-KR" altLang="en-US" dirty="0">
+                  <a:latin typeface="배달의민족 연성" panose="020B0600000101010101" pitchFamily="50" charset="-127"/>
+                  <a:ea typeface="배달의민족 연성" panose="020B0600000101010101" pitchFamily="50" charset="-127"/>
+                </a:rPr>
+                <a:t>를 눌러</a:t>
+              </a:r>
+              <a:br>
+                <a:rPr lang="en-US" altLang="ko-KR" dirty="0">
+                  <a:latin typeface="배달의민족 연성" panose="020B0600000101010101" pitchFamily="50" charset="-127"/>
+                  <a:ea typeface="배달의민족 연성" panose="020B0600000101010101" pitchFamily="50" charset="-127"/>
+                </a:rPr>
+              </a:br>
+              <a:r>
+                <a:rPr lang="en-US" altLang="ko-KR" dirty="0">
+                  <a:latin typeface="배달의민족 연성" panose="020B0600000101010101" pitchFamily="50" charset="-127"/>
+                  <a:ea typeface="배달의민족 연성" panose="020B0600000101010101" pitchFamily="50" charset="-127"/>
+                </a:rPr>
+                <a:t>DB</a:t>
+              </a:r>
+              <a:r>
+                <a:rPr lang="ko-KR" altLang="en-US" dirty="0">
+                  <a:latin typeface="배달의민족 연성" panose="020B0600000101010101" pitchFamily="50" charset="-127"/>
+                  <a:ea typeface="배달의민족 연성" panose="020B0600000101010101" pitchFamily="50" charset="-127"/>
+                </a:rPr>
+                <a:t>를 저장합니다</a:t>
+              </a:r>
+            </a:p>
+          </p:txBody>
+        </p:sp>
+        <p:pic>
+          <p:nvPicPr>
+            <p:cNvPr id="16" name="그래픽 15" descr="재생 단색으로 채워진">
+              <a:extLst>
+                <a:ext uri="{FF2B5EF4-FFF2-40B4-BE49-F238E27FC236}">
+                  <a16:creationId xmlns:a16="http://schemas.microsoft.com/office/drawing/2014/main" id="{B28995F2-D62C-49FB-8C2D-3CFDEF2B43C2}"/>
+                </a:ext>
+              </a:extLst>
+            </p:cNvPr>
+            <p:cNvPicPr>
+              <a:picLocks noChangeAspect="1"/>
+            </p:cNvPicPr>
+            <p:nvPr/>
+          </p:nvPicPr>
+          <p:blipFill>
+            <a:blip r:embed="rId6">
+              <a:extLst>
+                <a:ext uri="{28A0092B-C50C-407E-A947-70E740481C1C}">
+                  <a14:useLocalDpi xmlns:a14="http://schemas.microsoft.com/office/drawing/2010/main" val="0"/>
+                </a:ext>
+                <a:ext uri="{96DAC541-7B7A-43D3-8B79-37D633B846F1}">
+                  <asvg:svgBlip xmlns:asvg="http://schemas.microsoft.com/office/drawing/2016/SVG/main" r:embed="rId7"/>
+                </a:ext>
+              </a:extLst>
+            </a:blip>
+            <a:stretch>
+              <a:fillRect/>
+            </a:stretch>
+          </p:blipFill>
+          <p:spPr>
+            <a:xfrm>
+              <a:off x="8483441" y="2439299"/>
+              <a:ext cx="1256400" cy="1256400"/>
+            </a:xfrm>
+            <a:prstGeom prst="rect">
+              <a:avLst/>
+            </a:prstGeom>
+          </p:spPr>
+        </p:pic>
+        <p:sp>
+          <p:nvSpPr>
+            <p:cNvPr id="17" name="TextBox 16">
+              <a:extLst>
+                <a:ext uri="{FF2B5EF4-FFF2-40B4-BE49-F238E27FC236}">
+                  <a16:creationId xmlns:a16="http://schemas.microsoft.com/office/drawing/2014/main" id="{DC6229E7-DCCF-429D-B7C6-AE743E495BBD}"/>
+                </a:ext>
+              </a:extLst>
+            </p:cNvPr>
+            <p:cNvSpPr txBox="1"/>
+            <p:nvPr/>
+          </p:nvSpPr>
+          <p:spPr>
+            <a:xfrm>
+              <a:off x="8281993" y="3648073"/>
+              <a:ext cx="1757264" cy="676275"/>
+            </a:xfrm>
+            <a:prstGeom prst="rect">
+              <a:avLst/>
+            </a:prstGeom>
+            <a:noFill/>
+          </p:spPr>
+          <p:txBody>
+            <a:bodyPr wrap="square" lIns="0" tIns="0" rIns="0" bIns="0" rtlCol="0" anchor="ctr">
+              <a:noAutofit/>
+            </a:bodyPr>
+            <a:lstStyle/>
+            <a:p>
+              <a:pPr algn="ctr"/>
+              <a:r>
+                <a:rPr lang="ko-KR" altLang="en-US" dirty="0">
+                  <a:solidFill>
+                    <a:srgbClr val="00B0F0"/>
+                  </a:solidFill>
+                  <a:latin typeface="배달의민족 연성" panose="020B0600000101010101" pitchFamily="50" charset="-127"/>
+                  <a:ea typeface="배달의민족 연성" panose="020B0600000101010101" pitchFamily="50" charset="-127"/>
+                </a:rPr>
+                <a:t>실행하기</a:t>
+              </a:r>
+              <a:r>
+                <a:rPr lang="ko-KR" altLang="en-US" dirty="0">
+                  <a:latin typeface="배달의민족 연성" panose="020B0600000101010101" pitchFamily="50" charset="-127"/>
+                  <a:ea typeface="배달의민족 연성" panose="020B0600000101010101" pitchFamily="50" charset="-127"/>
+                </a:rPr>
+                <a:t>를 눌러</a:t>
+              </a:r>
+              <a:br>
+                <a:rPr lang="en-US" altLang="ko-KR" dirty="0">
+                  <a:latin typeface="배달의민족 연성" panose="020B0600000101010101" pitchFamily="50" charset="-127"/>
+                  <a:ea typeface="배달의민족 연성" panose="020B0600000101010101" pitchFamily="50" charset="-127"/>
+                </a:rPr>
+              </a:br>
+              <a:r>
+                <a:rPr lang="ko-KR" altLang="en-US" dirty="0">
+                  <a:latin typeface="배달의민족 연성" panose="020B0600000101010101" pitchFamily="50" charset="-127"/>
+                  <a:ea typeface="배달의민족 연성" panose="020B0600000101010101" pitchFamily="50" charset="-127"/>
+                </a:rPr>
+                <a:t>과목 추천을 시작합니다</a:t>
+              </a:r>
+            </a:p>
+          </p:txBody>
+        </p:sp>
+      </p:grpSp>
+    </p:spTree>
+    <p:extLst>
+      <p:ext uri="{BB962C8B-B14F-4D97-AF65-F5344CB8AC3E}">
+        <p14:creationId xmlns:p14="http://schemas.microsoft.com/office/powerpoint/2010/main" val="3216926830"/>
+      </p:ext>
+    </p:extLst>
+  </p:cSld>
+  <p:clrMapOvr>
+    <a:masterClrMapping/>
+  </p:clrMapOvr>
+</p:sld>
+</file>
+
+<file path=ppt/slides/slide8.xml><?xml version="1.0" encoding="utf-8"?>
+<p:sld xmlns:a="http://schemas.openxmlformats.org/drawingml/2006/main" xmlns:r="http://schemas.openxmlformats.org/officeDocument/2006/relationships" xmlns:p="http://schemas.openxmlformats.org/presentationml/2006/main">
+  <p:cSld>
+    <p:spTree>
+      <p:nvGrpSpPr>
+        <p:cNvPr id="1" name=""/>
+        <p:cNvGrpSpPr/>
+        <p:nvPr/>
+      </p:nvGrpSpPr>
+      <p:grpSpPr>
+        <a:xfrm>
+          <a:off x="0" y="0"/>
+          <a:ext cx="0" cy="0"/>
+          <a:chOff x="0" y="0"/>
+          <a:chExt cx="0" cy="0"/>
+        </a:xfrm>
+      </p:grpSpPr>
+      <p:grpSp>
+        <p:nvGrpSpPr>
+          <p:cNvPr id="19" name="그룹 18">
+            <a:extLst>
+              <a:ext uri="{FF2B5EF4-FFF2-40B4-BE49-F238E27FC236}">
+                <a16:creationId xmlns:a16="http://schemas.microsoft.com/office/drawing/2014/main" id="{C2029763-EE62-4815-9AFB-A1ABA4198F9F}"/>
+              </a:ext>
+            </a:extLst>
+          </p:cNvPr>
+          <p:cNvGrpSpPr/>
+          <p:nvPr/>
+        </p:nvGrpSpPr>
+        <p:grpSpPr>
+          <a:xfrm>
+            <a:off x="2152743" y="279918"/>
+            <a:ext cx="8322906" cy="4842587"/>
+            <a:chOff x="2152743" y="279918"/>
+            <a:chExt cx="8322906" cy="4842587"/>
+          </a:xfrm>
+        </p:grpSpPr>
+        <p:sp>
+          <p:nvSpPr>
+            <p:cNvPr id="4" name="TextBox 3">
+              <a:extLst>
+                <a:ext uri="{FF2B5EF4-FFF2-40B4-BE49-F238E27FC236}">
+                  <a16:creationId xmlns:a16="http://schemas.microsoft.com/office/drawing/2014/main" id="{703CEB01-B0D0-42DD-8ADA-7584E96F94CD}"/>
+                </a:ext>
+              </a:extLst>
+            </p:cNvPr>
+            <p:cNvSpPr txBox="1"/>
+            <p:nvPr/>
+          </p:nvSpPr>
+          <p:spPr>
+            <a:xfrm>
+              <a:off x="2651931" y="533071"/>
+              <a:ext cx="7324530" cy="1473071"/>
+            </a:xfrm>
+            <a:prstGeom prst="rect">
+              <a:avLst/>
+            </a:prstGeom>
+            <a:noFill/>
+            <a:ln>
+              <a:noFill/>
+            </a:ln>
+          </p:spPr>
+          <p:txBody>
+            <a:bodyPr wrap="square" lIns="0" tIns="0" rIns="0" bIns="0" rtlCol="0" anchor="ctr">
+              <a:noAutofit/>
+            </a:bodyPr>
+            <a:lstStyle/>
+            <a:p>
+              <a:pPr algn="ctr"/>
+              <a:r>
+                <a:rPr lang="ko-KR" altLang="en-US" sz="4800" dirty="0" err="1">
+                  <a:solidFill>
+                    <a:schemeClr val="accent1">
+                      <a:lumMod val="50000"/>
+                    </a:schemeClr>
+                  </a:solidFill>
+                  <a:latin typeface="배달의민족 연성" panose="020B0600000101010101" pitchFamily="50" charset="-127"/>
+                  <a:ea typeface="배달의민족 연성" panose="020B0600000101010101" pitchFamily="50" charset="-127"/>
+                </a:rPr>
+                <a:t>에브리타임</a:t>
+              </a:r>
+              <a:r>
+                <a:rPr lang="ko-KR" altLang="en-US" sz="4800" dirty="0">
+                  <a:solidFill>
+                    <a:schemeClr val="accent1">
+                      <a:lumMod val="50000"/>
+                    </a:schemeClr>
+                  </a:solidFill>
+                  <a:latin typeface="배달의민족 연성" panose="020B0600000101010101" pitchFamily="50" charset="-127"/>
+                  <a:ea typeface="배달의민족 연성" panose="020B0600000101010101" pitchFamily="50" charset="-127"/>
+                </a:rPr>
+                <a:t> 과목 추천</a:t>
+              </a:r>
+              <a:br>
+                <a:rPr lang="en-US" altLang="ko-KR" sz="4800" dirty="0">
+                  <a:latin typeface="배달의민족 연성" panose="020B0600000101010101" pitchFamily="50" charset="-127"/>
+                  <a:ea typeface="배달의민족 연성" panose="020B0600000101010101" pitchFamily="50" charset="-127"/>
+                </a:rPr>
+              </a:br>
+              <a:r>
+                <a:rPr lang="ko-KR" altLang="en-US" sz="4800" dirty="0">
+                  <a:solidFill>
+                    <a:srgbClr val="FF0000"/>
+                  </a:solidFill>
+                  <a:latin typeface="배달의민족 연성" panose="020B0600000101010101" pitchFamily="50" charset="-127"/>
+                  <a:ea typeface="배달의민족 연성" panose="020B0600000101010101" pitchFamily="50" charset="-127"/>
+                </a:rPr>
+                <a:t>주의사항</a:t>
+              </a:r>
+            </a:p>
+          </p:txBody>
+        </p:sp>
+        <p:sp>
+          <p:nvSpPr>
+            <p:cNvPr id="5" name="타원 4">
+              <a:extLst>
+                <a:ext uri="{FF2B5EF4-FFF2-40B4-BE49-F238E27FC236}">
+                  <a16:creationId xmlns:a16="http://schemas.microsoft.com/office/drawing/2014/main" id="{EADBB5DA-E447-4C0B-89E4-BFC40D8E8306}"/>
+                </a:ext>
+              </a:extLst>
+            </p:cNvPr>
+            <p:cNvSpPr/>
+            <p:nvPr/>
+          </p:nvSpPr>
+          <p:spPr>
+            <a:xfrm>
+              <a:off x="2805210" y="2219325"/>
+              <a:ext cx="438150" cy="438150"/>
+            </a:xfrm>
+            <a:prstGeom prst="ellipse">
+              <a:avLst/>
+            </a:prstGeom>
+            <a:solidFill>
+              <a:schemeClr val="accent1">
+                <a:lumMod val="50000"/>
+              </a:schemeClr>
+            </a:solidFill>
+          </p:spPr>
+          <p:style>
+            <a:lnRef idx="2">
+              <a:schemeClr val="accent1">
+                <a:shade val="50000"/>
+              </a:schemeClr>
+            </a:lnRef>
+            <a:fillRef idx="1">
+              <a:schemeClr val="accent1"/>
+            </a:fillRef>
+            <a:effectRef idx="0">
+              <a:schemeClr val="accent1"/>
+            </a:effectRef>
+            <a:fontRef idx="minor">
+              <a:schemeClr val="lt1"/>
+            </a:fontRef>
+          </p:style>
+          <p:txBody>
+            <a:bodyPr lIns="0" tIns="54000" rIns="0" bIns="0" rtlCol="0" anchor="ctr"/>
+            <a:lstStyle/>
+            <a:p>
+              <a:pPr algn="ctr"/>
+              <a:r>
+                <a:rPr lang="en-US" altLang="ko-KR" sz="2000" dirty="0">
+                  <a:latin typeface="배달의민족 연성" panose="020B0600000101010101" pitchFamily="50" charset="-127"/>
+                  <a:ea typeface="배달의민족 연성" panose="020B0600000101010101" pitchFamily="50" charset="-127"/>
+                </a:rPr>
+                <a:t>1</a:t>
+              </a:r>
+              <a:endParaRPr lang="ko-KR" altLang="en-US" sz="2000" dirty="0">
+                <a:latin typeface="배달의민족 연성" panose="020B0600000101010101" pitchFamily="50" charset="-127"/>
+                <a:ea typeface="배달의민족 연성" panose="020B0600000101010101" pitchFamily="50" charset="-127"/>
+              </a:endParaRPr>
+            </a:p>
+          </p:txBody>
+        </p:sp>
+        <p:sp>
+          <p:nvSpPr>
+            <p:cNvPr id="6" name="타원 5">
+              <a:extLst>
+                <a:ext uri="{FF2B5EF4-FFF2-40B4-BE49-F238E27FC236}">
+                  <a16:creationId xmlns:a16="http://schemas.microsoft.com/office/drawing/2014/main" id="{726819AE-1F7C-433C-945D-813B2060FEF1}"/>
+                </a:ext>
+              </a:extLst>
+            </p:cNvPr>
+            <p:cNvSpPr/>
+            <p:nvPr/>
+          </p:nvSpPr>
+          <p:spPr>
+            <a:xfrm>
+              <a:off x="5276850" y="2219325"/>
+              <a:ext cx="438150" cy="438150"/>
+            </a:xfrm>
+            <a:prstGeom prst="ellipse">
+              <a:avLst/>
+            </a:prstGeom>
+            <a:solidFill>
+              <a:schemeClr val="accent1">
+                <a:lumMod val="50000"/>
+              </a:schemeClr>
+            </a:solidFill>
+          </p:spPr>
+          <p:style>
+            <a:lnRef idx="2">
+              <a:schemeClr val="accent1">
+                <a:shade val="50000"/>
+              </a:schemeClr>
+            </a:lnRef>
+            <a:fillRef idx="1">
+              <a:schemeClr val="accent1"/>
+            </a:fillRef>
+            <a:effectRef idx="0">
+              <a:schemeClr val="accent1"/>
+            </a:effectRef>
+            <a:fontRef idx="minor">
+              <a:schemeClr val="lt1"/>
+            </a:fontRef>
+          </p:style>
+          <p:txBody>
+            <a:bodyPr lIns="0" tIns="54000" rIns="0" bIns="0" rtlCol="0" anchor="ctr"/>
+            <a:lstStyle/>
+            <a:p>
+              <a:pPr algn="ctr"/>
+              <a:r>
+                <a:rPr lang="en-US" altLang="ko-KR" sz="2000" dirty="0">
+                  <a:latin typeface="배달의민족 연성" panose="020B0600000101010101" pitchFamily="50" charset="-127"/>
+                  <a:ea typeface="배달의민족 연성" panose="020B0600000101010101" pitchFamily="50" charset="-127"/>
+                </a:rPr>
+                <a:t>2</a:t>
+              </a:r>
+              <a:endParaRPr lang="ko-KR" altLang="en-US" sz="2000" dirty="0">
+                <a:latin typeface="배달의민족 연성" panose="020B0600000101010101" pitchFamily="50" charset="-127"/>
+                <a:ea typeface="배달의민족 연성" panose="020B0600000101010101" pitchFamily="50" charset="-127"/>
+              </a:endParaRPr>
+            </a:p>
+          </p:txBody>
+        </p:sp>
+        <p:sp>
+          <p:nvSpPr>
+            <p:cNvPr id="7" name="타원 6">
+              <a:extLst>
+                <a:ext uri="{FF2B5EF4-FFF2-40B4-BE49-F238E27FC236}">
+                  <a16:creationId xmlns:a16="http://schemas.microsoft.com/office/drawing/2014/main" id="{98281379-6E6A-4CA7-B907-14F3C3E322AF}"/>
+                </a:ext>
+              </a:extLst>
+            </p:cNvPr>
+            <p:cNvSpPr/>
+            <p:nvPr/>
+          </p:nvSpPr>
+          <p:spPr>
+            <a:xfrm>
+              <a:off x="7748490" y="2219325"/>
+              <a:ext cx="438150" cy="438150"/>
+            </a:xfrm>
+            <a:prstGeom prst="ellipse">
+              <a:avLst/>
+            </a:prstGeom>
+            <a:solidFill>
+              <a:schemeClr val="accent1">
+                <a:lumMod val="50000"/>
+              </a:schemeClr>
+            </a:solidFill>
+          </p:spPr>
+          <p:style>
+            <a:lnRef idx="2">
+              <a:schemeClr val="accent1">
+                <a:shade val="50000"/>
+              </a:schemeClr>
+            </a:lnRef>
+            <a:fillRef idx="1">
+              <a:schemeClr val="accent1"/>
+            </a:fillRef>
+            <a:effectRef idx="0">
+              <a:schemeClr val="accent1"/>
+            </a:effectRef>
+            <a:fontRef idx="minor">
+              <a:schemeClr val="lt1"/>
+            </a:fontRef>
+          </p:style>
+          <p:txBody>
+            <a:bodyPr lIns="0" tIns="54000" rIns="0" bIns="0" rtlCol="0" anchor="ctr"/>
+            <a:lstStyle/>
+            <a:p>
+              <a:pPr algn="ctr"/>
+              <a:r>
+                <a:rPr lang="en-US" altLang="ko-KR" sz="2000" dirty="0">
+                  <a:latin typeface="배달의민족 연성" panose="020B0600000101010101" pitchFamily="50" charset="-127"/>
+                  <a:ea typeface="배달의민족 연성" panose="020B0600000101010101" pitchFamily="50" charset="-127"/>
+                </a:rPr>
+                <a:t>3</a:t>
+              </a:r>
+              <a:endParaRPr lang="ko-KR" altLang="en-US" sz="2000" dirty="0">
+                <a:latin typeface="배달의민족 연성" panose="020B0600000101010101" pitchFamily="50" charset="-127"/>
+                <a:ea typeface="배달의민족 연성" panose="020B0600000101010101" pitchFamily="50" charset="-127"/>
+              </a:endParaRPr>
+            </a:p>
+          </p:txBody>
+        </p:sp>
+        <p:sp>
+          <p:nvSpPr>
+            <p:cNvPr id="11" name="TextBox 10">
+              <a:extLst>
+                <a:ext uri="{FF2B5EF4-FFF2-40B4-BE49-F238E27FC236}">
+                  <a16:creationId xmlns:a16="http://schemas.microsoft.com/office/drawing/2014/main" id="{786E8A3C-0E2D-4583-8C57-C92D9F496778}"/>
+                </a:ext>
+              </a:extLst>
+            </p:cNvPr>
+            <p:cNvSpPr txBox="1"/>
+            <p:nvPr/>
+          </p:nvSpPr>
+          <p:spPr>
+            <a:xfrm>
+              <a:off x="3190973" y="3695700"/>
+              <a:ext cx="1757264" cy="1256400"/>
+            </a:xfrm>
+            <a:prstGeom prst="rect">
+              <a:avLst/>
+            </a:prstGeom>
+            <a:noFill/>
+          </p:spPr>
+          <p:txBody>
+            <a:bodyPr wrap="square" lIns="0" tIns="0" rIns="0" bIns="0" rtlCol="0" anchor="ctr">
+              <a:noAutofit/>
+            </a:bodyPr>
+            <a:lstStyle/>
+            <a:p>
+              <a:pPr algn="ctr"/>
+              <a:r>
+                <a:rPr lang="ko-KR" altLang="en-US" dirty="0">
+                  <a:solidFill>
+                    <a:srgbClr val="FFA401"/>
+                  </a:solidFill>
+                  <a:latin typeface="배달의민족 연성" panose="020B0600000101010101" pitchFamily="50" charset="-127"/>
+                  <a:ea typeface="배달의민족 연성" panose="020B0600000101010101" pitchFamily="50" charset="-127"/>
+                </a:rPr>
+                <a:t>재설정</a:t>
+              </a:r>
+              <a:r>
+                <a:rPr lang="ko-KR" altLang="en-US" dirty="0">
+                  <a:latin typeface="배달의민족 연성" panose="020B0600000101010101" pitchFamily="50" charset="-127"/>
+                  <a:ea typeface="배달의민족 연성" panose="020B0600000101010101" pitchFamily="50" charset="-127"/>
+                </a:rPr>
+                <a:t>을 원하시면</a:t>
+              </a:r>
+              <a:br>
+                <a:rPr lang="en-US" altLang="ko-KR" dirty="0">
+                  <a:latin typeface="배달의민족 연성" panose="020B0600000101010101" pitchFamily="50" charset="-127"/>
+                  <a:ea typeface="배달의민족 연성" panose="020B0600000101010101" pitchFamily="50" charset="-127"/>
+                </a:rPr>
+              </a:br>
+              <a:r>
+                <a:rPr lang="en-US" altLang="ko-KR" dirty="0" err="1">
+                  <a:latin typeface="배달의민족 연성" panose="020B0600000101010101" pitchFamily="50" charset="-127"/>
+                  <a:ea typeface="배달의민족 연성" panose="020B0600000101010101" pitchFamily="50" charset="-127"/>
+                </a:rPr>
+                <a:t>userDB</a:t>
+              </a:r>
+              <a:r>
+                <a:rPr lang="en-US" altLang="ko-KR" dirty="0">
+                  <a:latin typeface="배달의민족 연성" panose="020B0600000101010101" pitchFamily="50" charset="-127"/>
+                  <a:ea typeface="배달의민족 연성" panose="020B0600000101010101" pitchFamily="50" charset="-127"/>
+                </a:rPr>
+                <a:t> </a:t>
+              </a:r>
+              <a:r>
+                <a:rPr lang="ko-KR" altLang="en-US" dirty="0">
+                  <a:latin typeface="배달의민족 연성" panose="020B0600000101010101" pitchFamily="50" charset="-127"/>
+                  <a:ea typeface="배달의민족 연성" panose="020B0600000101010101" pitchFamily="50" charset="-127"/>
+                </a:rPr>
+                <a:t>폴더 삭제 후</a:t>
+              </a:r>
+              <a:r>
+                <a:rPr lang="en-US" altLang="ko-KR" dirty="0">
+                  <a:latin typeface="배달의민족 연성" panose="020B0600000101010101" pitchFamily="50" charset="-127"/>
+                  <a:ea typeface="배달의민족 연성" panose="020B0600000101010101" pitchFamily="50" charset="-127"/>
+                </a:rPr>
+                <a:t>,</a:t>
+              </a:r>
+            </a:p>
+            <a:p>
+              <a:pPr algn="ctr"/>
+              <a:r>
+                <a:rPr lang="en-US" altLang="ko-KR" dirty="0" err="1">
+                  <a:latin typeface="배달의민족 연성" panose="020B0600000101010101" pitchFamily="50" charset="-127"/>
+                  <a:ea typeface="배달의민족 연성" panose="020B0600000101010101" pitchFamily="50" charset="-127"/>
+                </a:rPr>
+                <a:t>ipynb</a:t>
+              </a:r>
+              <a:r>
+                <a:rPr lang="ko-KR" altLang="en-US" dirty="0">
+                  <a:latin typeface="배달의민족 연성" panose="020B0600000101010101" pitchFamily="50" charset="-127"/>
+                  <a:ea typeface="배달의민족 연성" panose="020B0600000101010101" pitchFamily="50" charset="-127"/>
+                </a:rPr>
+                <a:t>를 다시 실행시켜주세요</a:t>
+              </a:r>
+            </a:p>
+          </p:txBody>
+        </p:sp>
+        <p:sp>
+          <p:nvSpPr>
+            <p:cNvPr id="14" name="TextBox 13">
+              <a:extLst>
+                <a:ext uri="{FF2B5EF4-FFF2-40B4-BE49-F238E27FC236}">
+                  <a16:creationId xmlns:a16="http://schemas.microsoft.com/office/drawing/2014/main" id="{E12ABE59-FEFD-42E3-A4E0-514FD9F97019}"/>
+                </a:ext>
+              </a:extLst>
+            </p:cNvPr>
+            <p:cNvSpPr txBox="1"/>
+            <p:nvPr/>
+          </p:nvSpPr>
+          <p:spPr>
+            <a:xfrm>
+              <a:off x="5761369" y="3695699"/>
+              <a:ext cx="1757264" cy="932285"/>
+            </a:xfrm>
+            <a:prstGeom prst="rect">
+              <a:avLst/>
+            </a:prstGeom>
+            <a:noFill/>
+          </p:spPr>
+          <p:txBody>
+            <a:bodyPr wrap="square" lIns="0" tIns="0" rIns="0" bIns="0" rtlCol="0" anchor="ctr">
+              <a:noAutofit/>
+            </a:bodyPr>
+            <a:lstStyle/>
+            <a:p>
+              <a:pPr algn="ctr"/>
+              <a:r>
+                <a:rPr lang="ko-KR" altLang="en-US" dirty="0">
+                  <a:solidFill>
+                    <a:srgbClr val="00B0F0"/>
+                  </a:solidFill>
+                  <a:latin typeface="배달의민족 연성" panose="020B0600000101010101" pitchFamily="50" charset="-127"/>
+                  <a:ea typeface="배달의민족 연성" panose="020B0600000101010101" pitchFamily="50" charset="-127"/>
+                </a:rPr>
+                <a:t>시간표 이미지</a:t>
+              </a:r>
+              <a:r>
+                <a:rPr lang="ko-KR" altLang="en-US" dirty="0">
+                  <a:latin typeface="배달의민족 연성" panose="020B0600000101010101" pitchFamily="50" charset="-127"/>
+                  <a:ea typeface="배달의민족 연성" panose="020B0600000101010101" pitchFamily="50" charset="-127"/>
+                </a:rPr>
+                <a:t> 파일은</a:t>
+              </a:r>
+              <a:br>
+                <a:rPr lang="en-US" altLang="ko-KR" dirty="0">
+                  <a:latin typeface="배달의민족 연성" panose="020B0600000101010101" pitchFamily="50" charset="-127"/>
+                  <a:ea typeface="배달의민족 연성" panose="020B0600000101010101" pitchFamily="50" charset="-127"/>
+                </a:rPr>
+              </a:br>
+              <a:r>
+                <a:rPr lang="en-US" altLang="ko-KR" dirty="0">
+                  <a:latin typeface="배달의민족 연성" panose="020B0600000101010101" pitchFamily="50" charset="-127"/>
+                  <a:ea typeface="배달의민족 연성" panose="020B0600000101010101" pitchFamily="50" charset="-127"/>
+                </a:rPr>
+                <a:t>result - </a:t>
+              </a:r>
+              <a:r>
+                <a:rPr lang="en-US" altLang="ko-KR" dirty="0" err="1">
+                  <a:latin typeface="배달의민족 연성" panose="020B0600000101010101" pitchFamily="50" charset="-127"/>
+                  <a:ea typeface="배달의민족 연성" panose="020B0600000101010101" pitchFamily="50" charset="-127"/>
+                </a:rPr>
+                <a:t>imageDB</a:t>
+              </a:r>
+              <a:r>
+                <a:rPr lang="ko-KR" altLang="en-US" dirty="0">
+                  <a:latin typeface="배달의민족 연성" panose="020B0600000101010101" pitchFamily="50" charset="-127"/>
+                  <a:ea typeface="배달의민족 연성" panose="020B0600000101010101" pitchFamily="50" charset="-127"/>
+                </a:rPr>
+                <a:t>에</a:t>
+              </a:r>
+              <a:br>
+                <a:rPr lang="en-US" altLang="ko-KR" dirty="0">
+                  <a:latin typeface="배달의민족 연성" panose="020B0600000101010101" pitchFamily="50" charset="-127"/>
+                  <a:ea typeface="배달의민족 연성" panose="020B0600000101010101" pitchFamily="50" charset="-127"/>
+                </a:rPr>
+              </a:br>
+              <a:r>
+                <a:rPr lang="ko-KR" altLang="en-US" dirty="0">
+                  <a:latin typeface="배달의민족 연성" panose="020B0600000101010101" pitchFamily="50" charset="-127"/>
+                  <a:ea typeface="배달의민족 연성" panose="020B0600000101010101" pitchFamily="50" charset="-127"/>
+                </a:rPr>
+                <a:t>저장되어 있습니다</a:t>
+              </a:r>
+              <a:r>
+                <a:rPr lang="en-US" altLang="ko-KR" dirty="0">
+                  <a:latin typeface="배달의민족 연성" panose="020B0600000101010101" pitchFamily="50" charset="-127"/>
+                  <a:ea typeface="배달의민족 연성" panose="020B0600000101010101" pitchFamily="50" charset="-127"/>
+                </a:rPr>
+                <a:t>.</a:t>
+              </a:r>
+              <a:endParaRPr lang="ko-KR" altLang="en-US" dirty="0">
+                <a:latin typeface="배달의민족 연성" panose="020B0600000101010101" pitchFamily="50" charset="-127"/>
+                <a:ea typeface="배달의민족 연성" panose="020B0600000101010101" pitchFamily="50" charset="-127"/>
+              </a:endParaRPr>
+            </a:p>
+          </p:txBody>
+        </p:sp>
+        <p:sp>
+          <p:nvSpPr>
+            <p:cNvPr id="17" name="TextBox 16">
+              <a:extLst>
+                <a:ext uri="{FF2B5EF4-FFF2-40B4-BE49-F238E27FC236}">
+                  <a16:creationId xmlns:a16="http://schemas.microsoft.com/office/drawing/2014/main" id="{DC6229E7-DCCF-429D-B7C6-AE743E495BBD}"/>
+                </a:ext>
+              </a:extLst>
+            </p:cNvPr>
+            <p:cNvSpPr txBox="1"/>
+            <p:nvPr/>
+          </p:nvSpPr>
+          <p:spPr>
+            <a:xfrm>
+              <a:off x="8331765" y="3695699"/>
+              <a:ext cx="1757264" cy="1256400"/>
+            </a:xfrm>
+            <a:prstGeom prst="rect">
+              <a:avLst/>
+            </a:prstGeom>
+            <a:noFill/>
+          </p:spPr>
+          <p:txBody>
+            <a:bodyPr wrap="square" lIns="0" tIns="0" rIns="0" bIns="0" rtlCol="0" anchor="ctr">
+              <a:noAutofit/>
+            </a:bodyPr>
+            <a:lstStyle/>
+            <a:p>
+              <a:pPr algn="ctr"/>
+              <a:r>
+                <a:rPr lang="ko-KR" altLang="en-US" dirty="0">
+                  <a:latin typeface="배달의민족 연성" panose="020B0600000101010101" pitchFamily="50" charset="-127"/>
+                  <a:ea typeface="배달의민족 연성" panose="020B0600000101010101" pitchFamily="50" charset="-127"/>
+                </a:rPr>
+                <a:t>데이터 </a:t>
+              </a:r>
+              <a:r>
+                <a:rPr lang="ko-KR" altLang="en-US" dirty="0" err="1">
+                  <a:latin typeface="배달의민족 연성" panose="020B0600000101010101" pitchFamily="50" charset="-127"/>
+                  <a:ea typeface="배달의민족 연성" panose="020B0600000101010101" pitchFamily="50" charset="-127"/>
+                </a:rPr>
+                <a:t>크롤링</a:t>
+              </a:r>
+              <a:r>
+                <a:rPr lang="ko-KR" altLang="en-US" dirty="0">
+                  <a:latin typeface="배달의민족 연성" panose="020B0600000101010101" pitchFamily="50" charset="-127"/>
+                  <a:ea typeface="배달의민족 연성" panose="020B0600000101010101" pitchFamily="50" charset="-127"/>
+                </a:rPr>
+                <a:t> 및 데이터 전처리는</a:t>
+              </a:r>
+              <a:br>
+                <a:rPr lang="en-US" altLang="ko-KR" dirty="0">
+                  <a:latin typeface="배달의민족 연성" panose="020B0600000101010101" pitchFamily="50" charset="-127"/>
+                  <a:ea typeface="배달의민족 연성" panose="020B0600000101010101" pitchFamily="50" charset="-127"/>
+                </a:rPr>
+              </a:br>
+              <a:r>
+                <a:rPr lang="ko-KR" altLang="en-US" dirty="0">
+                  <a:solidFill>
+                    <a:srgbClr val="FF0000"/>
+                  </a:solidFill>
+                  <a:latin typeface="배달의민족 연성" panose="020B0600000101010101" pitchFamily="50" charset="-127"/>
+                  <a:ea typeface="배달의민족 연성" panose="020B0600000101010101" pitchFamily="50" charset="-127"/>
+                </a:rPr>
+                <a:t>최초 </a:t>
+              </a:r>
+              <a:r>
+                <a:rPr lang="en-US" altLang="ko-KR" dirty="0">
+                  <a:solidFill>
+                    <a:srgbClr val="FF0000"/>
+                  </a:solidFill>
+                  <a:latin typeface="배달의민족 연성" panose="020B0600000101010101" pitchFamily="50" charset="-127"/>
+                  <a:ea typeface="배달의민족 연성" panose="020B0600000101010101" pitchFamily="50" charset="-127"/>
+                </a:rPr>
+                <a:t>1</a:t>
+              </a:r>
+              <a:r>
+                <a:rPr lang="ko-KR" altLang="en-US" dirty="0">
+                  <a:solidFill>
+                    <a:srgbClr val="FF0000"/>
+                  </a:solidFill>
+                  <a:latin typeface="배달의민족 연성" panose="020B0600000101010101" pitchFamily="50" charset="-127"/>
+                  <a:ea typeface="배달의민족 연성" panose="020B0600000101010101" pitchFamily="50" charset="-127"/>
+                </a:rPr>
+                <a:t>회</a:t>
+              </a:r>
+              <a:r>
+                <a:rPr lang="ko-KR" altLang="en-US" dirty="0">
+                  <a:latin typeface="배달의민족 연성" panose="020B0600000101010101" pitchFamily="50" charset="-127"/>
+                  <a:ea typeface="배달의민족 연성" panose="020B0600000101010101" pitchFamily="50" charset="-127"/>
+                </a:rPr>
+                <a:t>만 실행시켜주세요</a:t>
+              </a:r>
+            </a:p>
+          </p:txBody>
+        </p:sp>
+        <p:pic>
+          <p:nvPicPr>
+            <p:cNvPr id="3" name="그래픽 2" descr="서버 단색으로 채워진">
+              <a:extLst>
+                <a:ext uri="{FF2B5EF4-FFF2-40B4-BE49-F238E27FC236}">
+                  <a16:creationId xmlns:a16="http://schemas.microsoft.com/office/drawing/2014/main" id="{6F6FE214-9EB4-4218-AF56-47121B85E149}"/>
+                </a:ext>
+              </a:extLst>
+            </p:cNvPr>
+            <p:cNvPicPr>
+              <a:picLocks noChangeAspect="1"/>
+            </p:cNvPicPr>
+            <p:nvPr/>
+          </p:nvPicPr>
+          <p:blipFill>
+            <a:blip r:embed="rId2">
+              <a:extLst>
+                <a:ext uri="{28A0092B-C50C-407E-A947-70E740481C1C}">
+                  <a14:useLocalDpi xmlns:a14="http://schemas.microsoft.com/office/drawing/2010/main" val="0"/>
+                </a:ext>
+                <a:ext uri="{96DAC541-7B7A-43D3-8B79-37D633B846F1}">
+                  <asvg:svgBlip xmlns:asvg="http://schemas.microsoft.com/office/drawing/2016/SVG/main" r:embed="rId3"/>
+                </a:ext>
+              </a:extLst>
+            </a:blip>
+            <a:stretch>
+              <a:fillRect/>
+            </a:stretch>
+          </p:blipFill>
+          <p:spPr>
+            <a:xfrm>
+              <a:off x="3441405" y="2391673"/>
+              <a:ext cx="1256400" cy="1256400"/>
+            </a:xfrm>
+            <a:prstGeom prst="rect">
+              <a:avLst/>
+            </a:prstGeom>
+          </p:spPr>
+        </p:pic>
+        <p:pic>
+          <p:nvPicPr>
+            <p:cNvPr id="9" name="그래픽 8" descr="이미지 단색으로 채워진">
+              <a:extLst>
+                <a:ext uri="{FF2B5EF4-FFF2-40B4-BE49-F238E27FC236}">
+                  <a16:creationId xmlns:a16="http://schemas.microsoft.com/office/drawing/2014/main" id="{76B6B7D3-8F86-4EFF-B2F7-EF8F8C154979}"/>
+                </a:ext>
+              </a:extLst>
+            </p:cNvPr>
+            <p:cNvPicPr>
+              <a:picLocks noChangeAspect="1"/>
+            </p:cNvPicPr>
+            <p:nvPr/>
+          </p:nvPicPr>
+          <p:blipFill>
+            <a:blip r:embed="rId4">
+              <a:extLst>
+                <a:ext uri="{28A0092B-C50C-407E-A947-70E740481C1C}">
+                  <a14:useLocalDpi xmlns:a14="http://schemas.microsoft.com/office/drawing/2010/main" val="0"/>
+                </a:ext>
+                <a:ext uri="{96DAC541-7B7A-43D3-8B79-37D633B846F1}">
+                  <asvg:svgBlip xmlns:asvg="http://schemas.microsoft.com/office/drawing/2016/SVG/main" r:embed="rId5"/>
+                </a:ext>
+              </a:extLst>
+            </a:blip>
+            <a:stretch>
+              <a:fillRect/>
+            </a:stretch>
+          </p:blipFill>
+          <p:spPr>
+            <a:xfrm>
+              <a:off x="6011801" y="2439299"/>
+              <a:ext cx="1256400" cy="1256400"/>
+            </a:xfrm>
+            <a:prstGeom prst="rect">
+              <a:avLst/>
+            </a:prstGeom>
+          </p:spPr>
+        </p:pic>
+        <p:pic>
+          <p:nvPicPr>
+            <p:cNvPr id="15" name="그래픽 14" descr="UFO 침입 단색으로 채워진">
+              <a:extLst>
+                <a:ext uri="{FF2B5EF4-FFF2-40B4-BE49-F238E27FC236}">
+                  <a16:creationId xmlns:a16="http://schemas.microsoft.com/office/drawing/2014/main" id="{8A16BB66-3F76-4A19-AC86-DA00274BF1AD}"/>
+                </a:ext>
+              </a:extLst>
+            </p:cNvPr>
+            <p:cNvPicPr>
+              <a:picLocks noChangeAspect="1"/>
+            </p:cNvPicPr>
+            <p:nvPr/>
+          </p:nvPicPr>
+          <p:blipFill>
+            <a:blip r:embed="rId6">
+              <a:extLst>
+                <a:ext uri="{28A0092B-C50C-407E-A947-70E740481C1C}">
+                  <a14:useLocalDpi xmlns:a14="http://schemas.microsoft.com/office/drawing/2010/main" val="0"/>
+                </a:ext>
+                <a:ext uri="{96DAC541-7B7A-43D3-8B79-37D633B846F1}">
+                  <asvg:svgBlip xmlns:asvg="http://schemas.microsoft.com/office/drawing/2016/SVG/main" r:embed="rId7"/>
+                </a:ext>
+              </a:extLst>
+            </a:blip>
+            <a:stretch>
+              <a:fillRect/>
+            </a:stretch>
+          </p:blipFill>
+          <p:spPr>
+            <a:xfrm>
+              <a:off x="8582197" y="2391673"/>
+              <a:ext cx="1256400" cy="1256400"/>
+            </a:xfrm>
+            <a:prstGeom prst="rect">
+              <a:avLst/>
+            </a:prstGeom>
+          </p:spPr>
+        </p:pic>
+        <p:sp>
+          <p:nvSpPr>
+            <p:cNvPr id="18" name="직사각형 17">
+              <a:extLst>
+                <a:ext uri="{FF2B5EF4-FFF2-40B4-BE49-F238E27FC236}">
+                  <a16:creationId xmlns:a16="http://schemas.microsoft.com/office/drawing/2014/main" id="{F2D5CA1F-53F6-4C17-B9DC-1367B1CE9C4F}"/>
+                </a:ext>
+              </a:extLst>
+            </p:cNvPr>
+            <p:cNvSpPr/>
+            <p:nvPr/>
+          </p:nvSpPr>
+          <p:spPr>
+            <a:xfrm>
+              <a:off x="2152743" y="279918"/>
+              <a:ext cx="8322906" cy="4842587"/>
+            </a:xfrm>
+            <a:prstGeom prst="rect">
+              <a:avLst/>
+            </a:prstGeom>
+            <a:noFill/>
+            <a:ln w="38100">
+              <a:solidFill>
+                <a:schemeClr val="tx1"/>
+              </a:solidFill>
+            </a:ln>
+          </p:spPr>
+          <p:style>
+            <a:lnRef idx="2">
+              <a:schemeClr val="accent1">
+                <a:shade val="50000"/>
+              </a:schemeClr>
+            </a:lnRef>
+            <a:fillRef idx="1">
+              <a:schemeClr val="accent1"/>
+            </a:fillRef>
+            <a:effectRef idx="0">
+              <a:schemeClr val="accent1"/>
+            </a:effectRef>
+            <a:fontRef idx="minor">
+              <a:schemeClr val="lt1"/>
+            </a:fontRef>
+          </p:style>
+          <p:txBody>
+            <a:bodyPr rtlCol="0" anchor="ctr"/>
+            <a:lstStyle/>
+            <a:p>
+              <a:pPr algn="ctr"/>
+              <a:endParaRPr lang="ko-KR" altLang="en-US">
+                <a:latin typeface="배달의민족 연성" panose="020B0600000101010101" pitchFamily="50" charset="-127"/>
+                <a:ea typeface="배달의민족 연성" panose="020B0600000101010101" pitchFamily="50" charset="-127"/>
+              </a:endParaRPr>
+            </a:p>
+          </p:txBody>
+        </p:sp>
+      </p:grpSp>
+    </p:spTree>
+    <p:extLst>
+      <p:ext uri="{BB962C8B-B14F-4D97-AF65-F5344CB8AC3E}">
+        <p14:creationId xmlns:p14="http://schemas.microsoft.com/office/powerpoint/2010/main" val="209007219"/>
+      </p:ext>
+    </p:extLst>
+  </p:cSld>
+  <p:clrMapOvr>
+    <a:masterClrMapping/>
+  </p:clrMapOvr>
+</p:sld>
+</file>
+
 <file path=ppt/theme/theme1.xml><?xml version="1.0" encoding="utf-8"?>
 <a:theme xmlns:a="http://schemas.openxmlformats.org/drawingml/2006/main" name="Office 테마">
   <a:themeElements>
